--- a/backend/powerpoint/created_slides/new-file-name.pptx
+++ b/backend/powerpoint/created_slides/new-file-name.pptx
@@ -5,7 +5,7 @@
     <p:sldMasterId id="2147483660" r:id="rId1"/>
   </p:sldMasterIdLst>
   <p:sldIdLst>
-    <p:sldId id="257" r:id="rId2"/>
+    <p:sldId id="256" r:id="rId2"/>
   </p:sldIdLst>
   <p:sldSz cx="12192000" cy="6858000"/>
   <p:notesSz cx="6858000" cy="9144000"/>
@@ -124,6 +124,145 @@
           <a:chExt cx="0" cy="0"/>
         </a:xfrm>
       </p:grpSpPr>
+      <p:pic>
+        <p:nvPicPr>
+          <p:cNvPr id="7" name="Picture 6" descr="HD-ShadowLong.png"/>
+          <p:cNvPicPr>
+            <a:picLocks noChangeAspect="1"/>
+          </p:cNvPicPr>
+          <p:nvPr/>
+        </p:nvPicPr>
+        <p:blipFill>
+          <a:blip r:embed="rId2">
+            <a:extLst>
+              <a:ext uri="{28A0092B-C50C-407E-A947-70E740481C1C}">
+                <a14:useLocalDpi xmlns:a14="http://schemas.microsoft.com/office/drawing/2010/main" val="0"/>
+              </a:ext>
+            </a:extLst>
+          </a:blip>
+          <a:stretch>
+            <a:fillRect/>
+          </a:stretch>
+        </p:blipFill>
+        <p:spPr>
+          <a:xfrm>
+            <a:off x="1" y="4242851"/>
+            <a:ext cx="8968084" cy="275942"/>
+          </a:xfrm>
+          <a:prstGeom prst="rect">
+            <a:avLst/>
+          </a:prstGeom>
+        </p:spPr>
+      </p:pic>
+      <p:pic>
+        <p:nvPicPr>
+          <p:cNvPr id="8" name="Picture 7" descr="HD-ShadowShort.png"/>
+          <p:cNvPicPr>
+            <a:picLocks noChangeAspect="1"/>
+          </p:cNvPicPr>
+          <p:nvPr/>
+        </p:nvPicPr>
+        <p:blipFill>
+          <a:blip r:embed="rId3">
+            <a:extLst>
+              <a:ext uri="{28A0092B-C50C-407E-A947-70E740481C1C}">
+                <a14:useLocalDpi xmlns:a14="http://schemas.microsoft.com/office/drawing/2010/main" val="0"/>
+              </a:ext>
+            </a:extLst>
+          </a:blip>
+          <a:stretch>
+            <a:fillRect/>
+          </a:stretch>
+        </p:blipFill>
+        <p:spPr>
+          <a:xfrm>
+            <a:off x="9111716" y="4243845"/>
+            <a:ext cx="3077108" cy="276940"/>
+          </a:xfrm>
+          <a:prstGeom prst="rect">
+            <a:avLst/>
+          </a:prstGeom>
+        </p:spPr>
+      </p:pic>
+      <p:sp>
+        <p:nvSpPr>
+          <p:cNvPr id="9" name="Rectangle 8"/>
+          <p:cNvSpPr/>
+          <p:nvPr/>
+        </p:nvSpPr>
+        <p:spPr bwMode="ltGray">
+          <a:xfrm>
+            <a:off x="0" y="2590078"/>
+            <a:ext cx="8968085" cy="1660332"/>
+          </a:xfrm>
+          <a:prstGeom prst="rect">
+            <a:avLst/>
+          </a:prstGeom>
+          <a:solidFill>
+            <a:schemeClr val="bg1">
+              <a:lumMod val="85000"/>
+              <a:lumOff val="15000"/>
+            </a:schemeClr>
+          </a:solidFill>
+          <a:ln>
+            <a:noFill/>
+          </a:ln>
+        </p:spPr>
+        <p:style>
+          <a:lnRef idx="2">
+            <a:schemeClr val="accent1">
+              <a:shade val="50000"/>
+            </a:schemeClr>
+          </a:lnRef>
+          <a:fillRef idx="1">
+            <a:schemeClr val="accent1"/>
+          </a:fillRef>
+          <a:effectRef idx="0">
+            <a:schemeClr val="accent1"/>
+          </a:effectRef>
+          <a:fontRef idx="minor">
+            <a:schemeClr val="lt1"/>
+          </a:fontRef>
+        </p:style>
+      </p:sp>
+      <p:sp>
+        <p:nvSpPr>
+          <p:cNvPr id="10" name="Rectangle 9"/>
+          <p:cNvSpPr/>
+          <p:nvPr/>
+        </p:nvSpPr>
+        <p:spPr>
+          <a:xfrm>
+            <a:off x="9111715" y="2590078"/>
+            <a:ext cx="3077109" cy="1660332"/>
+          </a:xfrm>
+          <a:prstGeom prst="rect">
+            <a:avLst/>
+          </a:prstGeom>
+          <a:solidFill>
+            <a:schemeClr val="accent1"/>
+          </a:solidFill>
+          <a:ln>
+            <a:noFill/>
+          </a:ln>
+        </p:spPr>
+        <p:style>
+          <a:lnRef idx="2">
+            <a:schemeClr val="accent1">
+              <a:shade val="50000"/>
+            </a:schemeClr>
+          </a:lnRef>
+          <a:fillRef idx="1">
+            <a:schemeClr val="accent1"/>
+          </a:fillRef>
+          <a:effectRef idx="0">
+            <a:schemeClr val="accent1"/>
+          </a:effectRef>
+          <a:fontRef idx="minor">
+            <a:schemeClr val="lt1"/>
+          </a:fontRef>
+        </p:style>
+      </p:sp>
       <p:sp>
         <p:nvSpPr>
           <p:cNvPr id="2" name="Title 1"/>
@@ -136,15 +275,17 @@
         </p:nvSpPr>
         <p:spPr>
           <a:xfrm>
-            <a:off x="1154955" y="1447800"/>
-            <a:ext cx="8825658" cy="3329581"/>
-          </a:xfrm>
-        </p:spPr>
-        <p:txBody>
-          <a:bodyPr anchor="b"/>
+            <a:off x="680322" y="2733709"/>
+            <a:ext cx="8144134" cy="1373070"/>
+          </a:xfrm>
+        </p:spPr>
+        <p:txBody>
+          <a:bodyPr anchor="b">
+            <a:noAutofit/>
+          </a:bodyPr>
           <a:lstStyle>
-            <a:lvl1pPr>
-              <a:defRPr sz="7200"/>
+            <a:lvl1pPr algn="r">
+              <a:defRPr sz="5400"/>
             </a:lvl1pPr>
           </a:lstStyle>
           <a:p>
@@ -168,103 +309,50 @@
         </p:nvSpPr>
         <p:spPr>
           <a:xfrm>
-            <a:off x="1154955" y="4777380"/>
-            <a:ext cx="8825658" cy="861420"/>
-          </a:xfrm>
-        </p:spPr>
-        <p:txBody>
-          <a:bodyPr anchor="t"/>
+            <a:off x="680322" y="4394039"/>
+            <a:ext cx="8144134" cy="1117687"/>
+          </a:xfrm>
+        </p:spPr>
+        <p:txBody>
+          <a:bodyPr>
+            <a:normAutofit/>
+          </a:bodyPr>
           <a:lstStyle>
-            <a:lvl1pPr marL="0" indent="0" algn="l">
-              <a:buNone/>
-              <a:defRPr cap="all">
-                <a:solidFill>
-                  <a:schemeClr val="bg2">
-                    <a:lumMod val="40000"/>
-                    <a:lumOff val="60000"/>
-                  </a:schemeClr>
-                </a:solidFill>
-              </a:defRPr>
+            <a:lvl1pPr marL="0" indent="0" algn="r">
+              <a:buNone/>
+              <a:defRPr sz="2000"/>
             </a:lvl1pPr>
             <a:lvl2pPr marL="457200" indent="0" algn="ctr">
               <a:buNone/>
-              <a:defRPr>
-                <a:solidFill>
-                  <a:schemeClr val="tx1">
-                    <a:tint val="75000"/>
-                  </a:schemeClr>
-                </a:solidFill>
-              </a:defRPr>
+              <a:defRPr sz="2000"/>
             </a:lvl2pPr>
             <a:lvl3pPr marL="914400" indent="0" algn="ctr">
               <a:buNone/>
-              <a:defRPr>
-                <a:solidFill>
-                  <a:schemeClr val="tx1">
-                    <a:tint val="75000"/>
-                  </a:schemeClr>
-                </a:solidFill>
-              </a:defRPr>
+              <a:defRPr sz="1800"/>
             </a:lvl3pPr>
             <a:lvl4pPr marL="1371600" indent="0" algn="ctr">
               <a:buNone/>
-              <a:defRPr>
-                <a:solidFill>
-                  <a:schemeClr val="tx1">
-                    <a:tint val="75000"/>
-                  </a:schemeClr>
-                </a:solidFill>
-              </a:defRPr>
+              <a:defRPr sz="1600"/>
             </a:lvl4pPr>
             <a:lvl5pPr marL="1828800" indent="0" algn="ctr">
               <a:buNone/>
-              <a:defRPr>
-                <a:solidFill>
-                  <a:schemeClr val="tx1">
-                    <a:tint val="75000"/>
-                  </a:schemeClr>
-                </a:solidFill>
-              </a:defRPr>
+              <a:defRPr sz="1600"/>
             </a:lvl5pPr>
             <a:lvl6pPr marL="2286000" indent="0" algn="ctr">
               <a:buNone/>
-              <a:defRPr>
-                <a:solidFill>
-                  <a:schemeClr val="tx1">
-                    <a:tint val="75000"/>
-                  </a:schemeClr>
-                </a:solidFill>
-              </a:defRPr>
+              <a:defRPr sz="1600"/>
             </a:lvl6pPr>
             <a:lvl7pPr marL="2743200" indent="0" algn="ctr">
               <a:buNone/>
-              <a:defRPr>
-                <a:solidFill>
-                  <a:schemeClr val="tx1">
-                    <a:tint val="75000"/>
-                  </a:schemeClr>
-                </a:solidFill>
-              </a:defRPr>
+              <a:defRPr sz="1600"/>
             </a:lvl7pPr>
             <a:lvl8pPr marL="3200400" indent="0" algn="ctr">
               <a:buNone/>
-              <a:defRPr>
-                <a:solidFill>
-                  <a:schemeClr val="tx1">
-                    <a:tint val="75000"/>
-                  </a:schemeClr>
-                </a:solidFill>
-              </a:defRPr>
+              <a:defRPr sz="1600"/>
             </a:lvl8pPr>
             <a:lvl9pPr marL="3657600" indent="0" algn="ctr">
               <a:buNone/>
-              <a:defRPr>
-                <a:solidFill>
-                  <a:schemeClr val="tx1">
-                    <a:tint val="75000"/>
-                  </a:schemeClr>
-                </a:solidFill>
-              </a:defRPr>
+              <a:defRPr sz="1600"/>
             </a:lvl9pPr>
           </a:lstStyle>
           <a:p>
@@ -291,7 +379,7 @@
           <a:bodyPr/>
           <a:lstStyle/>
           <a:p>
-            <a:fld id="{1415355B-2634-4E66-91F0-41971C44CBA6}" type="datetimeFigureOut">
+            <a:fld id="{99A83B17-14C1-41F4-867A-23A379B416F7}" type="datetimeFigureOut">
               <a:rPr lang="en-GB" smtClean="0"/>
               <a:t>12/02/2025</a:t>
             </a:fld>
@@ -328,12 +416,17 @@
             <p:ph type="sldNum" sz="quarter" idx="12"/>
           </p:nvPr>
         </p:nvSpPr>
-        <p:spPr/>
+        <p:spPr>
+          <a:xfrm>
+            <a:off x="9255346" y="2750337"/>
+            <a:ext cx="1171888" cy="1356442"/>
+          </a:xfrm>
+        </p:spPr>
         <p:txBody>
           <a:bodyPr/>
           <a:lstStyle/>
           <a:p>
-            <a:fld id="{2FA82579-086B-42C5-A211-27F08592B2BA}" type="slidenum">
+            <a:fld id="{CA95F3DD-E009-476A-A393-164C21EAFD0D}" type="slidenum">
               <a:rPr lang="en-GB" smtClean="0"/>
               <a:t>‹#›</a:t>
             </a:fld>
@@ -344,7 +437,7 @@
     </p:spTree>
     <p:extLst>
       <p:ext uri="{BB962C8B-B14F-4D97-AF65-F5344CB8AC3E}">
-        <p14:creationId xmlns:p14="http://schemas.microsoft.com/office/powerpoint/2010/main" val="2412008634"/>
+        <p14:creationId xmlns:p14="http://schemas.microsoft.com/office/powerpoint/2010/main" val="3375736682"/>
       </p:ext>
     </p:extLst>
   </p:cSld>
@@ -371,6 +464,145 @@
           <a:chExt cx="0" cy="0"/>
         </a:xfrm>
       </p:grpSpPr>
+      <p:pic>
+        <p:nvPicPr>
+          <p:cNvPr id="8" name="Picture 7" descr="HD-ShadowLong.png"/>
+          <p:cNvPicPr>
+            <a:picLocks noChangeAspect="1"/>
+          </p:cNvPicPr>
+          <p:nvPr/>
+        </p:nvPicPr>
+        <p:blipFill>
+          <a:blip r:embed="rId2">
+            <a:extLst>
+              <a:ext uri="{28A0092B-C50C-407E-A947-70E740481C1C}">
+                <a14:useLocalDpi xmlns:a14="http://schemas.microsoft.com/office/drawing/2010/main" val="0"/>
+              </a:ext>
+            </a:extLst>
+          </a:blip>
+          <a:stretch>
+            <a:fillRect/>
+          </a:stretch>
+        </p:blipFill>
+        <p:spPr>
+          <a:xfrm>
+            <a:off x="1" y="5928628"/>
+            <a:ext cx="10437812" cy="321164"/>
+          </a:xfrm>
+          <a:prstGeom prst="rect">
+            <a:avLst/>
+          </a:prstGeom>
+        </p:spPr>
+      </p:pic>
+      <p:pic>
+        <p:nvPicPr>
+          <p:cNvPr id="9" name="Picture 8" descr="HD-ShadowShort.png"/>
+          <p:cNvPicPr>
+            <a:picLocks noChangeAspect="1"/>
+          </p:cNvPicPr>
+          <p:nvPr/>
+        </p:nvPicPr>
+        <p:blipFill>
+          <a:blip r:embed="rId3">
+            <a:extLst>
+              <a:ext uri="{28A0092B-C50C-407E-A947-70E740481C1C}">
+                <a14:useLocalDpi xmlns:a14="http://schemas.microsoft.com/office/drawing/2010/main" val="0"/>
+              </a:ext>
+            </a:extLst>
+          </a:blip>
+          <a:stretch>
+            <a:fillRect/>
+          </a:stretch>
+        </p:blipFill>
+        <p:spPr>
+          <a:xfrm>
+            <a:off x="10585826" y="5929622"/>
+            <a:ext cx="1602997" cy="144270"/>
+          </a:xfrm>
+          <a:prstGeom prst="rect">
+            <a:avLst/>
+          </a:prstGeom>
+        </p:spPr>
+      </p:pic>
+      <p:sp>
+        <p:nvSpPr>
+          <p:cNvPr id="10" name="Rectangle 9"/>
+          <p:cNvSpPr/>
+          <p:nvPr/>
+        </p:nvSpPr>
+        <p:spPr bwMode="ltGray">
+          <a:xfrm>
+            <a:off x="0" y="4567988"/>
+            <a:ext cx="10437812" cy="1368198"/>
+          </a:xfrm>
+          <a:prstGeom prst="rect">
+            <a:avLst/>
+          </a:prstGeom>
+          <a:solidFill>
+            <a:schemeClr val="bg1">
+              <a:lumMod val="85000"/>
+              <a:lumOff val="15000"/>
+            </a:schemeClr>
+          </a:solidFill>
+          <a:ln>
+            <a:noFill/>
+          </a:ln>
+        </p:spPr>
+        <p:style>
+          <a:lnRef idx="2">
+            <a:schemeClr val="accent1">
+              <a:shade val="50000"/>
+            </a:schemeClr>
+          </a:lnRef>
+          <a:fillRef idx="1">
+            <a:schemeClr val="accent1"/>
+          </a:fillRef>
+          <a:effectRef idx="0">
+            <a:schemeClr val="accent1"/>
+          </a:effectRef>
+          <a:fontRef idx="minor">
+            <a:schemeClr val="lt1"/>
+          </a:fontRef>
+        </p:style>
+      </p:sp>
+      <p:sp>
+        <p:nvSpPr>
+          <p:cNvPr id="11" name="Rectangle 10"/>
+          <p:cNvSpPr/>
+          <p:nvPr/>
+        </p:nvSpPr>
+        <p:spPr>
+          <a:xfrm>
+            <a:off x="10585827" y="4567988"/>
+            <a:ext cx="1602997" cy="1368198"/>
+          </a:xfrm>
+          <a:prstGeom prst="rect">
+            <a:avLst/>
+          </a:prstGeom>
+          <a:solidFill>
+            <a:schemeClr val="accent1"/>
+          </a:solidFill>
+          <a:ln>
+            <a:noFill/>
+          </a:ln>
+        </p:spPr>
+        <p:style>
+          <a:lnRef idx="2">
+            <a:schemeClr val="accent1">
+              <a:shade val="50000"/>
+            </a:schemeClr>
+          </a:lnRef>
+          <a:fillRef idx="1">
+            <a:schemeClr val="accent1"/>
+          </a:fillRef>
+          <a:effectRef idx="0">
+            <a:schemeClr val="accent1"/>
+          </a:effectRef>
+          <a:fontRef idx="minor">
+            <a:schemeClr val="lt1"/>
+          </a:fontRef>
+        </p:style>
+      </p:sp>
       <p:sp>
         <p:nvSpPr>
           <p:cNvPr id="2" name="Title 1"/>
@@ -383,8 +615,8 @@
         </p:nvSpPr>
         <p:spPr>
           <a:xfrm>
-            <a:off x="1154956" y="4800587"/>
-            <a:ext cx="8825657" cy="566738"/>
+            <a:off x="680322" y="4711616"/>
+            <a:ext cx="9613859" cy="453051"/>
           </a:xfrm>
         </p:spPr>
         <p:txBody>
@@ -392,8 +624,8 @@
             <a:normAutofit/>
           </a:bodyPr>
           <a:lstStyle>
-            <a:lvl1pPr algn="l">
-              <a:defRPr sz="2400" b="0"/>
+            <a:lvl1pPr>
+              <a:defRPr sz="2400"/>
             </a:lvl1pPr>
           </a:lstStyle>
           <a:p>
@@ -417,132 +649,127 @@
         </p:nvSpPr>
         <p:spPr>
           <a:xfrm>
-            <a:off x="1154955" y="685800"/>
-            <a:ext cx="8825658" cy="3640666"/>
-          </a:xfrm>
-          <a:prstGeom prst="roundRect">
-            <a:avLst>
-              <a:gd name="adj" fmla="val 1858"/>
-            </a:avLst>
-          </a:prstGeom>
+            <a:off x="680322" y="609597"/>
+            <a:ext cx="9613859" cy="3589575"/>
+          </a:xfrm>
+          <a:noFill/>
+          <a:ln>
+            <a:noFill/>
+          </a:ln>
           <a:effectLst>
-            <a:outerShdw blurRad="50800" dist="50800" dir="5400000" algn="tl" rotWithShape="0">
+            <a:outerShdw blurRad="76200" dist="63500" dir="5040000" algn="tl" rotWithShape="0">
               <a:srgbClr val="000000">
-                <a:alpha val="43000"/>
+                <a:alpha val="41000"/>
               </a:srgbClr>
             </a:outerShdw>
           </a:effectLst>
         </p:spPr>
         <p:txBody>
-          <a:bodyPr anchor="t">
-            <a:normAutofit/>
-          </a:bodyPr>
+          <a:bodyPr anchor="t"/>
           <a:lstStyle>
-            <a:lvl1pPr marL="0" indent="0" algn="ctr">
+            <a:lvl1pPr marL="0" indent="0">
+              <a:buNone/>
+              <a:defRPr sz="3200"/>
+            </a:lvl1pPr>
+            <a:lvl2pPr marL="457200" indent="0">
+              <a:buNone/>
+              <a:defRPr sz="2800"/>
+            </a:lvl2pPr>
+            <a:lvl3pPr marL="914400" indent="0">
+              <a:buNone/>
+              <a:defRPr sz="2400"/>
+            </a:lvl3pPr>
+            <a:lvl4pPr marL="1371600" indent="0">
+              <a:buNone/>
+              <a:defRPr sz="2000"/>
+            </a:lvl4pPr>
+            <a:lvl5pPr marL="1828800" indent="0">
+              <a:buNone/>
+              <a:defRPr sz="2000"/>
+            </a:lvl5pPr>
+            <a:lvl6pPr marL="2286000" indent="0">
+              <a:buNone/>
+              <a:defRPr sz="2000"/>
+            </a:lvl6pPr>
+            <a:lvl7pPr marL="2743200" indent="0">
+              <a:buNone/>
+              <a:defRPr sz="2000"/>
+            </a:lvl7pPr>
+            <a:lvl8pPr marL="3200400" indent="0">
+              <a:buNone/>
+              <a:defRPr sz="2000"/>
+            </a:lvl8pPr>
+            <a:lvl9pPr marL="3657600" indent="0">
+              <a:buNone/>
+              <a:defRPr sz="2000"/>
+            </a:lvl9pPr>
+          </a:lstStyle>
+          <a:p>
+            <a:r>
+              <a:rPr lang="en-GB"/>
+              <a:t>Click icon to add picture</a:t>
+            </a:r>
+            <a:endParaRPr lang="en-US" dirty="0"/>
+          </a:p>
+        </p:txBody>
+      </p:sp>
+      <p:sp>
+        <p:nvSpPr>
+          <p:cNvPr id="4" name="Text Placeholder 3"/>
+          <p:cNvSpPr>
+            <a:spLocks noGrp="1"/>
+          </p:cNvSpPr>
+          <p:nvPr>
+            <p:ph type="body" sz="half" idx="2"/>
+          </p:nvPr>
+        </p:nvSpPr>
+        <p:spPr>
+          <a:xfrm>
+            <a:off x="680319" y="5169583"/>
+            <a:ext cx="9613862" cy="622971"/>
+          </a:xfrm>
+        </p:spPr>
+        <p:txBody>
+          <a:bodyPr/>
+          <a:lstStyle>
+            <a:lvl1pPr marL="0" indent="0">
               <a:buNone/>
               <a:defRPr sz="1600"/>
             </a:lvl1pPr>
             <a:lvl2pPr marL="457200" indent="0">
               <a:buNone/>
-              <a:defRPr sz="1600"/>
+              <a:defRPr sz="1400"/>
             </a:lvl2pPr>
             <a:lvl3pPr marL="914400" indent="0">
               <a:buNone/>
-              <a:defRPr sz="1600"/>
+              <a:defRPr sz="1200"/>
             </a:lvl3pPr>
             <a:lvl4pPr marL="1371600" indent="0">
               <a:buNone/>
-              <a:defRPr sz="1600"/>
+              <a:defRPr sz="1000"/>
             </a:lvl4pPr>
             <a:lvl5pPr marL="1828800" indent="0">
               <a:buNone/>
-              <a:defRPr sz="1600"/>
+              <a:defRPr sz="1000"/>
             </a:lvl5pPr>
             <a:lvl6pPr marL="2286000" indent="0">
               <a:buNone/>
-              <a:defRPr sz="1600"/>
+              <a:defRPr sz="1000"/>
             </a:lvl6pPr>
             <a:lvl7pPr marL="2743200" indent="0">
               <a:buNone/>
-              <a:defRPr sz="1600"/>
+              <a:defRPr sz="1000"/>
             </a:lvl7pPr>
             <a:lvl8pPr marL="3200400" indent="0">
               <a:buNone/>
-              <a:defRPr sz="1600"/>
+              <a:defRPr sz="1000"/>
             </a:lvl8pPr>
             <a:lvl9pPr marL="3657600" indent="0">
               <a:buNone/>
-              <a:defRPr sz="1600"/>
+              <a:defRPr sz="1000"/>
             </a:lvl9pPr>
           </a:lstStyle>
           <a:p>
-            <a:r>
-              <a:rPr lang="en-GB"/>
-              <a:t>Click icon to add picture</a:t>
-            </a:r>
-            <a:endParaRPr lang="en-US" dirty="0"/>
-          </a:p>
-        </p:txBody>
-      </p:sp>
-      <p:sp>
-        <p:nvSpPr>
-          <p:cNvPr id="4" name="Text Placeholder 3"/>
-          <p:cNvSpPr>
-            <a:spLocks noGrp="1"/>
-          </p:cNvSpPr>
-          <p:nvPr>
-            <p:ph type="body" sz="half" idx="2"/>
-          </p:nvPr>
-        </p:nvSpPr>
-        <p:spPr>
-          <a:xfrm>
-            <a:off x="1154956" y="5367325"/>
-            <a:ext cx="8825656" cy="493712"/>
-          </a:xfrm>
-        </p:spPr>
-        <p:txBody>
-          <a:bodyPr>
-            <a:normAutofit/>
-          </a:bodyPr>
-          <a:lstStyle>
-            <a:lvl1pPr marL="0" indent="0">
-              <a:buNone/>
-              <a:defRPr sz="1200"/>
-            </a:lvl1pPr>
-            <a:lvl2pPr marL="457200" indent="0">
-              <a:buNone/>
-              <a:defRPr sz="1200"/>
-            </a:lvl2pPr>
-            <a:lvl3pPr marL="914400" indent="0">
-              <a:buNone/>
-              <a:defRPr sz="1000"/>
-            </a:lvl3pPr>
-            <a:lvl4pPr marL="1371600" indent="0">
-              <a:buNone/>
-              <a:defRPr sz="900"/>
-            </a:lvl4pPr>
-            <a:lvl5pPr marL="1828800" indent="0">
-              <a:buNone/>
-              <a:defRPr sz="900"/>
-            </a:lvl5pPr>
-            <a:lvl6pPr marL="2286000" indent="0">
-              <a:buNone/>
-              <a:defRPr sz="900"/>
-            </a:lvl6pPr>
-            <a:lvl7pPr marL="2743200" indent="0">
-              <a:buNone/>
-              <a:defRPr sz="900"/>
-            </a:lvl7pPr>
-            <a:lvl8pPr marL="3200400" indent="0">
-              <a:buNone/>
-              <a:defRPr sz="900"/>
-            </a:lvl8pPr>
-            <a:lvl9pPr marL="3657600" indent="0">
-              <a:buNone/>
-              <a:defRPr sz="900"/>
-            </a:lvl9pPr>
-          </a:lstStyle>
-          <a:p>
             <a:pPr lvl="0"/>
             <a:r>
               <a:rPr lang="en-GB"/>
@@ -566,7 +793,7 @@
           <a:bodyPr/>
           <a:lstStyle/>
           <a:p>
-            <a:fld id="{1415355B-2634-4E66-91F0-41971C44CBA6}" type="datetimeFigureOut">
+            <a:fld id="{99A83B17-14C1-41F4-867A-23A379B416F7}" type="datetimeFigureOut">
               <a:rPr lang="en-GB" smtClean="0"/>
               <a:t>12/02/2025</a:t>
             </a:fld>
@@ -603,12 +830,17 @@
             <p:ph type="sldNum" sz="quarter" idx="12"/>
           </p:nvPr>
         </p:nvSpPr>
-        <p:spPr/>
+        <p:spPr>
+          <a:xfrm>
+            <a:off x="10729455" y="4711309"/>
+            <a:ext cx="1154151" cy="1090789"/>
+          </a:xfrm>
+        </p:spPr>
         <p:txBody>
           <a:bodyPr/>
           <a:lstStyle/>
           <a:p>
-            <a:fld id="{2FA82579-086B-42C5-A211-27F08592B2BA}" type="slidenum">
+            <a:fld id="{CA95F3DD-E009-476A-A393-164C21EAFD0D}" type="slidenum">
               <a:rPr lang="en-GB" smtClean="0"/>
               <a:t>‹#›</a:t>
             </a:fld>
@@ -619,7 +851,7 @@
     </p:spTree>
     <p:extLst>
       <p:ext uri="{BB962C8B-B14F-4D97-AF65-F5344CB8AC3E}">
-        <p14:creationId xmlns:p14="http://schemas.microsoft.com/office/powerpoint/2010/main" val="3246938826"/>
+        <p14:creationId xmlns:p14="http://schemas.microsoft.com/office/powerpoint/2010/main" val="2066360897"/>
       </p:ext>
     </p:extLst>
   </p:cSld>
@@ -646,6 +878,145 @@
           <a:chExt cx="0" cy="0"/>
         </a:xfrm>
       </p:grpSpPr>
+      <p:pic>
+        <p:nvPicPr>
+          <p:cNvPr id="8" name="Picture 7" descr="HD-ShadowLong.png"/>
+          <p:cNvPicPr>
+            <a:picLocks noChangeAspect="1"/>
+          </p:cNvPicPr>
+          <p:nvPr/>
+        </p:nvPicPr>
+        <p:blipFill>
+          <a:blip r:embed="rId2">
+            <a:extLst>
+              <a:ext uri="{28A0092B-C50C-407E-A947-70E740481C1C}">
+                <a14:useLocalDpi xmlns:a14="http://schemas.microsoft.com/office/drawing/2010/main" val="0"/>
+              </a:ext>
+            </a:extLst>
+          </a:blip>
+          <a:stretch>
+            <a:fillRect/>
+          </a:stretch>
+        </p:blipFill>
+        <p:spPr>
+          <a:xfrm>
+            <a:off x="1" y="5928628"/>
+            <a:ext cx="10437812" cy="321164"/>
+          </a:xfrm>
+          <a:prstGeom prst="rect">
+            <a:avLst/>
+          </a:prstGeom>
+        </p:spPr>
+      </p:pic>
+      <p:pic>
+        <p:nvPicPr>
+          <p:cNvPr id="9" name="Picture 8" descr="HD-ShadowShort.png"/>
+          <p:cNvPicPr>
+            <a:picLocks noChangeAspect="1"/>
+          </p:cNvPicPr>
+          <p:nvPr/>
+        </p:nvPicPr>
+        <p:blipFill>
+          <a:blip r:embed="rId3">
+            <a:extLst>
+              <a:ext uri="{28A0092B-C50C-407E-A947-70E740481C1C}">
+                <a14:useLocalDpi xmlns:a14="http://schemas.microsoft.com/office/drawing/2010/main" val="0"/>
+              </a:ext>
+            </a:extLst>
+          </a:blip>
+          <a:stretch>
+            <a:fillRect/>
+          </a:stretch>
+        </p:blipFill>
+        <p:spPr>
+          <a:xfrm>
+            <a:off x="10585826" y="5929622"/>
+            <a:ext cx="1602997" cy="144270"/>
+          </a:xfrm>
+          <a:prstGeom prst="rect">
+            <a:avLst/>
+          </a:prstGeom>
+        </p:spPr>
+      </p:pic>
+      <p:sp>
+        <p:nvSpPr>
+          <p:cNvPr id="10" name="Rectangle 9"/>
+          <p:cNvSpPr/>
+          <p:nvPr/>
+        </p:nvSpPr>
+        <p:spPr bwMode="ltGray">
+          <a:xfrm>
+            <a:off x="0" y="4567988"/>
+            <a:ext cx="10437812" cy="1368198"/>
+          </a:xfrm>
+          <a:prstGeom prst="rect">
+            <a:avLst/>
+          </a:prstGeom>
+          <a:solidFill>
+            <a:schemeClr val="bg1">
+              <a:lumMod val="85000"/>
+              <a:lumOff val="15000"/>
+            </a:schemeClr>
+          </a:solidFill>
+          <a:ln>
+            <a:noFill/>
+          </a:ln>
+        </p:spPr>
+        <p:style>
+          <a:lnRef idx="2">
+            <a:schemeClr val="accent1">
+              <a:shade val="50000"/>
+            </a:schemeClr>
+          </a:lnRef>
+          <a:fillRef idx="1">
+            <a:schemeClr val="accent1"/>
+          </a:fillRef>
+          <a:effectRef idx="0">
+            <a:schemeClr val="accent1"/>
+          </a:effectRef>
+          <a:fontRef idx="minor">
+            <a:schemeClr val="lt1"/>
+          </a:fontRef>
+        </p:style>
+      </p:sp>
+      <p:sp>
+        <p:nvSpPr>
+          <p:cNvPr id="11" name="Rectangle 10"/>
+          <p:cNvSpPr/>
+          <p:nvPr/>
+        </p:nvSpPr>
+        <p:spPr>
+          <a:xfrm>
+            <a:off x="10585827" y="4567988"/>
+            <a:ext cx="1602997" cy="1368198"/>
+          </a:xfrm>
+          <a:prstGeom prst="rect">
+            <a:avLst/>
+          </a:prstGeom>
+          <a:solidFill>
+            <a:schemeClr val="accent1"/>
+          </a:solidFill>
+          <a:ln>
+            <a:noFill/>
+          </a:ln>
+        </p:spPr>
+        <p:style>
+          <a:lnRef idx="2">
+            <a:schemeClr val="accent1">
+              <a:shade val="50000"/>
+            </a:schemeClr>
+          </a:lnRef>
+          <a:fillRef idx="1">
+            <a:schemeClr val="accent1"/>
+          </a:fillRef>
+          <a:effectRef idx="0">
+            <a:schemeClr val="accent1"/>
+          </a:effectRef>
+          <a:fontRef idx="minor">
+            <a:schemeClr val="lt1"/>
+          </a:fontRef>
+        </p:style>
+      </p:sp>
       <p:sp>
         <p:nvSpPr>
           <p:cNvPr id="2" name="Title 1"/>
@@ -658,15 +1029,15 @@
         </p:nvSpPr>
         <p:spPr>
           <a:xfrm>
-            <a:off x="1154954" y="1447800"/>
-            <a:ext cx="8825659" cy="1981200"/>
-          </a:xfrm>
-        </p:spPr>
-        <p:txBody>
-          <a:bodyPr/>
+            <a:off x="680322" y="609597"/>
+            <a:ext cx="9613858" cy="3592750"/>
+          </a:xfrm>
+        </p:spPr>
+        <p:txBody>
+          <a:bodyPr anchor="ctr"/>
           <a:lstStyle>
             <a:lvl1pPr>
-              <a:defRPr sz="4800"/>
+              <a:defRPr sz="3200"/>
             </a:lvl1pPr>
           </a:lstStyle>
           <a:p>
@@ -680,7 +1051,7 @@
       </p:sp>
       <p:sp>
         <p:nvSpPr>
-          <p:cNvPr id="8" name="Text Placeholder 3"/>
+          <p:cNvPr id="4" name="Text Placeholder 3"/>
           <p:cNvSpPr>
             <a:spLocks noGrp="1"/>
           </p:cNvSpPr>
@@ -690,50 +1061,48 @@
         </p:nvSpPr>
         <p:spPr>
           <a:xfrm>
-            <a:off x="1154954" y="3657600"/>
-            <a:ext cx="8825659" cy="2362200"/>
-          </a:xfrm>
-        </p:spPr>
-        <p:txBody>
-          <a:bodyPr anchor="ctr">
-            <a:normAutofit/>
-          </a:bodyPr>
+            <a:off x="680322" y="4711615"/>
+            <a:ext cx="9613859" cy="1090789"/>
+          </a:xfrm>
+        </p:spPr>
+        <p:txBody>
+          <a:bodyPr anchor="ctr"/>
           <a:lstStyle>
             <a:lvl1pPr marL="0" indent="0">
               <a:buNone/>
-              <a:defRPr sz="1800"/>
+              <a:defRPr sz="1600"/>
             </a:lvl1pPr>
             <a:lvl2pPr marL="457200" indent="0">
               <a:buNone/>
-              <a:defRPr sz="1200"/>
+              <a:defRPr sz="1400"/>
             </a:lvl2pPr>
             <a:lvl3pPr marL="914400" indent="0">
               <a:buNone/>
-              <a:defRPr sz="1000"/>
+              <a:defRPr sz="1200"/>
             </a:lvl3pPr>
             <a:lvl4pPr marL="1371600" indent="0">
               <a:buNone/>
-              <a:defRPr sz="900"/>
+              <a:defRPr sz="1000"/>
             </a:lvl4pPr>
             <a:lvl5pPr marL="1828800" indent="0">
               <a:buNone/>
-              <a:defRPr sz="900"/>
+              <a:defRPr sz="1000"/>
             </a:lvl5pPr>
             <a:lvl6pPr marL="2286000" indent="0">
               <a:buNone/>
-              <a:defRPr sz="900"/>
+              <a:defRPr sz="1000"/>
             </a:lvl6pPr>
             <a:lvl7pPr marL="2743200" indent="0">
               <a:buNone/>
-              <a:defRPr sz="900"/>
+              <a:defRPr sz="1000"/>
             </a:lvl7pPr>
             <a:lvl8pPr marL="3200400" indent="0">
               <a:buNone/>
-              <a:defRPr sz="900"/>
+              <a:defRPr sz="1000"/>
             </a:lvl8pPr>
             <a:lvl9pPr marL="3657600" indent="0">
               <a:buNone/>
-              <a:defRPr sz="900"/>
+              <a:defRPr sz="1000"/>
             </a:lvl9pPr>
           </a:lstStyle>
           <a:p>
@@ -747,7 +1116,7 @@
       </p:sp>
       <p:sp>
         <p:nvSpPr>
-          <p:cNvPr id="4" name="Date Placeholder 3"/>
+          <p:cNvPr id="5" name="Date Placeholder 4"/>
           <p:cNvSpPr>
             <a:spLocks noGrp="1"/>
           </p:cNvSpPr>
@@ -760,7 +1129,7 @@
           <a:bodyPr/>
           <a:lstStyle/>
           <a:p>
-            <a:fld id="{1415355B-2634-4E66-91F0-41971C44CBA6}" type="datetimeFigureOut">
+            <a:fld id="{99A83B17-14C1-41F4-867A-23A379B416F7}" type="datetimeFigureOut">
               <a:rPr lang="en-GB" smtClean="0"/>
               <a:t>12/02/2025</a:t>
             </a:fld>
@@ -770,7 +1139,7 @@
       </p:sp>
       <p:sp>
         <p:nvSpPr>
-          <p:cNvPr id="5" name="Footer Placeholder 4"/>
+          <p:cNvPr id="6" name="Footer Placeholder 5"/>
           <p:cNvSpPr>
             <a:spLocks noGrp="1"/>
           </p:cNvSpPr>
@@ -789,7 +1158,7 @@
       </p:sp>
       <p:sp>
         <p:nvSpPr>
-          <p:cNvPr id="6" name="Slide Number Placeholder 5"/>
+          <p:cNvPr id="7" name="Slide Number Placeholder 6"/>
           <p:cNvSpPr>
             <a:spLocks noGrp="1"/>
           </p:cNvSpPr>
@@ -797,12 +1166,17 @@
             <p:ph type="sldNum" sz="quarter" idx="12"/>
           </p:nvPr>
         </p:nvSpPr>
-        <p:spPr/>
+        <p:spPr>
+          <a:xfrm>
+            <a:off x="10729455" y="4711615"/>
+            <a:ext cx="1154151" cy="1090789"/>
+          </a:xfrm>
+        </p:spPr>
         <p:txBody>
           <a:bodyPr/>
           <a:lstStyle/>
           <a:p>
-            <a:fld id="{2FA82579-086B-42C5-A211-27F08592B2BA}" type="slidenum">
+            <a:fld id="{CA95F3DD-E009-476A-A393-164C21EAFD0D}" type="slidenum">
               <a:rPr lang="en-GB" smtClean="0"/>
               <a:t>‹#›</a:t>
             </a:fld>
@@ -813,7 +1187,7 @@
     </p:spTree>
     <p:extLst>
       <p:ext uri="{BB962C8B-B14F-4D97-AF65-F5344CB8AC3E}">
-        <p14:creationId xmlns:p14="http://schemas.microsoft.com/office/powerpoint/2010/main" val="2089605229"/>
+        <p14:creationId xmlns:p14="http://schemas.microsoft.com/office/powerpoint/2010/main" val="1434351003"/>
       </p:ext>
     </p:extLst>
   </p:cSld>
@@ -840,6 +1214,145 @@
           <a:chExt cx="0" cy="0"/>
         </a:xfrm>
       </p:grpSpPr>
+      <p:pic>
+        <p:nvPicPr>
+          <p:cNvPr id="11" name="Picture 10" descr="HD-ShadowLong.png"/>
+          <p:cNvPicPr>
+            <a:picLocks noChangeAspect="1"/>
+          </p:cNvPicPr>
+          <p:nvPr/>
+        </p:nvPicPr>
+        <p:blipFill>
+          <a:blip r:embed="rId2">
+            <a:extLst>
+              <a:ext uri="{28A0092B-C50C-407E-A947-70E740481C1C}">
+                <a14:useLocalDpi xmlns:a14="http://schemas.microsoft.com/office/drawing/2010/main" val="0"/>
+              </a:ext>
+            </a:extLst>
+          </a:blip>
+          <a:stretch>
+            <a:fillRect/>
+          </a:stretch>
+        </p:blipFill>
+        <p:spPr>
+          <a:xfrm>
+            <a:off x="1" y="5928628"/>
+            <a:ext cx="10437812" cy="321164"/>
+          </a:xfrm>
+          <a:prstGeom prst="rect">
+            <a:avLst/>
+          </a:prstGeom>
+        </p:spPr>
+      </p:pic>
+      <p:pic>
+        <p:nvPicPr>
+          <p:cNvPr id="13" name="Picture 12" descr="HD-ShadowShort.png"/>
+          <p:cNvPicPr>
+            <a:picLocks noChangeAspect="1"/>
+          </p:cNvPicPr>
+          <p:nvPr/>
+        </p:nvPicPr>
+        <p:blipFill>
+          <a:blip r:embed="rId3">
+            <a:extLst>
+              <a:ext uri="{28A0092B-C50C-407E-A947-70E740481C1C}">
+                <a14:useLocalDpi xmlns:a14="http://schemas.microsoft.com/office/drawing/2010/main" val="0"/>
+              </a:ext>
+            </a:extLst>
+          </a:blip>
+          <a:stretch>
+            <a:fillRect/>
+          </a:stretch>
+        </p:blipFill>
+        <p:spPr>
+          <a:xfrm>
+            <a:off x="10585826" y="5929622"/>
+            <a:ext cx="1602997" cy="144270"/>
+          </a:xfrm>
+          <a:prstGeom prst="rect">
+            <a:avLst/>
+          </a:prstGeom>
+        </p:spPr>
+      </p:pic>
+      <p:sp>
+        <p:nvSpPr>
+          <p:cNvPr id="14" name="Rectangle 13"/>
+          <p:cNvSpPr/>
+          <p:nvPr/>
+        </p:nvSpPr>
+        <p:spPr bwMode="ltGray">
+          <a:xfrm>
+            <a:off x="0" y="4567988"/>
+            <a:ext cx="10437812" cy="1368198"/>
+          </a:xfrm>
+          <a:prstGeom prst="rect">
+            <a:avLst/>
+          </a:prstGeom>
+          <a:solidFill>
+            <a:schemeClr val="bg1">
+              <a:lumMod val="85000"/>
+              <a:lumOff val="15000"/>
+            </a:schemeClr>
+          </a:solidFill>
+          <a:ln>
+            <a:noFill/>
+          </a:ln>
+        </p:spPr>
+        <p:style>
+          <a:lnRef idx="2">
+            <a:schemeClr val="accent1">
+              <a:shade val="50000"/>
+            </a:schemeClr>
+          </a:lnRef>
+          <a:fillRef idx="1">
+            <a:schemeClr val="accent1"/>
+          </a:fillRef>
+          <a:effectRef idx="0">
+            <a:schemeClr val="accent1"/>
+          </a:effectRef>
+          <a:fontRef idx="minor">
+            <a:schemeClr val="lt1"/>
+          </a:fontRef>
+        </p:style>
+      </p:sp>
+      <p:sp>
+        <p:nvSpPr>
+          <p:cNvPr id="15" name="Rectangle 14"/>
+          <p:cNvSpPr/>
+          <p:nvPr/>
+        </p:nvSpPr>
+        <p:spPr>
+          <a:xfrm>
+            <a:off x="10585827" y="4567988"/>
+            <a:ext cx="1602997" cy="1368198"/>
+          </a:xfrm>
+          <a:prstGeom prst="rect">
+            <a:avLst/>
+          </a:prstGeom>
+          <a:solidFill>
+            <a:schemeClr val="accent1"/>
+          </a:solidFill>
+          <a:ln>
+            <a:noFill/>
+          </a:ln>
+        </p:spPr>
+        <p:style>
+          <a:lnRef idx="2">
+            <a:schemeClr val="accent1">
+              <a:shade val="50000"/>
+            </a:schemeClr>
+          </a:lnRef>
+          <a:fillRef idx="1">
+            <a:schemeClr val="accent1"/>
+          </a:fillRef>
+          <a:effectRef idx="0">
+            <a:schemeClr val="accent1"/>
+          </a:effectRef>
+          <a:fontRef idx="minor">
+            <a:schemeClr val="lt1"/>
+          </a:fontRef>
+        </p:style>
+      </p:sp>
       <p:sp>
         <p:nvSpPr>
           <p:cNvPr id="2" name="Title 1"/>
@@ -852,15 +1365,15 @@
         </p:nvSpPr>
         <p:spPr>
           <a:xfrm>
-            <a:off x="1574801" y="1447800"/>
-            <a:ext cx="7999315" cy="2323374"/>
-          </a:xfrm>
-        </p:spPr>
-        <p:txBody>
-          <a:bodyPr/>
+            <a:off x="1127856" y="609598"/>
+            <a:ext cx="8718877" cy="3036061"/>
+          </a:xfrm>
+        </p:spPr>
+        <p:txBody>
+          <a:bodyPr anchor="ctr"/>
           <a:lstStyle>
             <a:lvl1pPr>
-              <a:defRPr sz="4800"/>
+              <a:defRPr sz="3200"/>
             </a:lvl1pPr>
           </a:lstStyle>
           <a:p>
@@ -874,76 +1387,64 @@
       </p:sp>
       <p:sp>
         <p:nvSpPr>
-          <p:cNvPr id="11" name="Text Placeholder 3"/>
-          <p:cNvSpPr>
-            <a:spLocks noGrp="1"/>
-          </p:cNvSpPr>
-          <p:nvPr>
-            <p:ph type="body" sz="half" idx="14"/>
-          </p:nvPr>
-        </p:nvSpPr>
-        <p:spPr>
-          <a:xfrm>
-            <a:off x="1930400" y="3771174"/>
-            <a:ext cx="7279649" cy="342174"/>
-          </a:xfrm>
-        </p:spPr>
-        <p:txBody>
-          <a:bodyPr vert="horz" lIns="91440" tIns="45720" rIns="91440" bIns="45720" rtlCol="0" anchor="t">
+          <p:cNvPr id="12" name="Text Placeholder 3"/>
+          <p:cNvSpPr>
+            <a:spLocks noGrp="1"/>
+          </p:cNvSpPr>
+          <p:nvPr>
+            <p:ph type="body" sz="half" idx="13"/>
+          </p:nvPr>
+        </p:nvSpPr>
+        <p:spPr>
+          <a:xfrm>
+            <a:off x="1402288" y="3653379"/>
+            <a:ext cx="8156579" cy="548968"/>
+          </a:xfrm>
+        </p:spPr>
+        <p:txBody>
+          <a:bodyPr anchor="t">
             <a:normAutofit/>
           </a:bodyPr>
           <a:lstStyle>
             <a:lvl1pPr marL="0" indent="0">
               <a:buNone/>
-              <a:defRPr lang="en-US" sz="1400" b="0" i="0" kern="1200" cap="small" dirty="0">
-                <a:solidFill>
-                  <a:schemeClr val="bg2">
-                    <a:lumMod val="40000"/>
-                    <a:lumOff val="60000"/>
-                  </a:schemeClr>
-                </a:solidFill>
-                <a:latin typeface="+mj-lt"/>
-                <a:ea typeface="+mj-ea"/>
-                <a:cs typeface="+mj-cs"/>
-              </a:defRPr>
+              <a:defRPr sz="1400"/>
             </a:lvl1pPr>
             <a:lvl2pPr marL="457200" indent="0">
               <a:buNone/>
-              <a:defRPr sz="1200"/>
+              <a:defRPr sz="1400"/>
             </a:lvl2pPr>
             <a:lvl3pPr marL="914400" indent="0">
               <a:buNone/>
-              <a:defRPr sz="1000"/>
+              <a:defRPr sz="1200"/>
             </a:lvl3pPr>
             <a:lvl4pPr marL="1371600" indent="0">
               <a:buNone/>
-              <a:defRPr sz="900"/>
+              <a:defRPr sz="1000"/>
             </a:lvl4pPr>
             <a:lvl5pPr marL="1828800" indent="0">
               <a:buNone/>
-              <a:defRPr sz="900"/>
+              <a:defRPr sz="1000"/>
             </a:lvl5pPr>
             <a:lvl6pPr marL="2286000" indent="0">
               <a:buNone/>
-              <a:defRPr sz="900"/>
+              <a:defRPr sz="1000"/>
             </a:lvl6pPr>
             <a:lvl7pPr marL="2743200" indent="0">
               <a:buNone/>
-              <a:defRPr sz="900"/>
+              <a:defRPr sz="1000"/>
             </a:lvl7pPr>
             <a:lvl8pPr marL="3200400" indent="0">
               <a:buNone/>
-              <a:defRPr sz="900"/>
+              <a:defRPr sz="1000"/>
             </a:lvl8pPr>
             <a:lvl9pPr marL="3657600" indent="0">
               <a:buNone/>
-              <a:defRPr sz="900"/>
+              <a:defRPr sz="1000"/>
             </a:lvl9pPr>
           </a:lstStyle>
           <a:p>
-            <a:pPr marL="0" lvl="0" indent="0">
-              <a:buNone/>
-            </a:pPr>
+            <a:pPr lvl="0"/>
             <a:r>
               <a:rPr lang="en-GB"/>
               <a:t>Click to edit Master text styles</a:t>
@@ -953,7 +1454,7 @@
       </p:sp>
       <p:sp>
         <p:nvSpPr>
-          <p:cNvPr id="10" name="Text Placeholder 3"/>
+          <p:cNvPr id="4" name="Text Placeholder 3"/>
           <p:cNvSpPr>
             <a:spLocks noGrp="1"/>
           </p:cNvSpPr>
@@ -963,8 +1464,8 @@
         </p:nvSpPr>
         <p:spPr>
           <a:xfrm>
-            <a:off x="1154954" y="4350657"/>
-            <a:ext cx="8825659" cy="1676400"/>
+            <a:off x="680322" y="4711615"/>
+            <a:ext cx="9613859" cy="1090789"/>
           </a:xfrm>
         </p:spPr>
         <p:txBody>
@@ -974,39 +1475,39 @@
           <a:lstStyle>
             <a:lvl1pPr marL="0" indent="0">
               <a:buNone/>
-              <a:defRPr sz="1800"/>
+              <a:defRPr sz="1600"/>
             </a:lvl1pPr>
             <a:lvl2pPr marL="457200" indent="0">
               <a:buNone/>
-              <a:defRPr sz="1200"/>
+              <a:defRPr sz="1400"/>
             </a:lvl2pPr>
             <a:lvl3pPr marL="914400" indent="0">
               <a:buNone/>
-              <a:defRPr sz="1000"/>
+              <a:defRPr sz="1200"/>
             </a:lvl3pPr>
             <a:lvl4pPr marL="1371600" indent="0">
               <a:buNone/>
-              <a:defRPr sz="900"/>
+              <a:defRPr sz="1000"/>
             </a:lvl4pPr>
             <a:lvl5pPr marL="1828800" indent="0">
               <a:buNone/>
-              <a:defRPr sz="900"/>
+              <a:defRPr sz="1000"/>
             </a:lvl5pPr>
             <a:lvl6pPr marL="2286000" indent="0">
               <a:buNone/>
-              <a:defRPr sz="900"/>
+              <a:defRPr sz="1000"/>
             </a:lvl6pPr>
             <a:lvl7pPr marL="2743200" indent="0">
               <a:buNone/>
-              <a:defRPr sz="900"/>
+              <a:defRPr sz="1000"/>
             </a:lvl7pPr>
             <a:lvl8pPr marL="3200400" indent="0">
               <a:buNone/>
-              <a:defRPr sz="900"/>
+              <a:defRPr sz="1000"/>
             </a:lvl8pPr>
             <a:lvl9pPr marL="3657600" indent="0">
               <a:buNone/>
-              <a:defRPr sz="900"/>
+              <a:defRPr sz="1000"/>
             </a:lvl9pPr>
           </a:lstStyle>
           <a:p>
@@ -1020,7 +1521,7 @@
       </p:sp>
       <p:sp>
         <p:nvSpPr>
-          <p:cNvPr id="4" name="Date Placeholder 3"/>
+          <p:cNvPr id="5" name="Date Placeholder 4"/>
           <p:cNvSpPr>
             <a:spLocks noGrp="1"/>
           </p:cNvSpPr>
@@ -1033,7 +1534,7 @@
           <a:bodyPr/>
           <a:lstStyle/>
           <a:p>
-            <a:fld id="{1415355B-2634-4E66-91F0-41971C44CBA6}" type="datetimeFigureOut">
+            <a:fld id="{99A83B17-14C1-41F4-867A-23A379B416F7}" type="datetimeFigureOut">
               <a:rPr lang="en-GB" smtClean="0"/>
               <a:t>12/02/2025</a:t>
             </a:fld>
@@ -1043,7 +1544,7 @@
       </p:sp>
       <p:sp>
         <p:nvSpPr>
-          <p:cNvPr id="5" name="Footer Placeholder 4"/>
+          <p:cNvPr id="6" name="Footer Placeholder 5"/>
           <p:cNvSpPr>
             <a:spLocks noGrp="1"/>
           </p:cNvSpPr>
@@ -1062,7 +1563,7 @@
       </p:sp>
       <p:sp>
         <p:nvSpPr>
-          <p:cNvPr id="6" name="Slide Number Placeholder 5"/>
+          <p:cNvPr id="7" name="Slide Number Placeholder 6"/>
           <p:cNvSpPr>
             <a:spLocks noGrp="1"/>
           </p:cNvSpPr>
@@ -1070,12 +1571,17 @@
             <p:ph type="sldNum" sz="quarter" idx="12"/>
           </p:nvPr>
         </p:nvSpPr>
-        <p:spPr/>
+        <p:spPr>
+          <a:xfrm>
+            <a:off x="10729455" y="4709925"/>
+            <a:ext cx="1154151" cy="1090789"/>
+          </a:xfrm>
+        </p:spPr>
         <p:txBody>
           <a:bodyPr/>
           <a:lstStyle/>
           <a:p>
-            <a:fld id="{2FA82579-086B-42C5-A211-27F08592B2BA}" type="slidenum">
+            <a:fld id="{CA95F3DD-E009-476A-A393-164C21EAFD0D}" type="slidenum">
               <a:rPr lang="en-GB" smtClean="0"/>
               <a:t>‹#›</a:t>
             </a:fld>
@@ -1085,46 +1591,115 @@
       </p:sp>
       <p:sp>
         <p:nvSpPr>
-          <p:cNvPr id="12" name="TextBox 11"/>
+          <p:cNvPr id="16" name="TextBox 15"/>
           <p:cNvSpPr txBox="1"/>
           <p:nvPr/>
         </p:nvSpPr>
         <p:spPr>
           <a:xfrm>
-            <a:off x="898295" y="971253"/>
-            <a:ext cx="801912" cy="1969770"/>
+            <a:off x="583572" y="748116"/>
+            <a:ext cx="609600" cy="584776"/>
           </a:xfrm>
           <a:prstGeom prst="rect">
             <a:avLst/>
           </a:prstGeom>
-          <a:noFill/>
-        </p:spPr>
-        <p:txBody>
-          <a:bodyPr wrap="square" rtlCol="0">
-            <a:spAutoFit/>
+        </p:spPr>
+        <p:txBody>
+          <a:bodyPr vert="horz" lIns="91440" tIns="45720" rIns="91440" bIns="45720" rtlCol="0" anchor="ctr">
+            <a:noAutofit/>
           </a:bodyPr>
           <a:lstStyle>
-            <a:defPPr>
-              <a:defRPr lang="en-US"/>
-            </a:defPPr>
-            <a:lvl1pPr algn="r">
-              <a:defRPr sz="12200" b="0" i="0">
-                <a:solidFill>
-                  <a:schemeClr val="bg2">
-                    <a:lumMod val="40000"/>
-                    <a:lumOff val="60000"/>
-                  </a:schemeClr>
-                </a:solidFill>
-                <a:latin typeface="Arial"/>
-                <a:ea typeface="+mj-ea"/>
-                <a:cs typeface="+mj-cs"/>
+            <a:lvl1pPr>
+              <a:spcBef>
+                <a:spcPct val="0"/>
+              </a:spcBef>
+              <a:buNone/>
+              <a:defRPr sz="3200" b="0" cap="all">
+                <a:ln w="3175" cmpd="sng">
+                  <a:noFill/>
+                </a:ln>
+                <a:effectLst>
+                  <a:glow rad="38100">
+                    <a:schemeClr val="bg1">
+                      <a:lumMod val="65000"/>
+                      <a:lumOff val="35000"/>
+                      <a:alpha val="40000"/>
+                    </a:schemeClr>
+                  </a:glow>
+                  <a:outerShdw blurRad="28575" dist="38100" dir="14040000" algn="tl" rotWithShape="0">
+                    <a:srgbClr val="000000">
+                      <a:alpha val="25000"/>
+                    </a:srgbClr>
+                  </a:outerShdw>
+                </a:effectLst>
               </a:defRPr>
             </a:lvl1pPr>
+            <a:lvl2pPr>
+              <a:defRPr>
+                <a:solidFill>
+                  <a:schemeClr val="tx2"/>
+                </a:solidFill>
+              </a:defRPr>
+            </a:lvl2pPr>
+            <a:lvl3pPr>
+              <a:defRPr>
+                <a:solidFill>
+                  <a:schemeClr val="tx2"/>
+                </a:solidFill>
+              </a:defRPr>
+            </a:lvl3pPr>
+            <a:lvl4pPr>
+              <a:defRPr>
+                <a:solidFill>
+                  <a:schemeClr val="tx2"/>
+                </a:solidFill>
+              </a:defRPr>
+            </a:lvl4pPr>
+            <a:lvl5pPr>
+              <a:defRPr>
+                <a:solidFill>
+                  <a:schemeClr val="tx2"/>
+                </a:solidFill>
+              </a:defRPr>
+            </a:lvl5pPr>
+            <a:lvl6pPr>
+              <a:defRPr>
+                <a:solidFill>
+                  <a:schemeClr val="tx2"/>
+                </a:solidFill>
+              </a:defRPr>
+            </a:lvl6pPr>
+            <a:lvl7pPr>
+              <a:defRPr>
+                <a:solidFill>
+                  <a:schemeClr val="tx2"/>
+                </a:solidFill>
+              </a:defRPr>
+            </a:lvl7pPr>
+            <a:lvl8pPr>
+              <a:defRPr>
+                <a:solidFill>
+                  <a:schemeClr val="tx2"/>
+                </a:solidFill>
+              </a:defRPr>
+            </a:lvl8pPr>
+            <a:lvl9pPr>
+              <a:defRPr>
+                <a:solidFill>
+                  <a:schemeClr val="tx2"/>
+                </a:solidFill>
+              </a:defRPr>
+            </a:lvl9pPr>
           </a:lstStyle>
           <a:p>
             <a:pPr lvl="0"/>
             <a:r>
-              <a:rPr lang="en-US" dirty="0"/>
+              <a:rPr lang="en-US" sz="7200" dirty="0">
+                <a:solidFill>
+                  <a:schemeClr val="tx1"/>
+                </a:solidFill>
+                <a:effectLst/>
+              </a:rPr>
               <a:t>“</a:t>
             </a:r>
           </a:p>
@@ -1132,46 +1707,115 @@
       </p:sp>
       <p:sp>
         <p:nvSpPr>
-          <p:cNvPr id="15" name="TextBox 14"/>
+          <p:cNvPr id="17" name="TextBox 16"/>
           <p:cNvSpPr txBox="1"/>
           <p:nvPr/>
         </p:nvSpPr>
         <p:spPr>
           <a:xfrm>
-            <a:off x="9330490" y="2613787"/>
-            <a:ext cx="801912" cy="1969770"/>
+            <a:off x="9662809" y="3033524"/>
+            <a:ext cx="609600" cy="584776"/>
           </a:xfrm>
           <a:prstGeom prst="rect">
             <a:avLst/>
           </a:prstGeom>
-          <a:noFill/>
-        </p:spPr>
-        <p:txBody>
-          <a:bodyPr wrap="square" rtlCol="0">
-            <a:spAutoFit/>
+        </p:spPr>
+        <p:txBody>
+          <a:bodyPr vert="horz" lIns="91440" tIns="45720" rIns="91440" bIns="45720" rtlCol="0" anchor="ctr">
+            <a:noAutofit/>
           </a:bodyPr>
           <a:lstStyle>
-            <a:defPPr>
-              <a:defRPr lang="en-US"/>
-            </a:defPPr>
-            <a:lvl1pPr algn="r">
-              <a:defRPr sz="12200" b="0" i="0">
-                <a:solidFill>
-                  <a:schemeClr val="bg2">
-                    <a:lumMod val="40000"/>
-                    <a:lumOff val="60000"/>
-                  </a:schemeClr>
-                </a:solidFill>
-                <a:latin typeface="Arial"/>
-                <a:ea typeface="+mj-ea"/>
-                <a:cs typeface="+mj-cs"/>
+            <a:lvl1pPr>
+              <a:spcBef>
+                <a:spcPct val="0"/>
+              </a:spcBef>
+              <a:buNone/>
+              <a:defRPr sz="3200" b="0" cap="all">
+                <a:ln w="3175" cmpd="sng">
+                  <a:noFill/>
+                </a:ln>
+                <a:effectLst>
+                  <a:glow rad="38100">
+                    <a:schemeClr val="bg1">
+                      <a:lumMod val="65000"/>
+                      <a:lumOff val="35000"/>
+                      <a:alpha val="40000"/>
+                    </a:schemeClr>
+                  </a:glow>
+                  <a:outerShdw blurRad="28575" dist="38100" dir="14040000" algn="tl" rotWithShape="0">
+                    <a:srgbClr val="000000">
+                      <a:alpha val="25000"/>
+                    </a:srgbClr>
+                  </a:outerShdw>
+                </a:effectLst>
               </a:defRPr>
             </a:lvl1pPr>
+            <a:lvl2pPr>
+              <a:defRPr>
+                <a:solidFill>
+                  <a:schemeClr val="tx2"/>
+                </a:solidFill>
+              </a:defRPr>
+            </a:lvl2pPr>
+            <a:lvl3pPr>
+              <a:defRPr>
+                <a:solidFill>
+                  <a:schemeClr val="tx2"/>
+                </a:solidFill>
+              </a:defRPr>
+            </a:lvl3pPr>
+            <a:lvl4pPr>
+              <a:defRPr>
+                <a:solidFill>
+                  <a:schemeClr val="tx2"/>
+                </a:solidFill>
+              </a:defRPr>
+            </a:lvl4pPr>
+            <a:lvl5pPr>
+              <a:defRPr>
+                <a:solidFill>
+                  <a:schemeClr val="tx2"/>
+                </a:solidFill>
+              </a:defRPr>
+            </a:lvl5pPr>
+            <a:lvl6pPr>
+              <a:defRPr>
+                <a:solidFill>
+                  <a:schemeClr val="tx2"/>
+                </a:solidFill>
+              </a:defRPr>
+            </a:lvl6pPr>
+            <a:lvl7pPr>
+              <a:defRPr>
+                <a:solidFill>
+                  <a:schemeClr val="tx2"/>
+                </a:solidFill>
+              </a:defRPr>
+            </a:lvl7pPr>
+            <a:lvl8pPr>
+              <a:defRPr>
+                <a:solidFill>
+                  <a:schemeClr val="tx2"/>
+                </a:solidFill>
+              </a:defRPr>
+            </a:lvl8pPr>
+            <a:lvl9pPr>
+              <a:defRPr>
+                <a:solidFill>
+                  <a:schemeClr val="tx2"/>
+                </a:solidFill>
+              </a:defRPr>
+            </a:lvl9pPr>
           </a:lstStyle>
           <a:p>
-            <a:pPr lvl="0"/>
-            <a:r>
-              <a:rPr lang="en-US" dirty="0"/>
+            <a:pPr lvl="0" algn="r"/>
+            <a:r>
+              <a:rPr lang="en-US" sz="7200" dirty="0">
+                <a:solidFill>
+                  <a:schemeClr val="tx1"/>
+                </a:solidFill>
+                <a:effectLst/>
+              </a:rPr>
               <a:t>”</a:t>
             </a:r>
           </a:p>
@@ -1180,7 +1824,7 @@
     </p:spTree>
     <p:extLst>
       <p:ext uri="{BB962C8B-B14F-4D97-AF65-F5344CB8AC3E}">
-        <p14:creationId xmlns:p14="http://schemas.microsoft.com/office/powerpoint/2010/main" val="2193989766"/>
+        <p14:creationId xmlns:p14="http://schemas.microsoft.com/office/powerpoint/2010/main" val="4243733137"/>
       </p:ext>
     </p:extLst>
   </p:cSld>
@@ -1207,6 +1851,145 @@
           <a:chExt cx="0" cy="0"/>
         </a:xfrm>
       </p:grpSpPr>
+      <p:pic>
+        <p:nvPicPr>
+          <p:cNvPr id="9" name="Picture 8" descr="HD-ShadowLong.png"/>
+          <p:cNvPicPr>
+            <a:picLocks noChangeAspect="1"/>
+          </p:cNvPicPr>
+          <p:nvPr/>
+        </p:nvPicPr>
+        <p:blipFill>
+          <a:blip r:embed="rId2">
+            <a:extLst>
+              <a:ext uri="{28A0092B-C50C-407E-A947-70E740481C1C}">
+                <a14:useLocalDpi xmlns:a14="http://schemas.microsoft.com/office/drawing/2010/main" val="0"/>
+              </a:ext>
+            </a:extLst>
+          </a:blip>
+          <a:stretch>
+            <a:fillRect/>
+          </a:stretch>
+        </p:blipFill>
+        <p:spPr>
+          <a:xfrm>
+            <a:off x="1" y="5928628"/>
+            <a:ext cx="10437812" cy="321164"/>
+          </a:xfrm>
+          <a:prstGeom prst="rect">
+            <a:avLst/>
+          </a:prstGeom>
+        </p:spPr>
+      </p:pic>
+      <p:pic>
+        <p:nvPicPr>
+          <p:cNvPr id="10" name="Picture 9" descr="HD-ShadowShort.png"/>
+          <p:cNvPicPr>
+            <a:picLocks noChangeAspect="1"/>
+          </p:cNvPicPr>
+          <p:nvPr/>
+        </p:nvPicPr>
+        <p:blipFill>
+          <a:blip r:embed="rId3">
+            <a:extLst>
+              <a:ext uri="{28A0092B-C50C-407E-A947-70E740481C1C}">
+                <a14:useLocalDpi xmlns:a14="http://schemas.microsoft.com/office/drawing/2010/main" val="0"/>
+              </a:ext>
+            </a:extLst>
+          </a:blip>
+          <a:stretch>
+            <a:fillRect/>
+          </a:stretch>
+        </p:blipFill>
+        <p:spPr>
+          <a:xfrm>
+            <a:off x="10585826" y="5929622"/>
+            <a:ext cx="1602997" cy="144270"/>
+          </a:xfrm>
+          <a:prstGeom prst="rect">
+            <a:avLst/>
+          </a:prstGeom>
+        </p:spPr>
+      </p:pic>
+      <p:sp>
+        <p:nvSpPr>
+          <p:cNvPr id="11" name="Rectangle 10"/>
+          <p:cNvSpPr/>
+          <p:nvPr/>
+        </p:nvSpPr>
+        <p:spPr bwMode="ltGray">
+          <a:xfrm>
+            <a:off x="0" y="4567988"/>
+            <a:ext cx="10437812" cy="1368198"/>
+          </a:xfrm>
+          <a:prstGeom prst="rect">
+            <a:avLst/>
+          </a:prstGeom>
+          <a:solidFill>
+            <a:schemeClr val="bg1">
+              <a:lumMod val="85000"/>
+              <a:lumOff val="15000"/>
+            </a:schemeClr>
+          </a:solidFill>
+          <a:ln>
+            <a:noFill/>
+          </a:ln>
+        </p:spPr>
+        <p:style>
+          <a:lnRef idx="2">
+            <a:schemeClr val="accent1">
+              <a:shade val="50000"/>
+            </a:schemeClr>
+          </a:lnRef>
+          <a:fillRef idx="1">
+            <a:schemeClr val="accent1"/>
+          </a:fillRef>
+          <a:effectRef idx="0">
+            <a:schemeClr val="accent1"/>
+          </a:effectRef>
+          <a:fontRef idx="minor">
+            <a:schemeClr val="lt1"/>
+          </a:fontRef>
+        </p:style>
+      </p:sp>
+      <p:sp>
+        <p:nvSpPr>
+          <p:cNvPr id="12" name="Rectangle 11"/>
+          <p:cNvSpPr/>
+          <p:nvPr/>
+        </p:nvSpPr>
+        <p:spPr>
+          <a:xfrm>
+            <a:off x="10585827" y="4567988"/>
+            <a:ext cx="1602997" cy="1368198"/>
+          </a:xfrm>
+          <a:prstGeom prst="rect">
+            <a:avLst/>
+          </a:prstGeom>
+          <a:solidFill>
+            <a:schemeClr val="accent1"/>
+          </a:solidFill>
+          <a:ln>
+            <a:noFill/>
+          </a:ln>
+        </p:spPr>
+        <p:style>
+          <a:lnRef idx="2">
+            <a:schemeClr val="accent1">
+              <a:shade val="50000"/>
+            </a:schemeClr>
+          </a:lnRef>
+          <a:fillRef idx="1">
+            <a:schemeClr val="accent1"/>
+          </a:fillRef>
+          <a:effectRef idx="0">
+            <a:schemeClr val="accent1"/>
+          </a:effectRef>
+          <a:fontRef idx="minor">
+            <a:schemeClr val="lt1"/>
+          </a:fontRef>
+        </p:style>
+      </p:sp>
       <p:sp>
         <p:nvSpPr>
           <p:cNvPr id="2" name="Title 1"/>
@@ -1219,15 +2002,15 @@
         </p:nvSpPr>
         <p:spPr>
           <a:xfrm>
-            <a:off x="1154954" y="3124201"/>
-            <a:ext cx="8825660" cy="1653180"/>
+            <a:off x="680319" y="4711615"/>
+            <a:ext cx="9613862" cy="588535"/>
           </a:xfrm>
         </p:spPr>
         <p:txBody>
           <a:bodyPr anchor="b"/>
           <a:lstStyle>
-            <a:lvl1pPr algn="l">
-              <a:defRPr sz="4000" b="0" cap="none"/>
+            <a:lvl1pPr>
+              <a:defRPr sz="3200"/>
             </a:lvl1pPr>
           </a:lstStyle>
           <a:p>
@@ -1241,113 +2024,58 @@
       </p:sp>
       <p:sp>
         <p:nvSpPr>
-          <p:cNvPr id="3" name="Text Placeholder 2"/>
-          <p:cNvSpPr>
-            <a:spLocks noGrp="1"/>
-          </p:cNvSpPr>
-          <p:nvPr>
-            <p:ph type="body" idx="1"/>
-          </p:nvPr>
-        </p:nvSpPr>
-        <p:spPr>
-          <a:xfrm>
-            <a:off x="1154954" y="4777381"/>
-            <a:ext cx="8825659" cy="860400"/>
+          <p:cNvPr id="4" name="Text Placeholder 3"/>
+          <p:cNvSpPr>
+            <a:spLocks noGrp="1"/>
+          </p:cNvSpPr>
+          <p:nvPr>
+            <p:ph type="body" sz="half" idx="2"/>
+          </p:nvPr>
+        </p:nvSpPr>
+        <p:spPr>
+          <a:xfrm>
+            <a:off x="680320" y="5300149"/>
+            <a:ext cx="9613862" cy="502255"/>
           </a:xfrm>
         </p:spPr>
         <p:txBody>
           <a:bodyPr anchor="t"/>
           <a:lstStyle>
-            <a:lvl1pPr marL="0" indent="0" algn="l">
-              <a:buNone/>
-              <a:defRPr sz="2000" cap="none">
-                <a:solidFill>
-                  <a:schemeClr val="bg2">
-                    <a:lumMod val="40000"/>
-                    <a:lumOff val="60000"/>
-                  </a:schemeClr>
-                </a:solidFill>
-              </a:defRPr>
+            <a:lvl1pPr marL="0" indent="0">
+              <a:buNone/>
+              <a:defRPr sz="1600"/>
             </a:lvl1pPr>
             <a:lvl2pPr marL="457200" indent="0">
               <a:buNone/>
-              <a:defRPr sz="1800">
-                <a:solidFill>
-                  <a:schemeClr val="tx1">
-                    <a:tint val="75000"/>
-                  </a:schemeClr>
-                </a:solidFill>
-              </a:defRPr>
+              <a:defRPr sz="1400"/>
             </a:lvl2pPr>
             <a:lvl3pPr marL="914400" indent="0">
               <a:buNone/>
-              <a:defRPr sz="1600">
-                <a:solidFill>
-                  <a:schemeClr val="tx1">
-                    <a:tint val="75000"/>
-                  </a:schemeClr>
-                </a:solidFill>
-              </a:defRPr>
+              <a:defRPr sz="1200"/>
             </a:lvl3pPr>
             <a:lvl4pPr marL="1371600" indent="0">
               <a:buNone/>
-              <a:defRPr sz="1400">
-                <a:solidFill>
-                  <a:schemeClr val="tx1">
-                    <a:tint val="75000"/>
-                  </a:schemeClr>
-                </a:solidFill>
-              </a:defRPr>
+              <a:defRPr sz="1000"/>
             </a:lvl4pPr>
             <a:lvl5pPr marL="1828800" indent="0">
               <a:buNone/>
-              <a:defRPr sz="1400">
-                <a:solidFill>
-                  <a:schemeClr val="tx1">
-                    <a:tint val="75000"/>
-                  </a:schemeClr>
-                </a:solidFill>
-              </a:defRPr>
+              <a:defRPr sz="1000"/>
             </a:lvl5pPr>
             <a:lvl6pPr marL="2286000" indent="0">
               <a:buNone/>
-              <a:defRPr sz="1400">
-                <a:solidFill>
-                  <a:schemeClr val="tx1">
-                    <a:tint val="75000"/>
-                  </a:schemeClr>
-                </a:solidFill>
-              </a:defRPr>
+              <a:defRPr sz="1000"/>
             </a:lvl6pPr>
             <a:lvl7pPr marL="2743200" indent="0">
               <a:buNone/>
-              <a:defRPr sz="1400">
-                <a:solidFill>
-                  <a:schemeClr val="tx1">
-                    <a:tint val="75000"/>
-                  </a:schemeClr>
-                </a:solidFill>
-              </a:defRPr>
+              <a:defRPr sz="1000"/>
             </a:lvl7pPr>
             <a:lvl8pPr marL="3200400" indent="0">
               <a:buNone/>
-              <a:defRPr sz="1400">
-                <a:solidFill>
-                  <a:schemeClr val="tx1">
-                    <a:tint val="75000"/>
-                  </a:schemeClr>
-                </a:solidFill>
-              </a:defRPr>
+              <a:defRPr sz="1000"/>
             </a:lvl8pPr>
             <a:lvl9pPr marL="3657600" indent="0">
               <a:buNone/>
-              <a:defRPr sz="1400">
-                <a:solidFill>
-                  <a:schemeClr val="tx1">
-                    <a:tint val="75000"/>
-                  </a:schemeClr>
-                </a:solidFill>
-              </a:defRPr>
+              <a:defRPr sz="1000"/>
             </a:lvl9pPr>
           </a:lstStyle>
           <a:p>
@@ -1361,7 +2089,7 @@
       </p:sp>
       <p:sp>
         <p:nvSpPr>
-          <p:cNvPr id="4" name="Date Placeholder 3"/>
+          <p:cNvPr id="5" name="Date Placeholder 4"/>
           <p:cNvSpPr>
             <a:spLocks noGrp="1"/>
           </p:cNvSpPr>
@@ -1374,7 +2102,7 @@
           <a:bodyPr/>
           <a:lstStyle/>
           <a:p>
-            <a:fld id="{1415355B-2634-4E66-91F0-41971C44CBA6}" type="datetimeFigureOut">
+            <a:fld id="{99A83B17-14C1-41F4-867A-23A379B416F7}" type="datetimeFigureOut">
               <a:rPr lang="en-GB" smtClean="0"/>
               <a:t>12/02/2025</a:t>
             </a:fld>
@@ -1384,7 +2112,7 @@
       </p:sp>
       <p:sp>
         <p:nvSpPr>
-          <p:cNvPr id="5" name="Footer Placeholder 4"/>
+          <p:cNvPr id="6" name="Footer Placeholder 5"/>
           <p:cNvSpPr>
             <a:spLocks noGrp="1"/>
           </p:cNvSpPr>
@@ -1403,7 +2131,7 @@
       </p:sp>
       <p:sp>
         <p:nvSpPr>
-          <p:cNvPr id="6" name="Slide Number Placeholder 5"/>
+          <p:cNvPr id="7" name="Slide Number Placeholder 6"/>
           <p:cNvSpPr>
             <a:spLocks noGrp="1"/>
           </p:cNvSpPr>
@@ -1411,12 +2139,17 @@
             <p:ph type="sldNum" sz="quarter" idx="12"/>
           </p:nvPr>
         </p:nvSpPr>
-        <p:spPr/>
+        <p:spPr>
+          <a:xfrm>
+            <a:off x="10729455" y="4709925"/>
+            <a:ext cx="1154151" cy="1090789"/>
+          </a:xfrm>
+        </p:spPr>
         <p:txBody>
           <a:bodyPr/>
           <a:lstStyle/>
           <a:p>
-            <a:fld id="{2FA82579-086B-42C5-A211-27F08592B2BA}" type="slidenum">
+            <a:fld id="{CA95F3DD-E009-476A-A393-164C21EAFD0D}" type="slidenum">
               <a:rPr lang="en-GB" smtClean="0"/>
               <a:t>‹#›</a:t>
             </a:fld>
@@ -1427,7 +2160,7 @@
     </p:spTree>
     <p:extLst>
       <p:ext uri="{BB962C8B-B14F-4D97-AF65-F5344CB8AC3E}">
-        <p14:creationId xmlns:p14="http://schemas.microsoft.com/office/powerpoint/2010/main" val="2001782896"/>
+        <p14:creationId xmlns:p14="http://schemas.microsoft.com/office/powerpoint/2010/main" val="911320971"/>
       </p:ext>
     </p:extLst>
   </p:cSld>
@@ -1454,9 +2187,148 @@
           <a:chExt cx="0" cy="0"/>
         </a:xfrm>
       </p:grpSpPr>
-      <p:sp>
-        <p:nvSpPr>
-          <p:cNvPr id="2" name="Title 1"/>
+      <p:pic>
+        <p:nvPicPr>
+          <p:cNvPr id="13" name="Picture 12" descr="HD-ShadowLong.png"/>
+          <p:cNvPicPr>
+            <a:picLocks noChangeAspect="1"/>
+          </p:cNvPicPr>
+          <p:nvPr/>
+        </p:nvPicPr>
+        <p:blipFill>
+          <a:blip r:embed="rId2">
+            <a:extLst>
+              <a:ext uri="{28A0092B-C50C-407E-A947-70E740481C1C}">
+                <a14:useLocalDpi xmlns:a14="http://schemas.microsoft.com/office/drawing/2010/main" val="0"/>
+              </a:ext>
+            </a:extLst>
+          </a:blip>
+          <a:stretch>
+            <a:fillRect/>
+          </a:stretch>
+        </p:blipFill>
+        <p:spPr>
+          <a:xfrm>
+            <a:off x="1" y="1970240"/>
+            <a:ext cx="10437812" cy="321164"/>
+          </a:xfrm>
+          <a:prstGeom prst="rect">
+            <a:avLst/>
+          </a:prstGeom>
+        </p:spPr>
+      </p:pic>
+      <p:pic>
+        <p:nvPicPr>
+          <p:cNvPr id="14" name="Picture 13" descr="HD-ShadowShort.png"/>
+          <p:cNvPicPr>
+            <a:picLocks noChangeAspect="1"/>
+          </p:cNvPicPr>
+          <p:nvPr/>
+        </p:nvPicPr>
+        <p:blipFill>
+          <a:blip r:embed="rId3">
+            <a:extLst>
+              <a:ext uri="{28A0092B-C50C-407E-A947-70E740481C1C}">
+                <a14:useLocalDpi xmlns:a14="http://schemas.microsoft.com/office/drawing/2010/main" val="0"/>
+              </a:ext>
+            </a:extLst>
+          </a:blip>
+          <a:stretch>
+            <a:fillRect/>
+          </a:stretch>
+        </p:blipFill>
+        <p:spPr>
+          <a:xfrm>
+            <a:off x="10585826" y="1971234"/>
+            <a:ext cx="1602997" cy="144270"/>
+          </a:xfrm>
+          <a:prstGeom prst="rect">
+            <a:avLst/>
+          </a:prstGeom>
+        </p:spPr>
+      </p:pic>
+      <p:sp>
+        <p:nvSpPr>
+          <p:cNvPr id="16" name="Rectangle 15"/>
+          <p:cNvSpPr/>
+          <p:nvPr/>
+        </p:nvSpPr>
+        <p:spPr bwMode="ltGray">
+          <a:xfrm>
+            <a:off x="0" y="609600"/>
+            <a:ext cx="10437812" cy="1368198"/>
+          </a:xfrm>
+          <a:prstGeom prst="rect">
+            <a:avLst/>
+          </a:prstGeom>
+          <a:solidFill>
+            <a:schemeClr val="bg1">
+              <a:lumMod val="85000"/>
+              <a:lumOff val="15000"/>
+            </a:schemeClr>
+          </a:solidFill>
+          <a:ln>
+            <a:noFill/>
+          </a:ln>
+        </p:spPr>
+        <p:style>
+          <a:lnRef idx="2">
+            <a:schemeClr val="accent1">
+              <a:shade val="50000"/>
+            </a:schemeClr>
+          </a:lnRef>
+          <a:fillRef idx="1">
+            <a:schemeClr val="accent1"/>
+          </a:fillRef>
+          <a:effectRef idx="0">
+            <a:schemeClr val="accent1"/>
+          </a:effectRef>
+          <a:fontRef idx="minor">
+            <a:schemeClr val="lt1"/>
+          </a:fontRef>
+        </p:style>
+      </p:sp>
+      <p:sp>
+        <p:nvSpPr>
+          <p:cNvPr id="17" name="Rectangle 16"/>
+          <p:cNvSpPr/>
+          <p:nvPr/>
+        </p:nvSpPr>
+        <p:spPr>
+          <a:xfrm>
+            <a:off x="10585827" y="609600"/>
+            <a:ext cx="1602997" cy="1368198"/>
+          </a:xfrm>
+          <a:prstGeom prst="rect">
+            <a:avLst/>
+          </a:prstGeom>
+          <a:solidFill>
+            <a:schemeClr val="accent1"/>
+          </a:solidFill>
+          <a:ln>
+            <a:noFill/>
+          </a:ln>
+        </p:spPr>
+        <p:style>
+          <a:lnRef idx="2">
+            <a:schemeClr val="accent1">
+              <a:shade val="50000"/>
+            </a:schemeClr>
+          </a:lnRef>
+          <a:fillRef idx="1">
+            <a:schemeClr val="accent1"/>
+          </a:fillRef>
+          <a:effectRef idx="0">
+            <a:schemeClr val="accent1"/>
+          </a:effectRef>
+          <a:fontRef idx="minor">
+            <a:schemeClr val="lt1"/>
+          </a:fontRef>
+        </p:style>
+      </p:sp>
+      <p:sp>
+        <p:nvSpPr>
+          <p:cNvPr id="15" name="Title 1"/>
           <p:cNvSpPr>
             <a:spLocks noGrp="1"/>
           </p:cNvSpPr>
@@ -1464,14 +2336,15 @@
             <p:ph type="title"/>
           </p:nvPr>
         </p:nvSpPr>
-        <p:spPr/>
+        <p:spPr>
+          <a:xfrm>
+            <a:off x="669222" y="753228"/>
+            <a:ext cx="9624960" cy="1080938"/>
+          </a:xfrm>
+        </p:spPr>
         <p:txBody>
           <a:bodyPr/>
-          <a:lstStyle>
-            <a:lvl1pPr>
-              <a:defRPr sz="4200"/>
-            </a:lvl1pPr>
-          </a:lstStyle>
+          <a:lstStyle/>
           <a:p>
             <a:r>
               <a:rPr lang="en-GB"/>
@@ -1483,7 +2356,7 @@
       </p:sp>
       <p:sp>
         <p:nvSpPr>
-          <p:cNvPr id="3" name="Text Placeholder 2"/>
+          <p:cNvPr id="7" name="Text Placeholder 2"/>
           <p:cNvSpPr>
             <a:spLocks noGrp="1"/>
           </p:cNvSpPr>
@@ -1493,8 +2366,8 @@
         </p:nvSpPr>
         <p:spPr>
           <a:xfrm>
-            <a:off x="632947" y="1981200"/>
-            <a:ext cx="2946866" cy="576262"/>
+            <a:off x="660946" y="2336873"/>
+            <a:ext cx="3070034" cy="576262"/>
           </a:xfrm>
         </p:spPr>
         <p:txBody>
@@ -1506,10 +2379,7 @@
               <a:buNone/>
               <a:defRPr sz="2400" b="0">
                 <a:solidFill>
-                  <a:schemeClr val="bg2">
-                    <a:lumMod val="40000"/>
-                    <a:lumOff val="60000"/>
-                  </a:schemeClr>
+                  <a:schemeClr val="tx1"/>
                 </a:solidFill>
               </a:defRPr>
             </a:lvl1pPr>
@@ -1557,7 +2427,7 @@
       </p:sp>
       <p:sp>
         <p:nvSpPr>
-          <p:cNvPr id="16" name="Text Placeholder 3"/>
+          <p:cNvPr id="8" name="Text Placeholder 3"/>
           <p:cNvSpPr>
             <a:spLocks noGrp="1"/>
           </p:cNvSpPr>
@@ -1567,8 +2437,8 @@
         </p:nvSpPr>
         <p:spPr>
           <a:xfrm>
-            <a:off x="652463" y="2667000"/>
-            <a:ext cx="2927350" cy="3589338"/>
+            <a:off x="680322" y="3022673"/>
+            <a:ext cx="3049702" cy="2913513"/>
           </a:xfrm>
         </p:spPr>
         <p:txBody>
@@ -1624,7 +2494,7 @@
       </p:sp>
       <p:sp>
         <p:nvSpPr>
-          <p:cNvPr id="5" name="Text Placeholder 4"/>
+          <p:cNvPr id="9" name="Text Placeholder 4"/>
           <p:cNvSpPr>
             <a:spLocks noGrp="1"/>
           </p:cNvSpPr>
@@ -1634,8 +2504,8 @@
         </p:nvSpPr>
         <p:spPr>
           <a:xfrm>
-            <a:off x="3883659" y="1981200"/>
-            <a:ext cx="2936241" cy="576262"/>
+            <a:off x="3956025" y="2336873"/>
+            <a:ext cx="3063240" cy="576262"/>
           </a:xfrm>
         </p:spPr>
         <p:txBody>
@@ -1647,10 +2517,7 @@
               <a:buNone/>
               <a:defRPr sz="2400" b="0">
                 <a:solidFill>
-                  <a:schemeClr val="bg2">
-                    <a:lumMod val="40000"/>
-                    <a:lumOff val="60000"/>
-                  </a:schemeClr>
+                  <a:schemeClr val="tx1"/>
                 </a:solidFill>
               </a:defRPr>
             </a:lvl1pPr>
@@ -1698,7 +2565,7 @@
       </p:sp>
       <p:sp>
         <p:nvSpPr>
-          <p:cNvPr id="19" name="Text Placeholder 3"/>
+          <p:cNvPr id="10" name="Text Placeholder 3"/>
           <p:cNvSpPr>
             <a:spLocks noGrp="1"/>
           </p:cNvSpPr>
@@ -1708,8 +2575,8 @@
         </p:nvSpPr>
         <p:spPr>
           <a:xfrm>
-            <a:off x="3873106" y="2667000"/>
-            <a:ext cx="2946794" cy="3589338"/>
+            <a:off x="3945470" y="3022673"/>
+            <a:ext cx="3063240" cy="2913513"/>
           </a:xfrm>
         </p:spPr>
         <p:txBody>
@@ -1765,7 +2632,7 @@
       </p:sp>
       <p:sp>
         <p:nvSpPr>
-          <p:cNvPr id="14" name="Text Placeholder 4"/>
+          <p:cNvPr id="11" name="Text Placeholder 4"/>
           <p:cNvSpPr>
             <a:spLocks noGrp="1"/>
           </p:cNvSpPr>
@@ -1775,8 +2642,8 @@
         </p:nvSpPr>
         <p:spPr>
           <a:xfrm>
-            <a:off x="7124700" y="1981200"/>
-            <a:ext cx="2932113" cy="576262"/>
+            <a:off x="7224156" y="2336873"/>
+            <a:ext cx="3070025" cy="576262"/>
           </a:xfrm>
         </p:spPr>
         <p:txBody>
@@ -1788,10 +2655,7 @@
               <a:buNone/>
               <a:defRPr sz="2400" b="0">
                 <a:solidFill>
-                  <a:schemeClr val="bg2">
-                    <a:lumMod val="40000"/>
-                    <a:lumOff val="60000"/>
-                  </a:schemeClr>
+                  <a:schemeClr val="tx1"/>
                 </a:solidFill>
               </a:defRPr>
             </a:lvl1pPr>
@@ -1839,7 +2703,7 @@
       </p:sp>
       <p:sp>
         <p:nvSpPr>
-          <p:cNvPr id="20" name="Text Placeholder 3"/>
+          <p:cNvPr id="12" name="Text Placeholder 3"/>
           <p:cNvSpPr>
             <a:spLocks noGrp="1"/>
           </p:cNvSpPr>
@@ -1849,8 +2713,8 @@
         </p:nvSpPr>
         <p:spPr>
           <a:xfrm>
-            <a:off x="7124700" y="2667000"/>
-            <a:ext cx="2932113" cy="3589338"/>
+            <a:off x="7224156" y="3022673"/>
+            <a:ext cx="3070025" cy="2913513"/>
           </a:xfrm>
         </p:spPr>
         <p:txBody>
@@ -1904,87 +2768,9 @@
           </a:p>
         </p:txBody>
       </p:sp>
-      <p:cxnSp>
-        <p:nvCxnSpPr>
-          <p:cNvPr id="17" name="Straight Connector 16"/>
-          <p:cNvCxnSpPr/>
-          <p:nvPr/>
-        </p:nvCxnSpPr>
-        <p:spPr>
-          <a:xfrm>
-            <a:off x="3726142" y="2133600"/>
-            <a:ext cx="0" cy="3962400"/>
-          </a:xfrm>
-          <a:prstGeom prst="line">
-            <a:avLst/>
-          </a:prstGeom>
-          <a:ln w="12700" cmpd="sng">
-            <a:solidFill>
-              <a:schemeClr val="bg2">
-                <a:lumMod val="40000"/>
-                <a:lumOff val="60000"/>
-                <a:alpha val="40000"/>
-              </a:schemeClr>
-            </a:solidFill>
-          </a:ln>
-        </p:spPr>
-        <p:style>
-          <a:lnRef idx="2">
-            <a:schemeClr val="accent1"/>
-          </a:lnRef>
-          <a:fillRef idx="0">
-            <a:schemeClr val="accent1"/>
-          </a:fillRef>
-          <a:effectRef idx="1">
-            <a:schemeClr val="accent1"/>
-          </a:effectRef>
-          <a:fontRef idx="minor">
-            <a:schemeClr val="tx1"/>
-          </a:fontRef>
-        </p:style>
-      </p:cxnSp>
-      <p:cxnSp>
-        <p:nvCxnSpPr>
-          <p:cNvPr id="18" name="Straight Connector 17"/>
-          <p:cNvCxnSpPr/>
-          <p:nvPr/>
-        </p:nvCxnSpPr>
-        <p:spPr>
-          <a:xfrm>
-            <a:off x="6962227" y="2133600"/>
-            <a:ext cx="0" cy="3966882"/>
-          </a:xfrm>
-          <a:prstGeom prst="line">
-            <a:avLst/>
-          </a:prstGeom>
-          <a:ln w="12700" cmpd="sng">
-            <a:solidFill>
-              <a:schemeClr val="bg2">
-                <a:lumMod val="40000"/>
-                <a:lumOff val="60000"/>
-                <a:alpha val="40000"/>
-              </a:schemeClr>
-            </a:solidFill>
-          </a:ln>
-        </p:spPr>
-        <p:style>
-          <a:lnRef idx="2">
-            <a:schemeClr val="accent1"/>
-          </a:lnRef>
-          <a:fillRef idx="0">
-            <a:schemeClr val="accent1"/>
-          </a:fillRef>
-          <a:effectRef idx="1">
-            <a:schemeClr val="accent1"/>
-          </a:effectRef>
-          <a:fontRef idx="minor">
-            <a:schemeClr val="tx1"/>
-          </a:fontRef>
-        </p:style>
-      </p:cxnSp>
-      <p:sp>
-        <p:nvSpPr>
-          <p:cNvPr id="7" name="Date Placeholder 3"/>
+      <p:sp>
+        <p:nvSpPr>
+          <p:cNvPr id="3" name="Date Placeholder 2"/>
           <p:cNvSpPr>
             <a:spLocks noGrp="1"/>
           </p:cNvSpPr>
@@ -1997,7 +2783,7 @@
           <a:bodyPr/>
           <a:lstStyle/>
           <a:p>
-            <a:fld id="{1415355B-2634-4E66-91F0-41971C44CBA6}" type="datetimeFigureOut">
+            <a:fld id="{99A83B17-14C1-41F4-867A-23A379B416F7}" type="datetimeFigureOut">
               <a:rPr lang="en-GB" smtClean="0"/>
               <a:t>12/02/2025</a:t>
             </a:fld>
@@ -2007,7 +2793,7 @@
       </p:sp>
       <p:sp>
         <p:nvSpPr>
-          <p:cNvPr id="4" name="Footer Placeholder 4"/>
+          <p:cNvPr id="4" name="Footer Placeholder 3"/>
           <p:cNvSpPr>
             <a:spLocks noGrp="1"/>
           </p:cNvSpPr>
@@ -2026,7 +2812,7 @@
       </p:sp>
       <p:sp>
         <p:nvSpPr>
-          <p:cNvPr id="6" name="Slide Number Placeholder 5"/>
+          <p:cNvPr id="5" name="Slide Number Placeholder 4"/>
           <p:cNvSpPr>
             <a:spLocks noGrp="1"/>
           </p:cNvSpPr>
@@ -2039,7 +2825,7 @@
           <a:bodyPr/>
           <a:lstStyle/>
           <a:p>
-            <a:fld id="{2FA82579-086B-42C5-A211-27F08592B2BA}" type="slidenum">
+            <a:fld id="{CA95F3DD-E009-476A-A393-164C21EAFD0D}" type="slidenum">
               <a:rPr lang="en-GB" smtClean="0"/>
               <a:t>‹#›</a:t>
             </a:fld>
@@ -2050,7 +2836,7 @@
     </p:spTree>
     <p:extLst>
       <p:ext uri="{BB962C8B-B14F-4D97-AF65-F5344CB8AC3E}">
-        <p14:creationId xmlns:p14="http://schemas.microsoft.com/office/powerpoint/2010/main" val="989063164"/>
+        <p14:creationId xmlns:p14="http://schemas.microsoft.com/office/powerpoint/2010/main" val="1803425476"/>
       </p:ext>
     </p:extLst>
   </p:cSld>
@@ -2077,9 +2863,148 @@
           <a:chExt cx="0" cy="0"/>
         </a:xfrm>
       </p:grpSpPr>
-      <p:sp>
-        <p:nvSpPr>
-          <p:cNvPr id="2" name="Title 1"/>
+      <p:pic>
+        <p:nvPicPr>
+          <p:cNvPr id="15" name="Picture 14" descr="HD-ShadowLong.png"/>
+          <p:cNvPicPr>
+            <a:picLocks noChangeAspect="1"/>
+          </p:cNvPicPr>
+          <p:nvPr/>
+        </p:nvPicPr>
+        <p:blipFill>
+          <a:blip r:embed="rId2">
+            <a:extLst>
+              <a:ext uri="{28A0092B-C50C-407E-A947-70E740481C1C}">
+                <a14:useLocalDpi xmlns:a14="http://schemas.microsoft.com/office/drawing/2010/main" val="0"/>
+              </a:ext>
+            </a:extLst>
+          </a:blip>
+          <a:stretch>
+            <a:fillRect/>
+          </a:stretch>
+        </p:blipFill>
+        <p:spPr>
+          <a:xfrm>
+            <a:off x="1" y="1970240"/>
+            <a:ext cx="10437812" cy="321164"/>
+          </a:xfrm>
+          <a:prstGeom prst="rect">
+            <a:avLst/>
+          </a:prstGeom>
+        </p:spPr>
+      </p:pic>
+      <p:pic>
+        <p:nvPicPr>
+          <p:cNvPr id="16" name="Picture 15" descr="HD-ShadowShort.png"/>
+          <p:cNvPicPr>
+            <a:picLocks noChangeAspect="1"/>
+          </p:cNvPicPr>
+          <p:nvPr/>
+        </p:nvPicPr>
+        <p:blipFill>
+          <a:blip r:embed="rId3">
+            <a:extLst>
+              <a:ext uri="{28A0092B-C50C-407E-A947-70E740481C1C}">
+                <a14:useLocalDpi xmlns:a14="http://schemas.microsoft.com/office/drawing/2010/main" val="0"/>
+              </a:ext>
+            </a:extLst>
+          </a:blip>
+          <a:stretch>
+            <a:fillRect/>
+          </a:stretch>
+        </p:blipFill>
+        <p:spPr>
+          <a:xfrm>
+            <a:off x="10585826" y="1971234"/>
+            <a:ext cx="1602997" cy="144270"/>
+          </a:xfrm>
+          <a:prstGeom prst="rect">
+            <a:avLst/>
+          </a:prstGeom>
+        </p:spPr>
+      </p:pic>
+      <p:sp>
+        <p:nvSpPr>
+          <p:cNvPr id="17" name="Rectangle 16"/>
+          <p:cNvSpPr/>
+          <p:nvPr/>
+        </p:nvSpPr>
+        <p:spPr bwMode="ltGray">
+          <a:xfrm>
+            <a:off x="0" y="609600"/>
+            <a:ext cx="10437812" cy="1368198"/>
+          </a:xfrm>
+          <a:prstGeom prst="rect">
+            <a:avLst/>
+          </a:prstGeom>
+          <a:solidFill>
+            <a:schemeClr val="bg1">
+              <a:lumMod val="85000"/>
+              <a:lumOff val="15000"/>
+            </a:schemeClr>
+          </a:solidFill>
+          <a:ln>
+            <a:noFill/>
+          </a:ln>
+        </p:spPr>
+        <p:style>
+          <a:lnRef idx="2">
+            <a:schemeClr val="accent1">
+              <a:shade val="50000"/>
+            </a:schemeClr>
+          </a:lnRef>
+          <a:fillRef idx="1">
+            <a:schemeClr val="accent1"/>
+          </a:fillRef>
+          <a:effectRef idx="0">
+            <a:schemeClr val="accent1"/>
+          </a:effectRef>
+          <a:fontRef idx="minor">
+            <a:schemeClr val="lt1"/>
+          </a:fontRef>
+        </p:style>
+      </p:sp>
+      <p:sp>
+        <p:nvSpPr>
+          <p:cNvPr id="18" name="Rectangle 17"/>
+          <p:cNvSpPr/>
+          <p:nvPr/>
+        </p:nvSpPr>
+        <p:spPr>
+          <a:xfrm>
+            <a:off x="10585827" y="609600"/>
+            <a:ext cx="1602997" cy="1368198"/>
+          </a:xfrm>
+          <a:prstGeom prst="rect">
+            <a:avLst/>
+          </a:prstGeom>
+          <a:solidFill>
+            <a:schemeClr val="accent1"/>
+          </a:solidFill>
+          <a:ln>
+            <a:noFill/>
+          </a:ln>
+        </p:spPr>
+        <p:style>
+          <a:lnRef idx="2">
+            <a:schemeClr val="accent1">
+              <a:shade val="50000"/>
+            </a:schemeClr>
+          </a:lnRef>
+          <a:fillRef idx="1">
+            <a:schemeClr val="accent1"/>
+          </a:fillRef>
+          <a:effectRef idx="0">
+            <a:schemeClr val="accent1"/>
+          </a:effectRef>
+          <a:fontRef idx="minor">
+            <a:schemeClr val="lt1"/>
+          </a:fontRef>
+        </p:style>
+      </p:sp>
+      <p:sp>
+        <p:nvSpPr>
+          <p:cNvPr id="30" name="Title 1"/>
           <p:cNvSpPr>
             <a:spLocks noGrp="1"/>
           </p:cNvSpPr>
@@ -2087,14 +3012,15 @@
             <p:ph type="title"/>
           </p:nvPr>
         </p:nvSpPr>
-        <p:spPr/>
+        <p:spPr>
+          <a:xfrm>
+            <a:off x="680322" y="753228"/>
+            <a:ext cx="9613860" cy="1080938"/>
+          </a:xfrm>
+        </p:spPr>
         <p:txBody>
           <a:bodyPr/>
-          <a:lstStyle>
-            <a:lvl1pPr>
-              <a:defRPr sz="4200"/>
-            </a:lvl1pPr>
-          </a:lstStyle>
+          <a:lstStyle/>
           <a:p>
             <a:r>
               <a:rPr lang="en-GB"/>
@@ -2106,7 +3032,7 @@
       </p:sp>
       <p:sp>
         <p:nvSpPr>
-          <p:cNvPr id="3" name="Text Placeholder 2"/>
+          <p:cNvPr id="19" name="Text Placeholder 2"/>
           <p:cNvSpPr>
             <a:spLocks noGrp="1"/>
           </p:cNvSpPr>
@@ -2116,8 +3042,8 @@
         </p:nvSpPr>
         <p:spPr>
           <a:xfrm>
-            <a:off x="652463" y="4250949"/>
-            <a:ext cx="2940050" cy="576262"/>
+            <a:off x="680318" y="4297503"/>
+            <a:ext cx="3049705" cy="576262"/>
           </a:xfrm>
         </p:spPr>
         <p:txBody>
@@ -2129,10 +3055,7 @@
               <a:buNone/>
               <a:defRPr sz="2400" b="0">
                 <a:solidFill>
-                  <a:schemeClr val="bg2">
-                    <a:lumMod val="40000"/>
-                    <a:lumOff val="60000"/>
-                  </a:schemeClr>
+                  <a:schemeClr val="tx1"/>
                 </a:solidFill>
               </a:defRPr>
             </a:lvl1pPr>
@@ -2180,7 +3103,7 @@
       </p:sp>
       <p:sp>
         <p:nvSpPr>
-          <p:cNvPr id="29" name="Picture Placeholder 2"/>
+          <p:cNvPr id="20" name="Picture Placeholder 2"/>
           <p:cNvSpPr>
             <a:spLocks noGrp="1" noChangeAspect="1"/>
           </p:cNvSpPr>
@@ -2190,12 +3113,12 @@
         </p:nvSpPr>
         <p:spPr>
           <a:xfrm>
-            <a:off x="652463" y="2209800"/>
-            <a:ext cx="2940050" cy="1524000"/>
+            <a:off x="680318" y="2336873"/>
+            <a:ext cx="3049705" cy="1524000"/>
           </a:xfrm>
           <a:prstGeom prst="roundRect">
             <a:avLst>
-              <a:gd name="adj" fmla="val 1858"/>
+              <a:gd name="adj" fmla="val 0"/>
             </a:avLst>
           </a:prstGeom>
           <a:effectLst>
@@ -2259,7 +3182,7 @@
       </p:sp>
       <p:sp>
         <p:nvSpPr>
-          <p:cNvPr id="22" name="Text Placeholder 3"/>
+          <p:cNvPr id="21" name="Text Placeholder 3"/>
           <p:cNvSpPr>
             <a:spLocks noGrp="1"/>
           </p:cNvSpPr>
@@ -2269,8 +3192,8 @@
         </p:nvSpPr>
         <p:spPr>
           <a:xfrm>
-            <a:off x="652463" y="4827211"/>
-            <a:ext cx="2940050" cy="659189"/>
+            <a:off x="680318" y="4873765"/>
+            <a:ext cx="3049705" cy="1062422"/>
           </a:xfrm>
         </p:spPr>
         <p:txBody>
@@ -2326,7 +3249,7 @@
       </p:sp>
       <p:sp>
         <p:nvSpPr>
-          <p:cNvPr id="5" name="Text Placeholder 4"/>
+          <p:cNvPr id="22" name="Text Placeholder 4"/>
           <p:cNvSpPr>
             <a:spLocks noGrp="1"/>
           </p:cNvSpPr>
@@ -2336,8 +3259,8 @@
         </p:nvSpPr>
         <p:spPr>
           <a:xfrm>
-            <a:off x="3889375" y="4250949"/>
-            <a:ext cx="2930525" cy="576262"/>
+            <a:off x="3945471" y="4297503"/>
+            <a:ext cx="3063240" cy="576262"/>
           </a:xfrm>
         </p:spPr>
         <p:txBody>
@@ -2349,10 +3272,7 @@
               <a:buNone/>
               <a:defRPr sz="2400" b="0">
                 <a:solidFill>
-                  <a:schemeClr val="bg2">
-                    <a:lumMod val="40000"/>
-                    <a:lumOff val="60000"/>
-                  </a:schemeClr>
+                  <a:schemeClr val="tx1"/>
                 </a:solidFill>
               </a:defRPr>
             </a:lvl1pPr>
@@ -2400,7 +3320,7 @@
       </p:sp>
       <p:sp>
         <p:nvSpPr>
-          <p:cNvPr id="30" name="Picture Placeholder 2"/>
+          <p:cNvPr id="23" name="Picture Placeholder 2"/>
           <p:cNvSpPr>
             <a:spLocks noGrp="1" noChangeAspect="1"/>
           </p:cNvSpPr>
@@ -2410,12 +3330,12 @@
         </p:nvSpPr>
         <p:spPr>
           <a:xfrm>
-            <a:off x="3889374" y="2209800"/>
-            <a:ext cx="2930525" cy="1524000"/>
+            <a:off x="3945470" y="2336873"/>
+            <a:ext cx="3063240" cy="1524000"/>
           </a:xfrm>
           <a:prstGeom prst="roundRect">
             <a:avLst>
-              <a:gd name="adj" fmla="val 1858"/>
+              <a:gd name="adj" fmla="val 0"/>
             </a:avLst>
           </a:prstGeom>
           <a:effectLst>
@@ -2479,7 +3399,7 @@
       </p:sp>
       <p:sp>
         <p:nvSpPr>
-          <p:cNvPr id="23" name="Text Placeholder 3"/>
+          <p:cNvPr id="24" name="Text Placeholder 3"/>
           <p:cNvSpPr>
             <a:spLocks noGrp="1"/>
           </p:cNvSpPr>
@@ -2489,8 +3409,8 @@
         </p:nvSpPr>
         <p:spPr>
           <a:xfrm>
-            <a:off x="3888022" y="4827210"/>
-            <a:ext cx="2934406" cy="659189"/>
+            <a:off x="3944117" y="4873764"/>
+            <a:ext cx="3067297" cy="1062422"/>
           </a:xfrm>
         </p:spPr>
         <p:txBody>
@@ -2546,7 +3466,7 @@
       </p:sp>
       <p:sp>
         <p:nvSpPr>
-          <p:cNvPr id="14" name="Text Placeholder 4"/>
+          <p:cNvPr id="25" name="Text Placeholder 4"/>
           <p:cNvSpPr>
             <a:spLocks noGrp="1"/>
           </p:cNvSpPr>
@@ -2556,8 +3476,8 @@
         </p:nvSpPr>
         <p:spPr>
           <a:xfrm>
-            <a:off x="7124700" y="4250949"/>
-            <a:ext cx="2932113" cy="576262"/>
+            <a:off x="7230678" y="4297503"/>
+            <a:ext cx="3063505" cy="576262"/>
           </a:xfrm>
         </p:spPr>
         <p:txBody>
@@ -2569,10 +3489,7 @@
               <a:buNone/>
               <a:defRPr sz="2400" b="0">
                 <a:solidFill>
-                  <a:schemeClr val="bg2">
-                    <a:lumMod val="40000"/>
-                    <a:lumOff val="60000"/>
-                  </a:schemeClr>
+                  <a:schemeClr val="tx1"/>
                 </a:solidFill>
               </a:defRPr>
             </a:lvl1pPr>
@@ -2620,7 +3537,7 @@
       </p:sp>
       <p:sp>
         <p:nvSpPr>
-          <p:cNvPr id="31" name="Picture Placeholder 2"/>
+          <p:cNvPr id="26" name="Picture Placeholder 2"/>
           <p:cNvSpPr>
             <a:spLocks noGrp="1" noChangeAspect="1"/>
           </p:cNvSpPr>
@@ -2630,12 +3547,12 @@
         </p:nvSpPr>
         <p:spPr>
           <a:xfrm>
-            <a:off x="7124699" y="2209800"/>
-            <a:ext cx="2932113" cy="1524000"/>
+            <a:off x="7230677" y="2336873"/>
+            <a:ext cx="3063505" cy="1524000"/>
           </a:xfrm>
           <a:prstGeom prst="roundRect">
             <a:avLst>
-              <a:gd name="adj" fmla="val 1858"/>
+              <a:gd name="adj" fmla="val 0"/>
             </a:avLst>
           </a:prstGeom>
           <a:effectLst>
@@ -2699,7 +3616,7 @@
       </p:sp>
       <p:sp>
         <p:nvSpPr>
-          <p:cNvPr id="24" name="Text Placeholder 3"/>
+          <p:cNvPr id="27" name="Text Placeholder 3"/>
           <p:cNvSpPr>
             <a:spLocks noGrp="1"/>
           </p:cNvSpPr>
@@ -2709,8 +3626,8 @@
         </p:nvSpPr>
         <p:spPr>
           <a:xfrm>
-            <a:off x="7124575" y="4827208"/>
-            <a:ext cx="2935997" cy="659189"/>
+            <a:off x="7230553" y="4873762"/>
+            <a:ext cx="3067563" cy="1062422"/>
           </a:xfrm>
         </p:spPr>
         <p:txBody>
@@ -2764,87 +3681,9 @@
           </a:p>
         </p:txBody>
       </p:sp>
-      <p:cxnSp>
-        <p:nvCxnSpPr>
-          <p:cNvPr id="19" name="Straight Connector 18"/>
-          <p:cNvCxnSpPr/>
-          <p:nvPr/>
-        </p:nvCxnSpPr>
-        <p:spPr>
-          <a:xfrm>
-            <a:off x="3726142" y="2133600"/>
-            <a:ext cx="0" cy="3962400"/>
-          </a:xfrm>
-          <a:prstGeom prst="line">
-            <a:avLst/>
-          </a:prstGeom>
-          <a:ln w="12700" cmpd="sng">
-            <a:solidFill>
-              <a:schemeClr val="bg2">
-                <a:lumMod val="40000"/>
-                <a:lumOff val="60000"/>
-                <a:alpha val="40000"/>
-              </a:schemeClr>
-            </a:solidFill>
-          </a:ln>
-        </p:spPr>
-        <p:style>
-          <a:lnRef idx="2">
-            <a:schemeClr val="accent1"/>
-          </a:lnRef>
-          <a:fillRef idx="0">
-            <a:schemeClr val="accent1"/>
-          </a:fillRef>
-          <a:effectRef idx="1">
-            <a:schemeClr val="accent1"/>
-          </a:effectRef>
-          <a:fontRef idx="minor">
-            <a:schemeClr val="tx1"/>
-          </a:fontRef>
-        </p:style>
-      </p:cxnSp>
-      <p:cxnSp>
-        <p:nvCxnSpPr>
-          <p:cNvPr id="20" name="Straight Connector 19"/>
-          <p:cNvCxnSpPr/>
-          <p:nvPr/>
-        </p:nvCxnSpPr>
-        <p:spPr>
-          <a:xfrm>
-            <a:off x="6962227" y="2133600"/>
-            <a:ext cx="0" cy="3966882"/>
-          </a:xfrm>
-          <a:prstGeom prst="line">
-            <a:avLst/>
-          </a:prstGeom>
-          <a:ln w="12700" cmpd="sng">
-            <a:solidFill>
-              <a:schemeClr val="bg2">
-                <a:lumMod val="40000"/>
-                <a:lumOff val="60000"/>
-                <a:alpha val="40000"/>
-              </a:schemeClr>
-            </a:solidFill>
-          </a:ln>
-        </p:spPr>
-        <p:style>
-          <a:lnRef idx="2">
-            <a:schemeClr val="accent1"/>
-          </a:lnRef>
-          <a:fillRef idx="0">
-            <a:schemeClr val="accent1"/>
-          </a:fillRef>
-          <a:effectRef idx="1">
-            <a:schemeClr val="accent1"/>
-          </a:effectRef>
-          <a:fontRef idx="minor">
-            <a:schemeClr val="tx1"/>
-          </a:fontRef>
-        </p:style>
-      </p:cxnSp>
-      <p:sp>
-        <p:nvSpPr>
-          <p:cNvPr id="7" name="Date Placeholder 3"/>
+      <p:sp>
+        <p:nvSpPr>
+          <p:cNvPr id="3" name="Date Placeholder 2"/>
           <p:cNvSpPr>
             <a:spLocks noGrp="1"/>
           </p:cNvSpPr>
@@ -2857,7 +3696,7 @@
           <a:bodyPr/>
           <a:lstStyle/>
           <a:p>
-            <a:fld id="{1415355B-2634-4E66-91F0-41971C44CBA6}" type="datetimeFigureOut">
+            <a:fld id="{99A83B17-14C1-41F4-867A-23A379B416F7}" type="datetimeFigureOut">
               <a:rPr lang="en-GB" smtClean="0"/>
               <a:t>12/02/2025</a:t>
             </a:fld>
@@ -2867,7 +3706,7 @@
       </p:sp>
       <p:sp>
         <p:nvSpPr>
-          <p:cNvPr id="4" name="Footer Placeholder 4"/>
+          <p:cNvPr id="4" name="Footer Placeholder 3"/>
           <p:cNvSpPr>
             <a:spLocks noGrp="1"/>
           </p:cNvSpPr>
@@ -2886,7 +3725,7 @@
       </p:sp>
       <p:sp>
         <p:nvSpPr>
-          <p:cNvPr id="6" name="Slide Number Placeholder 5"/>
+          <p:cNvPr id="5" name="Slide Number Placeholder 4"/>
           <p:cNvSpPr>
             <a:spLocks noGrp="1"/>
           </p:cNvSpPr>
@@ -2899,7 +3738,7 @@
           <a:bodyPr/>
           <a:lstStyle/>
           <a:p>
-            <a:fld id="{2FA82579-086B-42C5-A211-27F08592B2BA}" type="slidenum">
+            <a:fld id="{CA95F3DD-E009-476A-A393-164C21EAFD0D}" type="slidenum">
               <a:rPr lang="en-GB" smtClean="0"/>
               <a:t>‹#›</a:t>
             </a:fld>
@@ -2910,7 +3749,7 @@
     </p:spTree>
     <p:extLst>
       <p:ext uri="{BB962C8B-B14F-4D97-AF65-F5344CB8AC3E}">
-        <p14:creationId xmlns:p14="http://schemas.microsoft.com/office/powerpoint/2010/main" val="4054223711"/>
+        <p14:creationId xmlns:p14="http://schemas.microsoft.com/office/powerpoint/2010/main" val="1327468456"/>
       </p:ext>
     </p:extLst>
   </p:cSld>
@@ -2937,6 +3776,145 @@
           <a:chExt cx="0" cy="0"/>
         </a:xfrm>
       </p:grpSpPr>
+      <p:pic>
+        <p:nvPicPr>
+          <p:cNvPr id="7" name="Picture 6" descr="HD-ShadowLong.png"/>
+          <p:cNvPicPr>
+            <a:picLocks noChangeAspect="1"/>
+          </p:cNvPicPr>
+          <p:nvPr/>
+        </p:nvPicPr>
+        <p:blipFill>
+          <a:blip r:embed="rId2">
+            <a:extLst>
+              <a:ext uri="{28A0092B-C50C-407E-A947-70E740481C1C}">
+                <a14:useLocalDpi xmlns:a14="http://schemas.microsoft.com/office/drawing/2010/main" val="0"/>
+              </a:ext>
+            </a:extLst>
+          </a:blip>
+          <a:stretch>
+            <a:fillRect/>
+          </a:stretch>
+        </p:blipFill>
+        <p:spPr>
+          <a:xfrm>
+            <a:off x="1" y="1970240"/>
+            <a:ext cx="10437812" cy="321164"/>
+          </a:xfrm>
+          <a:prstGeom prst="rect">
+            <a:avLst/>
+          </a:prstGeom>
+        </p:spPr>
+      </p:pic>
+      <p:pic>
+        <p:nvPicPr>
+          <p:cNvPr id="8" name="Picture 7" descr="HD-ShadowShort.png"/>
+          <p:cNvPicPr>
+            <a:picLocks noChangeAspect="1"/>
+          </p:cNvPicPr>
+          <p:nvPr/>
+        </p:nvPicPr>
+        <p:blipFill>
+          <a:blip r:embed="rId3">
+            <a:extLst>
+              <a:ext uri="{28A0092B-C50C-407E-A947-70E740481C1C}">
+                <a14:useLocalDpi xmlns:a14="http://schemas.microsoft.com/office/drawing/2010/main" val="0"/>
+              </a:ext>
+            </a:extLst>
+          </a:blip>
+          <a:stretch>
+            <a:fillRect/>
+          </a:stretch>
+        </p:blipFill>
+        <p:spPr>
+          <a:xfrm>
+            <a:off x="10585826" y="1971234"/>
+            <a:ext cx="1602997" cy="144270"/>
+          </a:xfrm>
+          <a:prstGeom prst="rect">
+            <a:avLst/>
+          </a:prstGeom>
+        </p:spPr>
+      </p:pic>
+      <p:sp>
+        <p:nvSpPr>
+          <p:cNvPr id="9" name="Rectangle 8"/>
+          <p:cNvSpPr/>
+          <p:nvPr/>
+        </p:nvSpPr>
+        <p:spPr bwMode="ltGray">
+          <a:xfrm>
+            <a:off x="0" y="609600"/>
+            <a:ext cx="10437812" cy="1368198"/>
+          </a:xfrm>
+          <a:prstGeom prst="rect">
+            <a:avLst/>
+          </a:prstGeom>
+          <a:solidFill>
+            <a:schemeClr val="bg1">
+              <a:lumMod val="85000"/>
+              <a:lumOff val="15000"/>
+            </a:schemeClr>
+          </a:solidFill>
+          <a:ln>
+            <a:noFill/>
+          </a:ln>
+        </p:spPr>
+        <p:style>
+          <a:lnRef idx="2">
+            <a:schemeClr val="accent1">
+              <a:shade val="50000"/>
+            </a:schemeClr>
+          </a:lnRef>
+          <a:fillRef idx="1">
+            <a:schemeClr val="accent1"/>
+          </a:fillRef>
+          <a:effectRef idx="0">
+            <a:schemeClr val="accent1"/>
+          </a:effectRef>
+          <a:fontRef idx="minor">
+            <a:schemeClr val="lt1"/>
+          </a:fontRef>
+        </p:style>
+      </p:sp>
+      <p:sp>
+        <p:nvSpPr>
+          <p:cNvPr id="10" name="Rectangle 9"/>
+          <p:cNvSpPr/>
+          <p:nvPr/>
+        </p:nvSpPr>
+        <p:spPr>
+          <a:xfrm>
+            <a:off x="10585827" y="609600"/>
+            <a:ext cx="1602997" cy="1368198"/>
+          </a:xfrm>
+          <a:prstGeom prst="rect">
+            <a:avLst/>
+          </a:prstGeom>
+          <a:solidFill>
+            <a:schemeClr val="accent1"/>
+          </a:solidFill>
+          <a:ln>
+            <a:noFill/>
+          </a:ln>
+        </p:spPr>
+        <p:style>
+          <a:lnRef idx="2">
+            <a:schemeClr val="accent1">
+              <a:shade val="50000"/>
+            </a:schemeClr>
+          </a:lnRef>
+          <a:fillRef idx="1">
+            <a:schemeClr val="accent1"/>
+          </a:fillRef>
+          <a:effectRef idx="0">
+            <a:schemeClr val="accent1"/>
+          </a:effectRef>
+          <a:fontRef idx="minor">
+            <a:schemeClr val="lt1"/>
+          </a:fontRef>
+        </p:style>
+      </p:sp>
       <p:sp>
         <p:nvSpPr>
           <p:cNvPr id="2" name="Title 1"/>
@@ -2945,6 +3923,85 @@
           </p:cNvSpPr>
           <p:nvPr>
             <p:ph type="title"/>
+          </p:nvPr>
+        </p:nvSpPr>
+        <p:spPr/>
+        <p:txBody>
+          <a:bodyPr/>
+          <a:lstStyle>
+            <a:lvl1pPr algn="r">
+              <a:defRPr/>
+            </a:lvl1pPr>
+          </a:lstStyle>
+          <a:p>
+            <a:r>
+              <a:rPr lang="en-GB"/>
+              <a:t>Click to edit Master title style</a:t>
+            </a:r>
+            <a:endParaRPr lang="en-US" dirty="0"/>
+          </a:p>
+        </p:txBody>
+      </p:sp>
+      <p:sp>
+        <p:nvSpPr>
+          <p:cNvPr id="3" name="Vertical Text Placeholder 2"/>
+          <p:cNvSpPr>
+            <a:spLocks noGrp="1"/>
+          </p:cNvSpPr>
+          <p:nvPr>
+            <p:ph type="body" orient="vert" idx="1"/>
+          </p:nvPr>
+        </p:nvSpPr>
+        <p:spPr/>
+        <p:txBody>
+          <a:bodyPr vert="eaVert"/>
+          <a:lstStyle/>
+          <a:p>
+            <a:pPr lvl="0"/>
+            <a:r>
+              <a:rPr lang="en-GB"/>
+              <a:t>Click to edit Master text styles</a:t>
+            </a:r>
+          </a:p>
+          <a:p>
+            <a:pPr lvl="1"/>
+            <a:r>
+              <a:rPr lang="en-GB"/>
+              <a:t>Second level</a:t>
+            </a:r>
+          </a:p>
+          <a:p>
+            <a:pPr lvl="2"/>
+            <a:r>
+              <a:rPr lang="en-GB"/>
+              <a:t>Third level</a:t>
+            </a:r>
+          </a:p>
+          <a:p>
+            <a:pPr lvl="3"/>
+            <a:r>
+              <a:rPr lang="en-GB"/>
+              <a:t>Fourth level</a:t>
+            </a:r>
+          </a:p>
+          <a:p>
+            <a:pPr lvl="4"/>
+            <a:r>
+              <a:rPr lang="en-GB"/>
+              <a:t>Fifth level</a:t>
+            </a:r>
+            <a:endParaRPr lang="en-US" dirty="0"/>
+          </a:p>
+        </p:txBody>
+      </p:sp>
+      <p:sp>
+        <p:nvSpPr>
+          <p:cNvPr id="4" name="Date Placeholder 3"/>
+          <p:cNvSpPr>
+            <a:spLocks noGrp="1"/>
+          </p:cNvSpPr>
+          <p:nvPr>
+            <p:ph type="dt" sz="half" idx="10"/>
           </p:nvPr>
         </p:nvSpPr>
         <p:spPr/>
@@ -2952,82 +4009,7 @@
           <a:bodyPr/>
           <a:lstStyle/>
           <a:p>
-            <a:r>
-              <a:rPr lang="en-GB"/>
-              <a:t>Click to edit Master title style</a:t>
-            </a:r>
-            <a:endParaRPr lang="en-US" dirty="0"/>
-          </a:p>
-        </p:txBody>
-      </p:sp>
-      <p:sp>
-        <p:nvSpPr>
-          <p:cNvPr id="3" name="Vertical Text Placeholder 2"/>
-          <p:cNvSpPr>
-            <a:spLocks noGrp="1"/>
-          </p:cNvSpPr>
-          <p:nvPr>
-            <p:ph type="body" orient="vert" idx="1"/>
-          </p:nvPr>
-        </p:nvSpPr>
-        <p:spPr/>
-        <p:txBody>
-          <a:bodyPr vert="eaVert" anchor="t" anchorCtr="0"/>
-          <a:lstStyle/>
-          <a:p>
-            <a:pPr lvl="0"/>
-            <a:r>
-              <a:rPr lang="en-GB"/>
-              <a:t>Click to edit Master text styles</a:t>
-            </a:r>
-          </a:p>
-          <a:p>
-            <a:pPr lvl="1"/>
-            <a:r>
-              <a:rPr lang="en-GB"/>
-              <a:t>Second level</a:t>
-            </a:r>
-          </a:p>
-          <a:p>
-            <a:pPr lvl="2"/>
-            <a:r>
-              <a:rPr lang="en-GB"/>
-              <a:t>Third level</a:t>
-            </a:r>
-          </a:p>
-          <a:p>
-            <a:pPr lvl="3"/>
-            <a:r>
-              <a:rPr lang="en-GB"/>
-              <a:t>Fourth level</a:t>
-            </a:r>
-          </a:p>
-          <a:p>
-            <a:pPr lvl="4"/>
-            <a:r>
-              <a:rPr lang="en-GB"/>
-              <a:t>Fifth level</a:t>
-            </a:r>
-            <a:endParaRPr lang="en-US" dirty="0"/>
-          </a:p>
-        </p:txBody>
-      </p:sp>
-      <p:sp>
-        <p:nvSpPr>
-          <p:cNvPr id="4" name="Date Placeholder 3"/>
-          <p:cNvSpPr>
-            <a:spLocks noGrp="1"/>
-          </p:cNvSpPr>
-          <p:nvPr>
-            <p:ph type="dt" sz="half" idx="10"/>
-          </p:nvPr>
-        </p:nvSpPr>
-        <p:spPr/>
-        <p:txBody>
-          <a:bodyPr/>
-          <a:lstStyle/>
-          <a:p>
-            <a:fld id="{1415355B-2634-4E66-91F0-41971C44CBA6}" type="datetimeFigureOut">
+            <a:fld id="{99A83B17-14C1-41F4-867A-23A379B416F7}" type="datetimeFigureOut">
               <a:rPr lang="en-GB" smtClean="0"/>
               <a:t>12/02/2025</a:t>
             </a:fld>
@@ -3069,7 +4051,7 @@
           <a:bodyPr/>
           <a:lstStyle/>
           <a:p>
-            <a:fld id="{2FA82579-086B-42C5-A211-27F08592B2BA}" type="slidenum">
+            <a:fld id="{CA95F3DD-E009-476A-A393-164C21EAFD0D}" type="slidenum">
               <a:rPr lang="en-GB" smtClean="0"/>
               <a:t>‹#›</a:t>
             </a:fld>
@@ -3080,7 +4062,7 @@
     </p:spTree>
     <p:extLst>
       <p:ext uri="{BB962C8B-B14F-4D97-AF65-F5344CB8AC3E}">
-        <p14:creationId xmlns:p14="http://schemas.microsoft.com/office/powerpoint/2010/main" val="1101516442"/>
+        <p14:creationId xmlns:p14="http://schemas.microsoft.com/office/powerpoint/2010/main" val="4065612726"/>
       </p:ext>
     </p:extLst>
   </p:cSld>
@@ -3109,6 +4091,85 @@
       </p:grpSpPr>
       <p:sp>
         <p:nvSpPr>
+          <p:cNvPr id="7" name="Rectangle 6"/>
+          <p:cNvSpPr/>
+          <p:nvPr/>
+        </p:nvSpPr>
+        <p:spPr bwMode="ltGray">
+          <a:xfrm rot="5400000">
+            <a:off x="8116207" y="1869395"/>
+            <a:ext cx="5106988" cy="1368198"/>
+          </a:xfrm>
+          <a:prstGeom prst="rect">
+            <a:avLst/>
+          </a:prstGeom>
+          <a:solidFill>
+            <a:schemeClr val="bg1">
+              <a:lumMod val="85000"/>
+              <a:lumOff val="15000"/>
+            </a:schemeClr>
+          </a:solidFill>
+          <a:ln>
+            <a:noFill/>
+          </a:ln>
+        </p:spPr>
+        <p:style>
+          <a:lnRef idx="2">
+            <a:schemeClr val="accent1">
+              <a:shade val="50000"/>
+            </a:schemeClr>
+          </a:lnRef>
+          <a:fillRef idx="1">
+            <a:schemeClr val="accent1"/>
+          </a:fillRef>
+          <a:effectRef idx="0">
+            <a:schemeClr val="accent1"/>
+          </a:effectRef>
+          <a:fontRef idx="minor">
+            <a:schemeClr val="lt1"/>
+          </a:fontRef>
+        </p:style>
+      </p:sp>
+      <p:sp>
+        <p:nvSpPr>
+          <p:cNvPr id="8" name="Rectangle 7"/>
+          <p:cNvSpPr/>
+          <p:nvPr/>
+        </p:nvSpPr>
+        <p:spPr>
+          <a:xfrm rot="5400000">
+            <a:off x="9868202" y="5372403"/>
+            <a:ext cx="1602997" cy="1368198"/>
+          </a:xfrm>
+          <a:prstGeom prst="rect">
+            <a:avLst/>
+          </a:prstGeom>
+          <a:solidFill>
+            <a:schemeClr val="accent1"/>
+          </a:solidFill>
+          <a:ln>
+            <a:noFill/>
+          </a:ln>
+        </p:spPr>
+        <p:style>
+          <a:lnRef idx="2">
+            <a:schemeClr val="accent1">
+              <a:shade val="50000"/>
+            </a:schemeClr>
+          </a:lnRef>
+          <a:fillRef idx="1">
+            <a:schemeClr val="accent1"/>
+          </a:fillRef>
+          <a:effectRef idx="0">
+            <a:schemeClr val="accent1"/>
+          </a:effectRef>
+          <a:fontRef idx="minor">
+            <a:schemeClr val="lt1"/>
+          </a:fontRef>
+        </p:style>
+      </p:sp>
+      <p:sp>
+        <p:nvSpPr>
           <p:cNvPr id="2" name="Vertical Title 1"/>
           <p:cNvSpPr>
             <a:spLocks noGrp="1"/>
@@ -3119,42 +4180,42 @@
         </p:nvSpPr>
         <p:spPr>
           <a:xfrm>
-            <a:off x="8304212" y="430213"/>
-            <a:ext cx="1752601" cy="5826125"/>
-          </a:xfrm>
-        </p:spPr>
-        <p:txBody>
-          <a:bodyPr vert="eaVert" anchor="b" anchorCtr="0"/>
-          <a:lstStyle/>
-          <a:p>
-            <a:r>
-              <a:rPr lang="en-GB"/>
-              <a:t>Click to edit Master title style</a:t>
-            </a:r>
-            <a:endParaRPr lang="en-US" dirty="0"/>
-          </a:p>
-        </p:txBody>
-      </p:sp>
-      <p:sp>
-        <p:nvSpPr>
-          <p:cNvPr id="3" name="Vertical Text Placeholder 2"/>
-          <p:cNvSpPr>
-            <a:spLocks noGrp="1"/>
-          </p:cNvSpPr>
-          <p:nvPr>
-            <p:ph type="body" orient="vert" idx="1"/>
-          </p:nvPr>
-        </p:nvSpPr>
-        <p:spPr>
-          <a:xfrm>
-            <a:off x="652463" y="887414"/>
-            <a:ext cx="7423149" cy="5368924"/>
+            <a:off x="10129231" y="609597"/>
+            <a:ext cx="1073802" cy="4353760"/>
           </a:xfrm>
         </p:spPr>
         <p:txBody>
           <a:bodyPr vert="eaVert"/>
           <a:lstStyle/>
           <a:p>
+            <a:r>
+              <a:rPr lang="en-GB"/>
+              <a:t>Click to edit Master title style</a:t>
+            </a:r>
+            <a:endParaRPr lang="en-US" dirty="0"/>
+          </a:p>
+        </p:txBody>
+      </p:sp>
+      <p:sp>
+        <p:nvSpPr>
+          <p:cNvPr id="3" name="Vertical Text Placeholder 2"/>
+          <p:cNvSpPr>
+            <a:spLocks noGrp="1"/>
+          </p:cNvSpPr>
+          <p:nvPr>
+            <p:ph type="body" orient="vert" idx="1"/>
+          </p:nvPr>
+        </p:nvSpPr>
+        <p:spPr>
+          <a:xfrm>
+            <a:off x="680322" y="609597"/>
+            <a:ext cx="8870004" cy="5326589"/>
+          </a:xfrm>
+        </p:spPr>
+        <p:txBody>
+          <a:bodyPr vert="eaVert"/>
+          <a:lstStyle/>
+          <a:p>
             <a:pPr lvl="0"/>
             <a:r>
               <a:rPr lang="en-GB"/>
@@ -3202,12 +4263,17 @@
             <p:ph type="dt" sz="half" idx="10"/>
           </p:nvPr>
         </p:nvSpPr>
-        <p:spPr/>
+        <p:spPr>
+          <a:xfrm>
+            <a:off x="6807126" y="5936187"/>
+            <a:ext cx="2743200" cy="365125"/>
+          </a:xfrm>
+        </p:spPr>
         <p:txBody>
           <a:bodyPr/>
           <a:lstStyle/>
           <a:p>
-            <a:fld id="{1415355B-2634-4E66-91F0-41971C44CBA6}" type="datetimeFigureOut">
+            <a:fld id="{99A83B17-14C1-41F4-867A-23A379B416F7}" type="datetimeFigureOut">
               <a:rPr lang="en-GB" smtClean="0"/>
               <a:t>12/02/2025</a:t>
             </a:fld>
@@ -3225,7 +4291,12 @@
             <p:ph type="ftr" sz="quarter" idx="11"/>
           </p:nvPr>
         </p:nvSpPr>
-        <p:spPr/>
+        <p:spPr>
+          <a:xfrm>
+            <a:off x="680321" y="5936188"/>
+            <a:ext cx="6126805" cy="365125"/>
+          </a:xfrm>
+        </p:spPr>
         <p:txBody>
           <a:bodyPr/>
           <a:lstStyle/>
@@ -3244,12 +4315,21 @@
             <p:ph type="sldNum" sz="quarter" idx="12"/>
           </p:nvPr>
         </p:nvSpPr>
-        <p:spPr/>
-        <p:txBody>
-          <a:bodyPr/>
-          <a:lstStyle/>
-          <a:p>
-            <a:fld id="{2FA82579-086B-42C5-A211-27F08592B2BA}" type="slidenum">
+        <p:spPr>
+          <a:xfrm>
+            <a:off x="10097550" y="5398633"/>
+            <a:ext cx="1154151" cy="1090789"/>
+          </a:xfrm>
+        </p:spPr>
+        <p:txBody>
+          <a:bodyPr anchor="t"/>
+          <a:lstStyle>
+            <a:lvl1pPr algn="ctr">
+              <a:defRPr/>
+            </a:lvl1pPr>
+          </a:lstStyle>
+          <a:p>
+            <a:fld id="{CA95F3DD-E009-476A-A393-164C21EAFD0D}" type="slidenum">
               <a:rPr lang="en-GB" smtClean="0"/>
               <a:t>‹#›</a:t>
             </a:fld>
@@ -3260,7 +4340,7 @@
     </p:spTree>
     <p:extLst>
       <p:ext uri="{BB962C8B-B14F-4D97-AF65-F5344CB8AC3E}">
-        <p14:creationId xmlns:p14="http://schemas.microsoft.com/office/powerpoint/2010/main" val="3899162574"/>
+        <p14:creationId xmlns:p14="http://schemas.microsoft.com/office/powerpoint/2010/main" val="1898381128"/>
       </p:ext>
     </p:extLst>
   </p:cSld>
@@ -3287,6 +4367,145 @@
           <a:chExt cx="0" cy="0"/>
         </a:xfrm>
       </p:grpSpPr>
+      <p:pic>
+        <p:nvPicPr>
+          <p:cNvPr id="15" name="Picture 14" descr="HD-ShadowLong.png"/>
+          <p:cNvPicPr>
+            <a:picLocks noChangeAspect="1"/>
+          </p:cNvPicPr>
+          <p:nvPr/>
+        </p:nvPicPr>
+        <p:blipFill>
+          <a:blip r:embed="rId2">
+            <a:extLst>
+              <a:ext uri="{28A0092B-C50C-407E-A947-70E740481C1C}">
+                <a14:useLocalDpi xmlns:a14="http://schemas.microsoft.com/office/drawing/2010/main" val="0"/>
+              </a:ext>
+            </a:extLst>
+          </a:blip>
+          <a:stretch>
+            <a:fillRect/>
+          </a:stretch>
+        </p:blipFill>
+        <p:spPr>
+          <a:xfrm>
+            <a:off x="1" y="1970240"/>
+            <a:ext cx="10437812" cy="321164"/>
+          </a:xfrm>
+          <a:prstGeom prst="rect">
+            <a:avLst/>
+          </a:prstGeom>
+        </p:spPr>
+      </p:pic>
+      <p:pic>
+        <p:nvPicPr>
+          <p:cNvPr id="16" name="Picture 15" descr="HD-ShadowShort.png"/>
+          <p:cNvPicPr>
+            <a:picLocks noChangeAspect="1"/>
+          </p:cNvPicPr>
+          <p:nvPr/>
+        </p:nvPicPr>
+        <p:blipFill>
+          <a:blip r:embed="rId3">
+            <a:extLst>
+              <a:ext uri="{28A0092B-C50C-407E-A947-70E740481C1C}">
+                <a14:useLocalDpi xmlns:a14="http://schemas.microsoft.com/office/drawing/2010/main" val="0"/>
+              </a:ext>
+            </a:extLst>
+          </a:blip>
+          <a:stretch>
+            <a:fillRect/>
+          </a:stretch>
+        </p:blipFill>
+        <p:spPr>
+          <a:xfrm>
+            <a:off x="10585826" y="1971234"/>
+            <a:ext cx="1602997" cy="144270"/>
+          </a:xfrm>
+          <a:prstGeom prst="rect">
+            <a:avLst/>
+          </a:prstGeom>
+        </p:spPr>
+      </p:pic>
+      <p:sp>
+        <p:nvSpPr>
+          <p:cNvPr id="17" name="Rectangle 16"/>
+          <p:cNvSpPr/>
+          <p:nvPr/>
+        </p:nvSpPr>
+        <p:spPr bwMode="ltGray">
+          <a:xfrm>
+            <a:off x="0" y="609600"/>
+            <a:ext cx="10437812" cy="1368198"/>
+          </a:xfrm>
+          <a:prstGeom prst="rect">
+            <a:avLst/>
+          </a:prstGeom>
+          <a:solidFill>
+            <a:schemeClr val="bg1">
+              <a:lumMod val="85000"/>
+              <a:lumOff val="15000"/>
+            </a:schemeClr>
+          </a:solidFill>
+          <a:ln>
+            <a:noFill/>
+          </a:ln>
+        </p:spPr>
+        <p:style>
+          <a:lnRef idx="2">
+            <a:schemeClr val="accent1">
+              <a:shade val="50000"/>
+            </a:schemeClr>
+          </a:lnRef>
+          <a:fillRef idx="1">
+            <a:schemeClr val="accent1"/>
+          </a:fillRef>
+          <a:effectRef idx="0">
+            <a:schemeClr val="accent1"/>
+          </a:effectRef>
+          <a:fontRef idx="minor">
+            <a:schemeClr val="lt1"/>
+          </a:fontRef>
+        </p:style>
+      </p:sp>
+      <p:sp>
+        <p:nvSpPr>
+          <p:cNvPr id="18" name="Rectangle 17"/>
+          <p:cNvSpPr/>
+          <p:nvPr/>
+        </p:nvSpPr>
+        <p:spPr>
+          <a:xfrm>
+            <a:off x="10585827" y="609600"/>
+            <a:ext cx="1602997" cy="1368198"/>
+          </a:xfrm>
+          <a:prstGeom prst="rect">
+            <a:avLst/>
+          </a:prstGeom>
+          <a:solidFill>
+            <a:schemeClr val="accent1"/>
+          </a:solidFill>
+          <a:ln>
+            <a:noFill/>
+          </a:ln>
+        </p:spPr>
+        <p:style>
+          <a:lnRef idx="2">
+            <a:schemeClr val="accent1">
+              <a:shade val="50000"/>
+            </a:schemeClr>
+          </a:lnRef>
+          <a:fillRef idx="1">
+            <a:schemeClr val="accent1"/>
+          </a:fillRef>
+          <a:effectRef idx="0">
+            <a:schemeClr val="accent1"/>
+          </a:effectRef>
+          <a:fontRef idx="minor">
+            <a:schemeClr val="lt1"/>
+          </a:fontRef>
+        </p:style>
+      </p:sp>
       <p:sp>
         <p:nvSpPr>
           <p:cNvPr id="2" name="Title 1"/>
@@ -3364,7 +4583,7 @@
       </p:sp>
       <p:sp>
         <p:nvSpPr>
-          <p:cNvPr id="7" name="Date Placeholder 3"/>
+          <p:cNvPr id="4" name="Date Placeholder 3"/>
           <p:cNvSpPr>
             <a:spLocks noGrp="1"/>
           </p:cNvSpPr>
@@ -3377,7 +4596,7 @@
           <a:bodyPr/>
           <a:lstStyle/>
           <a:p>
-            <a:fld id="{1415355B-2634-4E66-91F0-41971C44CBA6}" type="datetimeFigureOut">
+            <a:fld id="{99A83B17-14C1-41F4-867A-23A379B416F7}" type="datetimeFigureOut">
               <a:rPr lang="en-GB" smtClean="0"/>
               <a:t>12/02/2025</a:t>
             </a:fld>
@@ -3419,7 +4638,7 @@
           <a:bodyPr/>
           <a:lstStyle/>
           <a:p>
-            <a:fld id="{2FA82579-086B-42C5-A211-27F08592B2BA}" type="slidenum">
+            <a:fld id="{CA95F3DD-E009-476A-A393-164C21EAFD0D}" type="slidenum">
               <a:rPr lang="en-GB" smtClean="0"/>
               <a:t>‹#›</a:t>
             </a:fld>
@@ -3430,7 +4649,7 @@
     </p:spTree>
     <p:extLst>
       <p:ext uri="{BB962C8B-B14F-4D97-AF65-F5344CB8AC3E}">
-        <p14:creationId xmlns:p14="http://schemas.microsoft.com/office/powerpoint/2010/main" val="899589029"/>
+        <p14:creationId xmlns:p14="http://schemas.microsoft.com/office/powerpoint/2010/main" val="2573362717"/>
       </p:ext>
     </p:extLst>
   </p:cSld>
@@ -3457,6 +4676,145 @@
           <a:chExt cx="0" cy="0"/>
         </a:xfrm>
       </p:grpSpPr>
+      <p:pic>
+        <p:nvPicPr>
+          <p:cNvPr id="7" name="Picture 6" descr="HD-ShadowLong.png"/>
+          <p:cNvPicPr>
+            <a:picLocks noChangeAspect="1"/>
+          </p:cNvPicPr>
+          <p:nvPr/>
+        </p:nvPicPr>
+        <p:blipFill>
+          <a:blip r:embed="rId2">
+            <a:extLst>
+              <a:ext uri="{28A0092B-C50C-407E-A947-70E740481C1C}">
+                <a14:useLocalDpi xmlns:a14="http://schemas.microsoft.com/office/drawing/2010/main" val="0"/>
+              </a:ext>
+            </a:extLst>
+          </a:blip>
+          <a:stretch>
+            <a:fillRect/>
+          </a:stretch>
+        </p:blipFill>
+        <p:spPr>
+          <a:xfrm>
+            <a:off x="-1" y="4086907"/>
+            <a:ext cx="10437812" cy="321164"/>
+          </a:xfrm>
+          <a:prstGeom prst="rect">
+            <a:avLst/>
+          </a:prstGeom>
+        </p:spPr>
+      </p:pic>
+      <p:pic>
+        <p:nvPicPr>
+          <p:cNvPr id="8" name="Picture 7" descr="HD-ShadowShort.png"/>
+          <p:cNvPicPr>
+            <a:picLocks noChangeAspect="1"/>
+          </p:cNvPicPr>
+          <p:nvPr/>
+        </p:nvPicPr>
+        <p:blipFill>
+          <a:blip r:embed="rId3">
+            <a:extLst>
+              <a:ext uri="{28A0092B-C50C-407E-A947-70E740481C1C}">
+                <a14:useLocalDpi xmlns:a14="http://schemas.microsoft.com/office/drawing/2010/main" val="0"/>
+              </a:ext>
+            </a:extLst>
+          </a:blip>
+          <a:stretch>
+            <a:fillRect/>
+          </a:stretch>
+        </p:blipFill>
+        <p:spPr>
+          <a:xfrm>
+            <a:off x="10585824" y="4087901"/>
+            <a:ext cx="1602997" cy="144270"/>
+          </a:xfrm>
+          <a:prstGeom prst="rect">
+            <a:avLst/>
+          </a:prstGeom>
+        </p:spPr>
+      </p:pic>
+      <p:sp>
+        <p:nvSpPr>
+          <p:cNvPr id="9" name="Rectangle 8"/>
+          <p:cNvSpPr/>
+          <p:nvPr/>
+        </p:nvSpPr>
+        <p:spPr bwMode="ltGray">
+          <a:xfrm>
+            <a:off x="-2" y="2726267"/>
+            <a:ext cx="10437812" cy="1368198"/>
+          </a:xfrm>
+          <a:prstGeom prst="rect">
+            <a:avLst/>
+          </a:prstGeom>
+          <a:solidFill>
+            <a:schemeClr val="bg1">
+              <a:lumMod val="85000"/>
+              <a:lumOff val="15000"/>
+            </a:schemeClr>
+          </a:solidFill>
+          <a:ln>
+            <a:noFill/>
+          </a:ln>
+        </p:spPr>
+        <p:style>
+          <a:lnRef idx="2">
+            <a:schemeClr val="accent1">
+              <a:shade val="50000"/>
+            </a:schemeClr>
+          </a:lnRef>
+          <a:fillRef idx="1">
+            <a:schemeClr val="accent1"/>
+          </a:fillRef>
+          <a:effectRef idx="0">
+            <a:schemeClr val="accent1"/>
+          </a:effectRef>
+          <a:fontRef idx="minor">
+            <a:schemeClr val="lt1"/>
+          </a:fontRef>
+        </p:style>
+      </p:sp>
+      <p:sp>
+        <p:nvSpPr>
+          <p:cNvPr id="10" name="Rectangle 9"/>
+          <p:cNvSpPr/>
+          <p:nvPr/>
+        </p:nvSpPr>
+        <p:spPr>
+          <a:xfrm>
+            <a:off x="10585825" y="2726267"/>
+            <a:ext cx="1602997" cy="1368198"/>
+          </a:xfrm>
+          <a:prstGeom prst="rect">
+            <a:avLst/>
+          </a:prstGeom>
+          <a:solidFill>
+            <a:schemeClr val="accent1"/>
+          </a:solidFill>
+          <a:ln>
+            <a:noFill/>
+          </a:ln>
+        </p:spPr>
+        <p:style>
+          <a:lnRef idx="2">
+            <a:schemeClr val="accent1">
+              <a:shade val="50000"/>
+            </a:schemeClr>
+          </a:lnRef>
+          <a:fillRef idx="1">
+            <a:schemeClr val="accent1"/>
+          </a:fillRef>
+          <a:effectRef idx="0">
+            <a:schemeClr val="accent1"/>
+          </a:effectRef>
+          <a:fontRef idx="minor">
+            <a:schemeClr val="lt1"/>
+          </a:fontRef>
+        </p:style>
+      </p:sp>
       <p:sp>
         <p:nvSpPr>
           <p:cNvPr id="2" name="Title 1"/>
@@ -3469,15 +4827,17 @@
         </p:nvSpPr>
         <p:spPr>
           <a:xfrm>
-            <a:off x="1154956" y="2861733"/>
-            <a:ext cx="8825657" cy="1915647"/>
-          </a:xfrm>
-        </p:spPr>
-        <p:txBody>
-          <a:bodyPr anchor="b"/>
+            <a:off x="680322" y="2869895"/>
+            <a:ext cx="9613860" cy="1090788"/>
+          </a:xfrm>
+        </p:spPr>
+        <p:txBody>
+          <a:bodyPr anchor="ctr">
+            <a:normAutofit/>
+          </a:bodyPr>
           <a:lstStyle>
-            <a:lvl1pPr algn="l">
-              <a:defRPr sz="4000" b="0" cap="none"/>
+            <a:lvl1pPr algn="r">
+              <a:defRPr sz="3600"/>
             </a:lvl1pPr>
           </a:lstStyle>
           <a:p>
@@ -3501,27 +4861,28 @@
         </p:nvSpPr>
         <p:spPr>
           <a:xfrm>
-            <a:off x="1154955" y="4777381"/>
-            <a:ext cx="8825658" cy="860400"/>
-          </a:xfrm>
-        </p:spPr>
-        <p:txBody>
-          <a:bodyPr anchor="t"/>
+            <a:off x="680322" y="4232171"/>
+            <a:ext cx="9613860" cy="1704017"/>
+          </a:xfrm>
+        </p:spPr>
+        <p:txBody>
+          <a:bodyPr>
+            <a:normAutofit/>
+          </a:bodyPr>
           <a:lstStyle>
-            <a:lvl1pPr marL="0" indent="0" algn="l">
-              <a:buNone/>
-              <a:defRPr sz="2000" cap="all">
+            <a:lvl1pPr marL="0" indent="0" algn="r">
+              <a:buNone/>
+              <a:defRPr sz="2000">
                 <a:solidFill>
-                  <a:schemeClr val="bg2">
-                    <a:lumMod val="40000"/>
-                    <a:lumOff val="60000"/>
+                  <a:schemeClr val="tx1">
+                    <a:tint val="75000"/>
                   </a:schemeClr>
                 </a:solidFill>
               </a:defRPr>
             </a:lvl1pPr>
             <a:lvl2pPr marL="457200" indent="0">
               <a:buNone/>
-              <a:defRPr sz="1800">
+              <a:defRPr sz="2000">
                 <a:solidFill>
                   <a:schemeClr val="tx1">
                     <a:tint val="75000"/>
@@ -3531,7 +4892,7 @@
             </a:lvl2pPr>
             <a:lvl3pPr marL="914400" indent="0">
               <a:buNone/>
-              <a:defRPr sz="1600">
+              <a:defRPr sz="1800">
                 <a:solidFill>
                   <a:schemeClr val="tx1">
                     <a:tint val="75000"/>
@@ -3541,7 +4902,7 @@
             </a:lvl3pPr>
             <a:lvl4pPr marL="1371600" indent="0">
               <a:buNone/>
-              <a:defRPr sz="1400">
+              <a:defRPr sz="1600">
                 <a:solidFill>
                   <a:schemeClr val="tx1">
                     <a:tint val="75000"/>
@@ -3551,7 +4912,7 @@
             </a:lvl4pPr>
             <a:lvl5pPr marL="1828800" indent="0">
               <a:buNone/>
-              <a:defRPr sz="1400">
+              <a:defRPr sz="1600">
                 <a:solidFill>
                   <a:schemeClr val="tx1">
                     <a:tint val="75000"/>
@@ -3561,7 +4922,7 @@
             </a:lvl5pPr>
             <a:lvl6pPr marL="2286000" indent="0">
               <a:buNone/>
-              <a:defRPr sz="1400">
+              <a:defRPr sz="1600">
                 <a:solidFill>
                   <a:schemeClr val="tx1">
                     <a:tint val="75000"/>
@@ -3571,7 +4932,7 @@
             </a:lvl6pPr>
             <a:lvl7pPr marL="2743200" indent="0">
               <a:buNone/>
-              <a:defRPr sz="1400">
+              <a:defRPr sz="1600">
                 <a:solidFill>
                   <a:schemeClr val="tx1">
                     <a:tint val="75000"/>
@@ -3581,7 +4942,7 @@
             </a:lvl7pPr>
             <a:lvl8pPr marL="3200400" indent="0">
               <a:buNone/>
-              <a:defRPr sz="1400">
+              <a:defRPr sz="1600">
                 <a:solidFill>
                   <a:schemeClr val="tx1">
                     <a:tint val="75000"/>
@@ -3591,7 +4952,7 @@
             </a:lvl8pPr>
             <a:lvl9pPr marL="3657600" indent="0">
               <a:buNone/>
-              <a:defRPr sz="1400">
+              <a:defRPr sz="1600">
                 <a:solidFill>
                   <a:schemeClr val="tx1">
                     <a:tint val="75000"/>
@@ -3624,7 +4985,7 @@
           <a:bodyPr/>
           <a:lstStyle/>
           <a:p>
-            <a:fld id="{1415355B-2634-4E66-91F0-41971C44CBA6}" type="datetimeFigureOut">
+            <a:fld id="{99A83B17-14C1-41F4-867A-23A379B416F7}" type="datetimeFigureOut">
               <a:rPr lang="en-GB" smtClean="0"/>
               <a:t>12/02/2025</a:t>
             </a:fld>
@@ -3661,12 +5022,17 @@
             <p:ph type="sldNum" sz="quarter" idx="12"/>
           </p:nvPr>
         </p:nvSpPr>
-        <p:spPr/>
+        <p:spPr>
+          <a:xfrm>
+            <a:off x="10729455" y="2869895"/>
+            <a:ext cx="1154151" cy="1090789"/>
+          </a:xfrm>
+        </p:spPr>
         <p:txBody>
           <a:bodyPr/>
           <a:lstStyle/>
           <a:p>
-            <a:fld id="{2FA82579-086B-42C5-A211-27F08592B2BA}" type="slidenum">
+            <a:fld id="{CA95F3DD-E009-476A-A393-164C21EAFD0D}" type="slidenum">
               <a:rPr lang="en-GB" smtClean="0"/>
               <a:t>‹#›</a:t>
             </a:fld>
@@ -3677,7 +5043,7 @@
     </p:spTree>
     <p:extLst>
       <p:ext uri="{BB962C8B-B14F-4D97-AF65-F5344CB8AC3E}">
-        <p14:creationId xmlns:p14="http://schemas.microsoft.com/office/powerpoint/2010/main" val="3495496594"/>
+        <p14:creationId xmlns:p14="http://schemas.microsoft.com/office/powerpoint/2010/main" val="2661212926"/>
       </p:ext>
     </p:extLst>
   </p:cSld>
@@ -3704,6 +5070,145 @@
           <a:chExt cx="0" cy="0"/>
         </a:xfrm>
       </p:grpSpPr>
+      <p:pic>
+        <p:nvPicPr>
+          <p:cNvPr id="8" name="Picture 7" descr="HD-ShadowLong.png"/>
+          <p:cNvPicPr>
+            <a:picLocks noChangeAspect="1"/>
+          </p:cNvPicPr>
+          <p:nvPr/>
+        </p:nvPicPr>
+        <p:blipFill>
+          <a:blip r:embed="rId2">
+            <a:extLst>
+              <a:ext uri="{28A0092B-C50C-407E-A947-70E740481C1C}">
+                <a14:useLocalDpi xmlns:a14="http://schemas.microsoft.com/office/drawing/2010/main" val="0"/>
+              </a:ext>
+            </a:extLst>
+          </a:blip>
+          <a:stretch>
+            <a:fillRect/>
+          </a:stretch>
+        </p:blipFill>
+        <p:spPr>
+          <a:xfrm>
+            <a:off x="1" y="1970240"/>
+            <a:ext cx="10437812" cy="321164"/>
+          </a:xfrm>
+          <a:prstGeom prst="rect">
+            <a:avLst/>
+          </a:prstGeom>
+        </p:spPr>
+      </p:pic>
+      <p:pic>
+        <p:nvPicPr>
+          <p:cNvPr id="9" name="Picture 8" descr="HD-ShadowShort.png"/>
+          <p:cNvPicPr>
+            <a:picLocks noChangeAspect="1"/>
+          </p:cNvPicPr>
+          <p:nvPr/>
+        </p:nvPicPr>
+        <p:blipFill>
+          <a:blip r:embed="rId3">
+            <a:extLst>
+              <a:ext uri="{28A0092B-C50C-407E-A947-70E740481C1C}">
+                <a14:useLocalDpi xmlns:a14="http://schemas.microsoft.com/office/drawing/2010/main" val="0"/>
+              </a:ext>
+            </a:extLst>
+          </a:blip>
+          <a:stretch>
+            <a:fillRect/>
+          </a:stretch>
+        </p:blipFill>
+        <p:spPr>
+          <a:xfrm>
+            <a:off x="10585826" y="1971234"/>
+            <a:ext cx="1602997" cy="144270"/>
+          </a:xfrm>
+          <a:prstGeom prst="rect">
+            <a:avLst/>
+          </a:prstGeom>
+        </p:spPr>
+      </p:pic>
+      <p:sp>
+        <p:nvSpPr>
+          <p:cNvPr id="10" name="Rectangle 9"/>
+          <p:cNvSpPr/>
+          <p:nvPr/>
+        </p:nvSpPr>
+        <p:spPr bwMode="ltGray">
+          <a:xfrm>
+            <a:off x="0" y="609600"/>
+            <a:ext cx="10437812" cy="1368198"/>
+          </a:xfrm>
+          <a:prstGeom prst="rect">
+            <a:avLst/>
+          </a:prstGeom>
+          <a:solidFill>
+            <a:schemeClr val="bg1">
+              <a:lumMod val="85000"/>
+              <a:lumOff val="15000"/>
+            </a:schemeClr>
+          </a:solidFill>
+          <a:ln>
+            <a:noFill/>
+          </a:ln>
+        </p:spPr>
+        <p:style>
+          <a:lnRef idx="2">
+            <a:schemeClr val="accent1">
+              <a:shade val="50000"/>
+            </a:schemeClr>
+          </a:lnRef>
+          <a:fillRef idx="1">
+            <a:schemeClr val="accent1"/>
+          </a:fillRef>
+          <a:effectRef idx="0">
+            <a:schemeClr val="accent1"/>
+          </a:effectRef>
+          <a:fontRef idx="minor">
+            <a:schemeClr val="lt1"/>
+          </a:fontRef>
+        </p:style>
+      </p:sp>
+      <p:sp>
+        <p:nvSpPr>
+          <p:cNvPr id="11" name="Rectangle 10"/>
+          <p:cNvSpPr/>
+          <p:nvPr/>
+        </p:nvSpPr>
+        <p:spPr>
+          <a:xfrm>
+            <a:off x="10585827" y="609600"/>
+            <a:ext cx="1602997" cy="1368198"/>
+          </a:xfrm>
+          <a:prstGeom prst="rect">
+            <a:avLst/>
+          </a:prstGeom>
+          <a:solidFill>
+            <a:schemeClr val="accent1"/>
+          </a:solidFill>
+          <a:ln>
+            <a:noFill/>
+          </a:ln>
+        </p:spPr>
+        <p:style>
+          <a:lnRef idx="2">
+            <a:schemeClr val="accent1">
+              <a:shade val="50000"/>
+            </a:schemeClr>
+          </a:lnRef>
+          <a:fillRef idx="1">
+            <a:schemeClr val="accent1"/>
+          </a:fillRef>
+          <a:effectRef idx="0">
+            <a:schemeClr val="accent1"/>
+          </a:effectRef>
+          <a:fontRef idx="minor">
+            <a:schemeClr val="lt1"/>
+          </a:fontRef>
+        </p:style>
+      </p:sp>
       <p:sp>
         <p:nvSpPr>
           <p:cNvPr id="2" name="Title 1"/>
@@ -3739,184 +5244,124 @@
         </p:nvSpPr>
         <p:spPr>
           <a:xfrm>
-            <a:off x="1103312" y="2060575"/>
-            <a:ext cx="4396339" cy="4195763"/>
-          </a:xfrm>
-        </p:spPr>
-        <p:txBody>
-          <a:bodyPr>
-            <a:normAutofit/>
-          </a:bodyPr>
-          <a:lstStyle>
-            <a:lvl1pPr>
-              <a:defRPr sz="1800"/>
-            </a:lvl1pPr>
-            <a:lvl2pPr>
-              <a:defRPr sz="1600"/>
-            </a:lvl2pPr>
-            <a:lvl3pPr>
-              <a:defRPr sz="1400"/>
-            </a:lvl3pPr>
-            <a:lvl4pPr>
-              <a:defRPr sz="1200"/>
-            </a:lvl4pPr>
-            <a:lvl5pPr>
-              <a:defRPr sz="1200"/>
-            </a:lvl5pPr>
-            <a:lvl6pPr>
-              <a:defRPr sz="1200"/>
-            </a:lvl6pPr>
-            <a:lvl7pPr>
-              <a:defRPr sz="1200"/>
-            </a:lvl7pPr>
-            <a:lvl8pPr>
-              <a:defRPr sz="1200"/>
-            </a:lvl8pPr>
-            <a:lvl9pPr>
-              <a:defRPr sz="1200"/>
-            </a:lvl9pPr>
-          </a:lstStyle>
-          <a:p>
-            <a:pPr lvl="0"/>
-            <a:r>
-              <a:rPr lang="en-GB"/>
-              <a:t>Click to edit Master text styles</a:t>
-            </a:r>
-          </a:p>
-          <a:p>
-            <a:pPr lvl="1"/>
-            <a:r>
-              <a:rPr lang="en-GB"/>
-              <a:t>Second level</a:t>
-            </a:r>
-          </a:p>
-          <a:p>
-            <a:pPr lvl="2"/>
-            <a:r>
-              <a:rPr lang="en-GB"/>
-              <a:t>Third level</a:t>
-            </a:r>
-          </a:p>
-          <a:p>
-            <a:pPr lvl="3"/>
-            <a:r>
-              <a:rPr lang="en-GB"/>
-              <a:t>Fourth level</a:t>
-            </a:r>
-          </a:p>
-          <a:p>
-            <a:pPr lvl="4"/>
-            <a:r>
-              <a:rPr lang="en-GB"/>
-              <a:t>Fifth level</a:t>
-            </a:r>
-            <a:endParaRPr lang="en-US" dirty="0"/>
-          </a:p>
-        </p:txBody>
-      </p:sp>
-      <p:sp>
-        <p:nvSpPr>
-          <p:cNvPr id="4" name="Content Placeholder 3"/>
-          <p:cNvSpPr>
-            <a:spLocks noGrp="1"/>
-          </p:cNvSpPr>
-          <p:nvPr>
-            <p:ph sz="half" idx="2"/>
-          </p:nvPr>
-        </p:nvSpPr>
-        <p:spPr>
-          <a:xfrm>
-            <a:off x="5654493" y="2056092"/>
-            <a:ext cx="4396341" cy="4200245"/>
-          </a:xfrm>
-        </p:spPr>
-        <p:txBody>
-          <a:bodyPr>
-            <a:normAutofit/>
-          </a:bodyPr>
-          <a:lstStyle>
-            <a:lvl1pPr>
-              <a:defRPr sz="1800"/>
-            </a:lvl1pPr>
-            <a:lvl2pPr>
-              <a:defRPr sz="1600"/>
-            </a:lvl2pPr>
-            <a:lvl3pPr>
-              <a:defRPr sz="1400"/>
-            </a:lvl3pPr>
-            <a:lvl4pPr>
-              <a:defRPr sz="1200"/>
-            </a:lvl4pPr>
-            <a:lvl5pPr>
-              <a:defRPr sz="1200"/>
-            </a:lvl5pPr>
-            <a:lvl6pPr>
-              <a:defRPr sz="1200"/>
-            </a:lvl6pPr>
-            <a:lvl7pPr>
-              <a:defRPr sz="1200"/>
-            </a:lvl7pPr>
-            <a:lvl8pPr>
-              <a:defRPr sz="1200"/>
-            </a:lvl8pPr>
-            <a:lvl9pPr>
-              <a:defRPr sz="1200"/>
-            </a:lvl9pPr>
-          </a:lstStyle>
-          <a:p>
-            <a:pPr lvl="0"/>
-            <a:r>
-              <a:rPr lang="en-GB"/>
-              <a:t>Click to edit Master text styles</a:t>
-            </a:r>
-          </a:p>
-          <a:p>
-            <a:pPr lvl="1"/>
-            <a:r>
-              <a:rPr lang="en-GB"/>
-              <a:t>Second level</a:t>
-            </a:r>
-          </a:p>
-          <a:p>
-            <a:pPr lvl="2"/>
-            <a:r>
-              <a:rPr lang="en-GB"/>
-              <a:t>Third level</a:t>
-            </a:r>
-          </a:p>
-          <a:p>
-            <a:pPr lvl="3"/>
-            <a:r>
-              <a:rPr lang="en-GB"/>
-              <a:t>Fourth level</a:t>
-            </a:r>
-          </a:p>
-          <a:p>
-            <a:pPr lvl="4"/>
-            <a:r>
-              <a:rPr lang="en-GB"/>
-              <a:t>Fifth level</a:t>
-            </a:r>
-            <a:endParaRPr lang="en-US" dirty="0"/>
-          </a:p>
-        </p:txBody>
-      </p:sp>
-      <p:sp>
-        <p:nvSpPr>
-          <p:cNvPr id="5" name="Date Placeholder 4"/>
-          <p:cNvSpPr>
-            <a:spLocks noGrp="1"/>
-          </p:cNvSpPr>
-          <p:nvPr>
-            <p:ph type="dt" sz="half" idx="10"/>
-          </p:nvPr>
-        </p:nvSpPr>
-        <p:spPr/>
+            <a:off x="680320" y="2336873"/>
+            <a:ext cx="4698358" cy="3599316"/>
+          </a:xfrm>
+        </p:spPr>
         <p:txBody>
           <a:bodyPr/>
           <a:lstStyle/>
           <a:p>
-            <a:fld id="{1415355B-2634-4E66-91F0-41971C44CBA6}" type="datetimeFigureOut">
+            <a:pPr lvl="0"/>
+            <a:r>
+              <a:rPr lang="en-GB"/>
+              <a:t>Click to edit Master text styles</a:t>
+            </a:r>
+          </a:p>
+          <a:p>
+            <a:pPr lvl="1"/>
+            <a:r>
+              <a:rPr lang="en-GB"/>
+              <a:t>Second level</a:t>
+            </a:r>
+          </a:p>
+          <a:p>
+            <a:pPr lvl="2"/>
+            <a:r>
+              <a:rPr lang="en-GB"/>
+              <a:t>Third level</a:t>
+            </a:r>
+          </a:p>
+          <a:p>
+            <a:pPr lvl="3"/>
+            <a:r>
+              <a:rPr lang="en-GB"/>
+              <a:t>Fourth level</a:t>
+            </a:r>
+          </a:p>
+          <a:p>
+            <a:pPr lvl="4"/>
+            <a:r>
+              <a:rPr lang="en-GB"/>
+              <a:t>Fifth level</a:t>
+            </a:r>
+            <a:endParaRPr lang="en-US" dirty="0"/>
+          </a:p>
+        </p:txBody>
+      </p:sp>
+      <p:sp>
+        <p:nvSpPr>
+          <p:cNvPr id="4" name="Content Placeholder 3"/>
+          <p:cNvSpPr>
+            <a:spLocks noGrp="1"/>
+          </p:cNvSpPr>
+          <p:nvPr>
+            <p:ph sz="half" idx="2"/>
+          </p:nvPr>
+        </p:nvSpPr>
+        <p:spPr>
+          <a:xfrm>
+            <a:off x="5594123" y="2336873"/>
+            <a:ext cx="4700058" cy="3599316"/>
+          </a:xfrm>
+        </p:spPr>
+        <p:txBody>
+          <a:bodyPr/>
+          <a:lstStyle/>
+          <a:p>
+            <a:pPr lvl="0"/>
+            <a:r>
+              <a:rPr lang="en-GB"/>
+              <a:t>Click to edit Master text styles</a:t>
+            </a:r>
+          </a:p>
+          <a:p>
+            <a:pPr lvl="1"/>
+            <a:r>
+              <a:rPr lang="en-GB"/>
+              <a:t>Second level</a:t>
+            </a:r>
+          </a:p>
+          <a:p>
+            <a:pPr lvl="2"/>
+            <a:r>
+              <a:rPr lang="en-GB"/>
+              <a:t>Third level</a:t>
+            </a:r>
+          </a:p>
+          <a:p>
+            <a:pPr lvl="3"/>
+            <a:r>
+              <a:rPr lang="en-GB"/>
+              <a:t>Fourth level</a:t>
+            </a:r>
+          </a:p>
+          <a:p>
+            <a:pPr lvl="4"/>
+            <a:r>
+              <a:rPr lang="en-GB"/>
+              <a:t>Fifth level</a:t>
+            </a:r>
+            <a:endParaRPr lang="en-US" dirty="0"/>
+          </a:p>
+        </p:txBody>
+      </p:sp>
+      <p:sp>
+        <p:nvSpPr>
+          <p:cNvPr id="5" name="Date Placeholder 4"/>
+          <p:cNvSpPr>
+            <a:spLocks noGrp="1"/>
+          </p:cNvSpPr>
+          <p:nvPr>
+            <p:ph type="dt" sz="half" idx="10"/>
+          </p:nvPr>
+        </p:nvSpPr>
+        <p:spPr/>
+        <p:txBody>
+          <a:bodyPr/>
+          <a:lstStyle/>
+          <a:p>
+            <a:fld id="{99A83B17-14C1-41F4-867A-23A379B416F7}" type="datetimeFigureOut">
               <a:rPr lang="en-GB" smtClean="0"/>
               <a:t>12/02/2025</a:t>
             </a:fld>
@@ -3958,7 +5403,7 @@
           <a:bodyPr/>
           <a:lstStyle/>
           <a:p>
-            <a:fld id="{2FA82579-086B-42C5-A211-27F08592B2BA}" type="slidenum">
+            <a:fld id="{CA95F3DD-E009-476A-A393-164C21EAFD0D}" type="slidenum">
               <a:rPr lang="en-GB" smtClean="0"/>
               <a:t>‹#›</a:t>
             </a:fld>
@@ -3969,7 +5414,7 @@
     </p:spTree>
     <p:extLst>
       <p:ext uri="{BB962C8B-B14F-4D97-AF65-F5344CB8AC3E}">
-        <p14:creationId xmlns:p14="http://schemas.microsoft.com/office/powerpoint/2010/main" val="4173030007"/>
+        <p14:creationId xmlns:p14="http://schemas.microsoft.com/office/powerpoint/2010/main" val="56531938"/>
       </p:ext>
     </p:extLst>
   </p:cSld>
@@ -3996,6 +5441,145 @@
           <a:chExt cx="0" cy="0"/>
         </a:xfrm>
       </p:grpSpPr>
+      <p:pic>
+        <p:nvPicPr>
+          <p:cNvPr id="10" name="Picture 9" descr="HD-ShadowLong.png"/>
+          <p:cNvPicPr>
+            <a:picLocks noChangeAspect="1"/>
+          </p:cNvPicPr>
+          <p:nvPr/>
+        </p:nvPicPr>
+        <p:blipFill>
+          <a:blip r:embed="rId2">
+            <a:extLst>
+              <a:ext uri="{28A0092B-C50C-407E-A947-70E740481C1C}">
+                <a14:useLocalDpi xmlns:a14="http://schemas.microsoft.com/office/drawing/2010/main" val="0"/>
+              </a:ext>
+            </a:extLst>
+          </a:blip>
+          <a:stretch>
+            <a:fillRect/>
+          </a:stretch>
+        </p:blipFill>
+        <p:spPr>
+          <a:xfrm>
+            <a:off x="1" y="1970240"/>
+            <a:ext cx="10437812" cy="321164"/>
+          </a:xfrm>
+          <a:prstGeom prst="rect">
+            <a:avLst/>
+          </a:prstGeom>
+        </p:spPr>
+      </p:pic>
+      <p:pic>
+        <p:nvPicPr>
+          <p:cNvPr id="11" name="Picture 10" descr="HD-ShadowShort.png"/>
+          <p:cNvPicPr>
+            <a:picLocks noChangeAspect="1"/>
+          </p:cNvPicPr>
+          <p:nvPr/>
+        </p:nvPicPr>
+        <p:blipFill>
+          <a:blip r:embed="rId3">
+            <a:extLst>
+              <a:ext uri="{28A0092B-C50C-407E-A947-70E740481C1C}">
+                <a14:useLocalDpi xmlns:a14="http://schemas.microsoft.com/office/drawing/2010/main" val="0"/>
+              </a:ext>
+            </a:extLst>
+          </a:blip>
+          <a:stretch>
+            <a:fillRect/>
+          </a:stretch>
+        </p:blipFill>
+        <p:spPr>
+          <a:xfrm>
+            <a:off x="10585826" y="1971234"/>
+            <a:ext cx="1602997" cy="144270"/>
+          </a:xfrm>
+          <a:prstGeom prst="rect">
+            <a:avLst/>
+          </a:prstGeom>
+        </p:spPr>
+      </p:pic>
+      <p:sp>
+        <p:nvSpPr>
+          <p:cNvPr id="12" name="Rectangle 11"/>
+          <p:cNvSpPr/>
+          <p:nvPr/>
+        </p:nvSpPr>
+        <p:spPr bwMode="ltGray">
+          <a:xfrm>
+            <a:off x="0" y="609600"/>
+            <a:ext cx="10437812" cy="1368198"/>
+          </a:xfrm>
+          <a:prstGeom prst="rect">
+            <a:avLst/>
+          </a:prstGeom>
+          <a:solidFill>
+            <a:schemeClr val="bg1">
+              <a:lumMod val="85000"/>
+              <a:lumOff val="15000"/>
+            </a:schemeClr>
+          </a:solidFill>
+          <a:ln>
+            <a:noFill/>
+          </a:ln>
+        </p:spPr>
+        <p:style>
+          <a:lnRef idx="2">
+            <a:schemeClr val="accent1">
+              <a:shade val="50000"/>
+            </a:schemeClr>
+          </a:lnRef>
+          <a:fillRef idx="1">
+            <a:schemeClr val="accent1"/>
+          </a:fillRef>
+          <a:effectRef idx="0">
+            <a:schemeClr val="accent1"/>
+          </a:effectRef>
+          <a:fontRef idx="minor">
+            <a:schemeClr val="lt1"/>
+          </a:fontRef>
+        </p:style>
+      </p:sp>
+      <p:sp>
+        <p:nvSpPr>
+          <p:cNvPr id="13" name="Rectangle 12"/>
+          <p:cNvSpPr/>
+          <p:nvPr/>
+        </p:nvSpPr>
+        <p:spPr>
+          <a:xfrm>
+            <a:off x="10585827" y="609600"/>
+            <a:ext cx="1602997" cy="1368198"/>
+          </a:xfrm>
+          <a:prstGeom prst="rect">
+            <a:avLst/>
+          </a:prstGeom>
+          <a:solidFill>
+            <a:schemeClr val="accent1"/>
+          </a:solidFill>
+          <a:ln>
+            <a:noFill/>
+          </a:ln>
+        </p:spPr>
+        <p:style>
+          <a:lnRef idx="2">
+            <a:schemeClr val="accent1">
+              <a:shade val="50000"/>
+            </a:schemeClr>
+          </a:lnRef>
+          <a:fillRef idx="1">
+            <a:schemeClr val="accent1"/>
+          </a:fillRef>
+          <a:effectRef idx="0">
+            <a:schemeClr val="accent1"/>
+          </a:effectRef>
+          <a:fontRef idx="minor">
+            <a:schemeClr val="lt1"/>
+          </a:fontRef>
+        </p:style>
+      </p:sp>
       <p:sp>
         <p:nvSpPr>
           <p:cNvPr id="2" name="Title 1"/>
@@ -4006,14 +5590,15 @@
             <p:ph type="title"/>
           </p:nvPr>
         </p:nvSpPr>
-        <p:spPr/>
+        <p:spPr>
+          <a:xfrm>
+            <a:off x="680319" y="753229"/>
+            <a:ext cx="9613863" cy="1080937"/>
+          </a:xfrm>
+        </p:spPr>
         <p:txBody>
           <a:bodyPr/>
-          <a:lstStyle>
-            <a:lvl1pPr>
-              <a:defRPr/>
-            </a:lvl1pPr>
-          </a:lstStyle>
+          <a:lstStyle/>
           <a:p>
             <a:r>
               <a:rPr lang="en-GB"/>
@@ -4035,25 +5620,16 @@
         </p:nvSpPr>
         <p:spPr>
           <a:xfrm>
-            <a:off x="1103313" y="1905000"/>
-            <a:ext cx="4396338" cy="576262"/>
-          </a:xfrm>
-        </p:spPr>
-        <p:txBody>
-          <a:bodyPr anchor="b">
-            <a:noAutofit/>
-          </a:bodyPr>
+            <a:off x="906350" y="2336873"/>
+            <a:ext cx="4472327" cy="693135"/>
+          </a:xfrm>
+        </p:spPr>
+        <p:txBody>
+          <a:bodyPr anchor="b"/>
           <a:lstStyle>
             <a:lvl1pPr marL="0" indent="0">
               <a:buNone/>
-              <a:defRPr sz="2400" b="0">
-                <a:solidFill>
-                  <a:schemeClr val="bg2">
-                    <a:lumMod val="40000"/>
-                    <a:lumOff val="60000"/>
-                  </a:schemeClr>
-                </a:solidFill>
-              </a:defRPr>
+              <a:defRPr sz="2400" b="1"/>
             </a:lvl1pPr>
             <a:lvl2pPr marL="457200" indent="0">
               <a:buNone/>
@@ -4109,43 +5685,13 @@
         </p:nvSpPr>
         <p:spPr>
           <a:xfrm>
-            <a:off x="1103312" y="2514600"/>
-            <a:ext cx="4396339" cy="3741738"/>
-          </a:xfrm>
-        </p:spPr>
-        <p:txBody>
-          <a:bodyPr>
-            <a:normAutofit/>
-          </a:bodyPr>
-          <a:lstStyle>
-            <a:lvl1pPr>
-              <a:defRPr sz="1800"/>
-            </a:lvl1pPr>
-            <a:lvl2pPr>
-              <a:defRPr sz="1600"/>
-            </a:lvl2pPr>
-            <a:lvl3pPr>
-              <a:defRPr sz="1400"/>
-            </a:lvl3pPr>
-            <a:lvl4pPr>
-              <a:defRPr sz="1200"/>
-            </a:lvl4pPr>
-            <a:lvl5pPr>
-              <a:defRPr sz="1200"/>
-            </a:lvl5pPr>
-            <a:lvl6pPr>
-              <a:defRPr sz="1200"/>
-            </a:lvl6pPr>
-            <a:lvl7pPr>
-              <a:defRPr sz="1200"/>
-            </a:lvl7pPr>
-            <a:lvl8pPr>
-              <a:defRPr sz="1200"/>
-            </a:lvl8pPr>
-            <a:lvl9pPr>
-              <a:defRPr sz="1200"/>
-            </a:lvl9pPr>
-          </a:lstStyle>
+            <a:off x="680322" y="3030008"/>
+            <a:ext cx="4698355" cy="2906179"/>
+          </a:xfrm>
+        </p:spPr>
+        <p:txBody>
+          <a:bodyPr/>
+          <a:lstStyle/>
           <a:p>
             <a:pPr lvl="0"/>
             <a:r>
@@ -4196,25 +5742,16 @@
         </p:nvSpPr>
         <p:spPr>
           <a:xfrm>
-            <a:off x="5654495" y="1905000"/>
-            <a:ext cx="4396339" cy="576262"/>
-          </a:xfrm>
-        </p:spPr>
-        <p:txBody>
-          <a:bodyPr anchor="b">
-            <a:noAutofit/>
-          </a:bodyPr>
+            <a:off x="5820154" y="2336873"/>
+            <a:ext cx="4474028" cy="692076"/>
+          </a:xfrm>
+        </p:spPr>
+        <p:txBody>
+          <a:bodyPr anchor="b"/>
           <a:lstStyle>
             <a:lvl1pPr marL="0" indent="0">
               <a:buNone/>
-              <a:defRPr sz="2400" b="0">
-                <a:solidFill>
-                  <a:schemeClr val="bg2">
-                    <a:lumMod val="40000"/>
-                    <a:lumOff val="60000"/>
-                  </a:schemeClr>
-                </a:solidFill>
-              </a:defRPr>
+              <a:defRPr sz="2400" b="1"/>
             </a:lvl1pPr>
             <a:lvl2pPr marL="457200" indent="0">
               <a:buNone/>
@@ -4270,97 +5807,67 @@
         </p:nvSpPr>
         <p:spPr>
           <a:xfrm>
-            <a:off x="5654495" y="2514600"/>
-            <a:ext cx="4396339" cy="3741738"/>
-          </a:xfrm>
-        </p:spPr>
-        <p:txBody>
-          <a:bodyPr>
-            <a:normAutofit/>
-          </a:bodyPr>
-          <a:lstStyle>
-            <a:lvl1pPr>
-              <a:defRPr sz="1800"/>
-            </a:lvl1pPr>
-            <a:lvl2pPr>
-              <a:defRPr sz="1600"/>
-            </a:lvl2pPr>
-            <a:lvl3pPr>
-              <a:defRPr sz="1400"/>
-            </a:lvl3pPr>
-            <a:lvl4pPr>
-              <a:defRPr sz="1200"/>
-            </a:lvl4pPr>
-            <a:lvl5pPr>
-              <a:defRPr sz="1200"/>
-            </a:lvl5pPr>
-            <a:lvl6pPr>
-              <a:defRPr sz="1200"/>
-            </a:lvl6pPr>
-            <a:lvl7pPr>
-              <a:defRPr sz="1200"/>
-            </a:lvl7pPr>
-            <a:lvl8pPr>
-              <a:defRPr sz="1200"/>
-            </a:lvl8pPr>
-            <a:lvl9pPr>
-              <a:defRPr sz="1200"/>
-            </a:lvl9pPr>
-          </a:lstStyle>
-          <a:p>
-            <a:pPr lvl="0"/>
-            <a:r>
-              <a:rPr lang="en-GB"/>
-              <a:t>Click to edit Master text styles</a:t>
-            </a:r>
-          </a:p>
-          <a:p>
-            <a:pPr lvl="1"/>
-            <a:r>
-              <a:rPr lang="en-GB"/>
-              <a:t>Second level</a:t>
-            </a:r>
-          </a:p>
-          <a:p>
-            <a:pPr lvl="2"/>
-            <a:r>
-              <a:rPr lang="en-GB"/>
-              <a:t>Third level</a:t>
-            </a:r>
-          </a:p>
-          <a:p>
-            <a:pPr lvl="3"/>
-            <a:r>
-              <a:rPr lang="en-GB"/>
-              <a:t>Fourth level</a:t>
-            </a:r>
-          </a:p>
-          <a:p>
-            <a:pPr lvl="4"/>
-            <a:r>
-              <a:rPr lang="en-GB"/>
-              <a:t>Fifth level</a:t>
-            </a:r>
-            <a:endParaRPr lang="en-US" dirty="0"/>
-          </a:p>
-        </p:txBody>
-      </p:sp>
-      <p:sp>
-        <p:nvSpPr>
-          <p:cNvPr id="7" name="Date Placeholder 6"/>
-          <p:cNvSpPr>
-            <a:spLocks noGrp="1"/>
-          </p:cNvSpPr>
-          <p:nvPr>
-            <p:ph type="dt" sz="half" idx="10"/>
-          </p:nvPr>
-        </p:nvSpPr>
-        <p:spPr/>
+            <a:off x="5594123" y="3030008"/>
+            <a:ext cx="4700059" cy="2906179"/>
+          </a:xfrm>
+        </p:spPr>
         <p:txBody>
           <a:bodyPr/>
           <a:lstStyle/>
           <a:p>
-            <a:fld id="{1415355B-2634-4E66-91F0-41971C44CBA6}" type="datetimeFigureOut">
+            <a:pPr lvl="0"/>
+            <a:r>
+              <a:rPr lang="en-GB"/>
+              <a:t>Click to edit Master text styles</a:t>
+            </a:r>
+          </a:p>
+          <a:p>
+            <a:pPr lvl="1"/>
+            <a:r>
+              <a:rPr lang="en-GB"/>
+              <a:t>Second level</a:t>
+            </a:r>
+          </a:p>
+          <a:p>
+            <a:pPr lvl="2"/>
+            <a:r>
+              <a:rPr lang="en-GB"/>
+              <a:t>Third level</a:t>
+            </a:r>
+          </a:p>
+          <a:p>
+            <a:pPr lvl="3"/>
+            <a:r>
+              <a:rPr lang="en-GB"/>
+              <a:t>Fourth level</a:t>
+            </a:r>
+          </a:p>
+          <a:p>
+            <a:pPr lvl="4"/>
+            <a:r>
+              <a:rPr lang="en-GB"/>
+              <a:t>Fifth level</a:t>
+            </a:r>
+            <a:endParaRPr lang="en-US" dirty="0"/>
+          </a:p>
+        </p:txBody>
+      </p:sp>
+      <p:sp>
+        <p:nvSpPr>
+          <p:cNvPr id="7" name="Date Placeholder 6"/>
+          <p:cNvSpPr>
+            <a:spLocks noGrp="1"/>
+          </p:cNvSpPr>
+          <p:nvPr>
+            <p:ph type="dt" sz="half" idx="10"/>
+          </p:nvPr>
+        </p:nvSpPr>
+        <p:spPr/>
+        <p:txBody>
+          <a:bodyPr/>
+          <a:lstStyle/>
+          <a:p>
+            <a:fld id="{99A83B17-14C1-41F4-867A-23A379B416F7}" type="datetimeFigureOut">
               <a:rPr lang="en-GB" smtClean="0"/>
               <a:t>12/02/2025</a:t>
             </a:fld>
@@ -4402,7 +5909,7 @@
           <a:bodyPr/>
           <a:lstStyle/>
           <a:p>
-            <a:fld id="{2FA82579-086B-42C5-A211-27F08592B2BA}" type="slidenum">
+            <a:fld id="{CA95F3DD-E009-476A-A393-164C21EAFD0D}" type="slidenum">
               <a:rPr lang="en-GB" smtClean="0"/>
               <a:t>‹#›</a:t>
             </a:fld>
@@ -4413,7 +5920,7 @@
     </p:spTree>
     <p:extLst>
       <p:ext uri="{BB962C8B-B14F-4D97-AF65-F5344CB8AC3E}">
-        <p14:creationId xmlns:p14="http://schemas.microsoft.com/office/powerpoint/2010/main" val="341382863"/>
+        <p14:creationId xmlns:p14="http://schemas.microsoft.com/office/powerpoint/2010/main" val="3905651471"/>
       </p:ext>
     </p:extLst>
   </p:cSld>
@@ -4440,6 +5947,145 @@
           <a:chExt cx="0" cy="0"/>
         </a:xfrm>
       </p:grpSpPr>
+      <p:pic>
+        <p:nvPicPr>
+          <p:cNvPr id="6" name="Picture 5" descr="HD-ShadowLong.png"/>
+          <p:cNvPicPr>
+            <a:picLocks noChangeAspect="1"/>
+          </p:cNvPicPr>
+          <p:nvPr/>
+        </p:nvPicPr>
+        <p:blipFill>
+          <a:blip r:embed="rId2">
+            <a:extLst>
+              <a:ext uri="{28A0092B-C50C-407E-A947-70E740481C1C}">
+                <a14:useLocalDpi xmlns:a14="http://schemas.microsoft.com/office/drawing/2010/main" val="0"/>
+              </a:ext>
+            </a:extLst>
+          </a:blip>
+          <a:stretch>
+            <a:fillRect/>
+          </a:stretch>
+        </p:blipFill>
+        <p:spPr>
+          <a:xfrm>
+            <a:off x="1" y="1970240"/>
+            <a:ext cx="10437812" cy="321164"/>
+          </a:xfrm>
+          <a:prstGeom prst="rect">
+            <a:avLst/>
+          </a:prstGeom>
+        </p:spPr>
+      </p:pic>
+      <p:pic>
+        <p:nvPicPr>
+          <p:cNvPr id="7" name="Picture 6" descr="HD-ShadowShort.png"/>
+          <p:cNvPicPr>
+            <a:picLocks noChangeAspect="1"/>
+          </p:cNvPicPr>
+          <p:nvPr/>
+        </p:nvPicPr>
+        <p:blipFill>
+          <a:blip r:embed="rId3">
+            <a:extLst>
+              <a:ext uri="{28A0092B-C50C-407E-A947-70E740481C1C}">
+                <a14:useLocalDpi xmlns:a14="http://schemas.microsoft.com/office/drawing/2010/main" val="0"/>
+              </a:ext>
+            </a:extLst>
+          </a:blip>
+          <a:stretch>
+            <a:fillRect/>
+          </a:stretch>
+        </p:blipFill>
+        <p:spPr>
+          <a:xfrm>
+            <a:off x="10585826" y="1971234"/>
+            <a:ext cx="1602997" cy="144270"/>
+          </a:xfrm>
+          <a:prstGeom prst="rect">
+            <a:avLst/>
+          </a:prstGeom>
+        </p:spPr>
+      </p:pic>
+      <p:sp>
+        <p:nvSpPr>
+          <p:cNvPr id="8" name="Rectangle 7"/>
+          <p:cNvSpPr/>
+          <p:nvPr/>
+        </p:nvSpPr>
+        <p:spPr bwMode="ltGray">
+          <a:xfrm>
+            <a:off x="0" y="609600"/>
+            <a:ext cx="10437812" cy="1368198"/>
+          </a:xfrm>
+          <a:prstGeom prst="rect">
+            <a:avLst/>
+          </a:prstGeom>
+          <a:solidFill>
+            <a:schemeClr val="bg1">
+              <a:lumMod val="85000"/>
+              <a:lumOff val="15000"/>
+            </a:schemeClr>
+          </a:solidFill>
+          <a:ln>
+            <a:noFill/>
+          </a:ln>
+        </p:spPr>
+        <p:style>
+          <a:lnRef idx="2">
+            <a:schemeClr val="accent1">
+              <a:shade val="50000"/>
+            </a:schemeClr>
+          </a:lnRef>
+          <a:fillRef idx="1">
+            <a:schemeClr val="accent1"/>
+          </a:fillRef>
+          <a:effectRef idx="0">
+            <a:schemeClr val="accent1"/>
+          </a:effectRef>
+          <a:fontRef idx="minor">
+            <a:schemeClr val="lt1"/>
+          </a:fontRef>
+        </p:style>
+      </p:sp>
+      <p:sp>
+        <p:nvSpPr>
+          <p:cNvPr id="9" name="Rectangle 8"/>
+          <p:cNvSpPr/>
+          <p:nvPr/>
+        </p:nvSpPr>
+        <p:spPr>
+          <a:xfrm>
+            <a:off x="10585827" y="609600"/>
+            <a:ext cx="1602997" cy="1368198"/>
+          </a:xfrm>
+          <a:prstGeom prst="rect">
+            <a:avLst/>
+          </a:prstGeom>
+          <a:solidFill>
+            <a:schemeClr val="accent1"/>
+          </a:solidFill>
+          <a:ln>
+            <a:noFill/>
+          </a:ln>
+        </p:spPr>
+        <p:style>
+          <a:lnRef idx="2">
+            <a:schemeClr val="accent1">
+              <a:shade val="50000"/>
+            </a:schemeClr>
+          </a:lnRef>
+          <a:fillRef idx="1">
+            <a:schemeClr val="accent1"/>
+          </a:fillRef>
+          <a:effectRef idx="0">
+            <a:schemeClr val="accent1"/>
+          </a:effectRef>
+          <a:fontRef idx="minor">
+            <a:schemeClr val="lt1"/>
+          </a:fontRef>
+        </p:style>
+      </p:sp>
       <p:sp>
         <p:nvSpPr>
           <p:cNvPr id="2" name="Title 1"/>
@@ -4465,7 +6111,7 @@
       </p:sp>
       <p:sp>
         <p:nvSpPr>
-          <p:cNvPr id="7" name="Date Placeholder 2"/>
+          <p:cNvPr id="3" name="Date Placeholder 2"/>
           <p:cNvSpPr>
             <a:spLocks noGrp="1"/>
           </p:cNvSpPr>
@@ -4478,7 +6124,7 @@
           <a:bodyPr/>
           <a:lstStyle/>
           <a:p>
-            <a:fld id="{1415355B-2634-4E66-91F0-41971C44CBA6}" type="datetimeFigureOut">
+            <a:fld id="{99A83B17-14C1-41F4-867A-23A379B416F7}" type="datetimeFigureOut">
               <a:rPr lang="en-GB" smtClean="0"/>
               <a:t>12/02/2025</a:t>
             </a:fld>
@@ -4488,7 +6134,7 @@
       </p:sp>
       <p:sp>
         <p:nvSpPr>
-          <p:cNvPr id="5" name="Footer Placeholder 3"/>
+          <p:cNvPr id="4" name="Footer Placeholder 3"/>
           <p:cNvSpPr>
             <a:spLocks noGrp="1"/>
           </p:cNvSpPr>
@@ -4507,7 +6153,7 @@
       </p:sp>
       <p:sp>
         <p:nvSpPr>
-          <p:cNvPr id="6" name="Slide Number Placeholder 4"/>
+          <p:cNvPr id="5" name="Slide Number Placeholder 4"/>
           <p:cNvSpPr>
             <a:spLocks noGrp="1"/>
           </p:cNvSpPr>
@@ -4520,7 +6166,7 @@
           <a:bodyPr/>
           <a:lstStyle/>
           <a:p>
-            <a:fld id="{2FA82579-086B-42C5-A211-27F08592B2BA}" type="slidenum">
+            <a:fld id="{CA95F3DD-E009-476A-A393-164C21EAFD0D}" type="slidenum">
               <a:rPr lang="en-GB" smtClean="0"/>
               <a:t>‹#›</a:t>
             </a:fld>
@@ -4531,7 +6177,7 @@
     </p:spTree>
     <p:extLst>
       <p:ext uri="{BB962C8B-B14F-4D97-AF65-F5344CB8AC3E}">
-        <p14:creationId xmlns:p14="http://schemas.microsoft.com/office/powerpoint/2010/main" val="3264626232"/>
+        <p14:creationId xmlns:p14="http://schemas.microsoft.com/office/powerpoint/2010/main" val="2271150840"/>
       </p:ext>
     </p:extLst>
   </p:cSld>
@@ -4558,9 +6204,77 @@
           <a:chExt cx="0" cy="0"/>
         </a:xfrm>
       </p:grpSpPr>
-      <p:sp>
-        <p:nvSpPr>
-          <p:cNvPr id="7" name="Date Placeholder 1"/>
+      <p:pic>
+        <p:nvPicPr>
+          <p:cNvPr id="5" name="Picture 4" descr="HD-ShadowShort.png"/>
+          <p:cNvPicPr>
+            <a:picLocks noChangeAspect="1"/>
+          </p:cNvPicPr>
+          <p:nvPr/>
+        </p:nvPicPr>
+        <p:blipFill>
+          <a:blip r:embed="rId2">
+            <a:extLst>
+              <a:ext uri="{28A0092B-C50C-407E-A947-70E740481C1C}">
+                <a14:useLocalDpi xmlns:a14="http://schemas.microsoft.com/office/drawing/2010/main" val="0"/>
+              </a:ext>
+            </a:extLst>
+          </a:blip>
+          <a:stretch>
+            <a:fillRect/>
+          </a:stretch>
+        </p:blipFill>
+        <p:spPr>
+          <a:xfrm>
+            <a:off x="10585826" y="1971234"/>
+            <a:ext cx="1602997" cy="144270"/>
+          </a:xfrm>
+          <a:prstGeom prst="rect">
+            <a:avLst/>
+          </a:prstGeom>
+        </p:spPr>
+      </p:pic>
+      <p:sp>
+        <p:nvSpPr>
+          <p:cNvPr id="6" name="Rectangle 5"/>
+          <p:cNvSpPr/>
+          <p:nvPr/>
+        </p:nvSpPr>
+        <p:spPr>
+          <a:xfrm>
+            <a:off x="10585827" y="609600"/>
+            <a:ext cx="1602997" cy="1368198"/>
+          </a:xfrm>
+          <a:prstGeom prst="rect">
+            <a:avLst/>
+          </a:prstGeom>
+          <a:solidFill>
+            <a:schemeClr val="accent1"/>
+          </a:solidFill>
+          <a:ln>
+            <a:noFill/>
+          </a:ln>
+        </p:spPr>
+        <p:style>
+          <a:lnRef idx="2">
+            <a:schemeClr val="accent1">
+              <a:shade val="50000"/>
+            </a:schemeClr>
+          </a:lnRef>
+          <a:fillRef idx="1">
+            <a:schemeClr val="accent1"/>
+          </a:fillRef>
+          <a:effectRef idx="0">
+            <a:schemeClr val="accent1"/>
+          </a:effectRef>
+          <a:fontRef idx="minor">
+            <a:schemeClr val="lt1"/>
+          </a:fontRef>
+        </p:style>
+      </p:sp>
+      <p:sp>
+        <p:nvSpPr>
+          <p:cNvPr id="2" name="Date Placeholder 1"/>
           <p:cNvSpPr>
             <a:spLocks noGrp="1"/>
           </p:cNvSpPr>
@@ -4573,7 +6287,7 @@
           <a:bodyPr/>
           <a:lstStyle/>
           <a:p>
-            <a:fld id="{1415355B-2634-4E66-91F0-41971C44CBA6}" type="datetimeFigureOut">
+            <a:fld id="{99A83B17-14C1-41F4-867A-23A379B416F7}" type="datetimeFigureOut">
               <a:rPr lang="en-GB" smtClean="0"/>
               <a:t>12/02/2025</a:t>
             </a:fld>
@@ -4583,7 +6297,7 @@
       </p:sp>
       <p:sp>
         <p:nvSpPr>
-          <p:cNvPr id="5" name="Footer Placeholder 2"/>
+          <p:cNvPr id="3" name="Footer Placeholder 2"/>
           <p:cNvSpPr>
             <a:spLocks noGrp="1"/>
           </p:cNvSpPr>
@@ -4602,7 +6316,7 @@
       </p:sp>
       <p:sp>
         <p:nvSpPr>
-          <p:cNvPr id="6" name="Slide Number Placeholder 3"/>
+          <p:cNvPr id="4" name="Slide Number Placeholder 3"/>
           <p:cNvSpPr>
             <a:spLocks noGrp="1"/>
           </p:cNvSpPr>
@@ -4615,7 +6329,7 @@
           <a:bodyPr/>
           <a:lstStyle/>
           <a:p>
-            <a:fld id="{2FA82579-086B-42C5-A211-27F08592B2BA}" type="slidenum">
+            <a:fld id="{CA95F3DD-E009-476A-A393-164C21EAFD0D}" type="slidenum">
               <a:rPr lang="en-GB" smtClean="0"/>
               <a:t>‹#›</a:t>
             </a:fld>
@@ -4626,7 +6340,7 @@
     </p:spTree>
     <p:extLst>
       <p:ext uri="{BB962C8B-B14F-4D97-AF65-F5344CB8AC3E}">
-        <p14:creationId xmlns:p14="http://schemas.microsoft.com/office/powerpoint/2010/main" val="298866405"/>
+        <p14:creationId xmlns:p14="http://schemas.microsoft.com/office/powerpoint/2010/main" val="2601128970"/>
       </p:ext>
     </p:extLst>
   </p:cSld>
@@ -4653,6 +6367,145 @@
           <a:chExt cx="0" cy="0"/>
         </a:xfrm>
       </p:grpSpPr>
+      <p:pic>
+        <p:nvPicPr>
+          <p:cNvPr id="8" name="Picture 7" descr="HD-ShadowLong.png"/>
+          <p:cNvPicPr>
+            <a:picLocks noChangeAspect="1"/>
+          </p:cNvPicPr>
+          <p:nvPr/>
+        </p:nvPicPr>
+        <p:blipFill>
+          <a:blip r:embed="rId2">
+            <a:extLst>
+              <a:ext uri="{28A0092B-C50C-407E-A947-70E740481C1C}">
+                <a14:useLocalDpi xmlns:a14="http://schemas.microsoft.com/office/drawing/2010/main" val="0"/>
+              </a:ext>
+            </a:extLst>
+          </a:blip>
+          <a:stretch>
+            <a:fillRect/>
+          </a:stretch>
+        </p:blipFill>
+        <p:spPr>
+          <a:xfrm>
+            <a:off x="1" y="1970240"/>
+            <a:ext cx="10437812" cy="321164"/>
+          </a:xfrm>
+          <a:prstGeom prst="rect">
+            <a:avLst/>
+          </a:prstGeom>
+        </p:spPr>
+      </p:pic>
+      <p:pic>
+        <p:nvPicPr>
+          <p:cNvPr id="9" name="Picture 8" descr="HD-ShadowShort.png"/>
+          <p:cNvPicPr>
+            <a:picLocks noChangeAspect="1"/>
+          </p:cNvPicPr>
+          <p:nvPr/>
+        </p:nvPicPr>
+        <p:blipFill>
+          <a:blip r:embed="rId3">
+            <a:extLst>
+              <a:ext uri="{28A0092B-C50C-407E-A947-70E740481C1C}">
+                <a14:useLocalDpi xmlns:a14="http://schemas.microsoft.com/office/drawing/2010/main" val="0"/>
+              </a:ext>
+            </a:extLst>
+          </a:blip>
+          <a:stretch>
+            <a:fillRect/>
+          </a:stretch>
+        </p:blipFill>
+        <p:spPr>
+          <a:xfrm>
+            <a:off x="10585826" y="1971234"/>
+            <a:ext cx="1602997" cy="144270"/>
+          </a:xfrm>
+          <a:prstGeom prst="rect">
+            <a:avLst/>
+          </a:prstGeom>
+        </p:spPr>
+      </p:pic>
+      <p:sp>
+        <p:nvSpPr>
+          <p:cNvPr id="10" name="Rectangle 9"/>
+          <p:cNvSpPr/>
+          <p:nvPr/>
+        </p:nvSpPr>
+        <p:spPr bwMode="ltGray">
+          <a:xfrm>
+            <a:off x="0" y="609600"/>
+            <a:ext cx="10437812" cy="1368198"/>
+          </a:xfrm>
+          <a:prstGeom prst="rect">
+            <a:avLst/>
+          </a:prstGeom>
+          <a:solidFill>
+            <a:schemeClr val="bg1">
+              <a:lumMod val="85000"/>
+              <a:lumOff val="15000"/>
+            </a:schemeClr>
+          </a:solidFill>
+          <a:ln>
+            <a:noFill/>
+          </a:ln>
+        </p:spPr>
+        <p:style>
+          <a:lnRef idx="2">
+            <a:schemeClr val="accent1">
+              <a:shade val="50000"/>
+            </a:schemeClr>
+          </a:lnRef>
+          <a:fillRef idx="1">
+            <a:schemeClr val="accent1"/>
+          </a:fillRef>
+          <a:effectRef idx="0">
+            <a:schemeClr val="accent1"/>
+          </a:effectRef>
+          <a:fontRef idx="minor">
+            <a:schemeClr val="lt1"/>
+          </a:fontRef>
+        </p:style>
+      </p:sp>
+      <p:sp>
+        <p:nvSpPr>
+          <p:cNvPr id="11" name="Rectangle 10"/>
+          <p:cNvSpPr/>
+          <p:nvPr/>
+        </p:nvSpPr>
+        <p:spPr>
+          <a:xfrm>
+            <a:off x="10585827" y="609600"/>
+            <a:ext cx="1602997" cy="1368198"/>
+          </a:xfrm>
+          <a:prstGeom prst="rect">
+            <a:avLst/>
+          </a:prstGeom>
+          <a:solidFill>
+            <a:schemeClr val="accent1"/>
+          </a:solidFill>
+          <a:ln>
+            <a:noFill/>
+          </a:ln>
+        </p:spPr>
+        <p:style>
+          <a:lnRef idx="2">
+            <a:schemeClr val="accent1">
+              <a:shade val="50000"/>
+            </a:schemeClr>
+          </a:lnRef>
+          <a:fillRef idx="1">
+            <a:schemeClr val="accent1"/>
+          </a:fillRef>
+          <a:effectRef idx="0">
+            <a:schemeClr val="accent1"/>
+          </a:effectRef>
+          <a:fontRef idx="minor">
+            <a:schemeClr val="lt1"/>
+          </a:fontRef>
+        </p:style>
+      </p:sp>
       <p:sp>
         <p:nvSpPr>
           <p:cNvPr id="2" name="Title 1"/>
@@ -4665,40 +6518,8 @@
         </p:nvSpPr>
         <p:spPr>
           <a:xfrm>
-            <a:off x="1154953" y="1447800"/>
-            <a:ext cx="3401064" cy="1447800"/>
-          </a:xfrm>
-        </p:spPr>
-        <p:txBody>
-          <a:bodyPr anchor="b"/>
-          <a:lstStyle>
-            <a:lvl1pPr algn="l">
-              <a:defRPr sz="2400" b="0"/>
-            </a:lvl1pPr>
-          </a:lstStyle>
-          <a:p>
-            <a:r>
-              <a:rPr lang="en-GB"/>
-              <a:t>Click to edit Master title style</a:t>
-            </a:r>
-            <a:endParaRPr lang="en-US" dirty="0"/>
-          </a:p>
-        </p:txBody>
-      </p:sp>
-      <p:sp>
-        <p:nvSpPr>
-          <p:cNvPr id="3" name="Content Placeholder 2"/>
-          <p:cNvSpPr>
-            <a:spLocks noGrp="1"/>
-          </p:cNvSpPr>
-          <p:nvPr>
-            <p:ph idx="1"/>
-          </p:nvPr>
-        </p:nvSpPr>
-        <p:spPr>
-          <a:xfrm>
-            <a:off x="4784616" y="1447800"/>
-            <a:ext cx="5195997" cy="4572000"/>
+            <a:off x="680321" y="753227"/>
+            <a:ext cx="9613859" cy="1080940"/>
           </a:xfrm>
         </p:spPr>
         <p:txBody>
@@ -4707,31 +6528,129 @@
           </a:bodyPr>
           <a:lstStyle>
             <a:lvl1pPr>
-              <a:defRPr sz="2000"/>
+              <a:defRPr sz="3600"/>
             </a:lvl1pPr>
-            <a:lvl2pPr>
-              <a:defRPr sz="1800"/>
+          </a:lstStyle>
+          <a:p>
+            <a:r>
+              <a:rPr lang="en-GB"/>
+              <a:t>Click to edit Master title style</a:t>
+            </a:r>
+            <a:endParaRPr lang="en-US" dirty="0"/>
+          </a:p>
+        </p:txBody>
+      </p:sp>
+      <p:sp>
+        <p:nvSpPr>
+          <p:cNvPr id="3" name="Content Placeholder 2"/>
+          <p:cNvSpPr>
+            <a:spLocks noGrp="1"/>
+          </p:cNvSpPr>
+          <p:nvPr>
+            <p:ph idx="1"/>
+          </p:nvPr>
+        </p:nvSpPr>
+        <p:spPr>
+          <a:xfrm>
+            <a:off x="4685846" y="2336873"/>
+            <a:ext cx="5608336" cy="3599313"/>
+          </a:xfrm>
+        </p:spPr>
+        <p:txBody>
+          <a:bodyPr/>
+          <a:lstStyle/>
+          <a:p>
+            <a:pPr lvl="0"/>
+            <a:r>
+              <a:rPr lang="en-GB"/>
+              <a:t>Click to edit Master text styles</a:t>
+            </a:r>
+          </a:p>
+          <a:p>
+            <a:pPr lvl="1"/>
+            <a:r>
+              <a:rPr lang="en-GB"/>
+              <a:t>Second level</a:t>
+            </a:r>
+          </a:p>
+          <a:p>
+            <a:pPr lvl="2"/>
+            <a:r>
+              <a:rPr lang="en-GB"/>
+              <a:t>Third level</a:t>
+            </a:r>
+          </a:p>
+          <a:p>
+            <a:pPr lvl="3"/>
+            <a:r>
+              <a:rPr lang="en-GB"/>
+              <a:t>Fourth level</a:t>
+            </a:r>
+          </a:p>
+          <a:p>
+            <a:pPr lvl="4"/>
+            <a:r>
+              <a:rPr lang="en-GB"/>
+              <a:t>Fifth level</a:t>
+            </a:r>
+            <a:endParaRPr lang="en-US" dirty="0"/>
+          </a:p>
+        </p:txBody>
+      </p:sp>
+      <p:sp>
+        <p:nvSpPr>
+          <p:cNvPr id="4" name="Text Placeholder 3"/>
+          <p:cNvSpPr>
+            <a:spLocks noGrp="1"/>
+          </p:cNvSpPr>
+          <p:nvPr>
+            <p:ph type="body" sz="half" idx="2"/>
+          </p:nvPr>
+        </p:nvSpPr>
+        <p:spPr>
+          <a:xfrm>
+            <a:off x="680322" y="2336872"/>
+            <a:ext cx="3790078" cy="3599317"/>
+          </a:xfrm>
+        </p:spPr>
+        <p:txBody>
+          <a:bodyPr anchor="ctr"/>
+          <a:lstStyle>
+            <a:lvl1pPr marL="0" indent="0">
+              <a:buNone/>
+              <a:defRPr sz="1600"/>
+            </a:lvl1pPr>
+            <a:lvl2pPr marL="457200" indent="0">
+              <a:buNone/>
+              <a:defRPr sz="1400"/>
             </a:lvl2pPr>
-            <a:lvl3pPr>
-              <a:defRPr sz="1600"/>
+            <a:lvl3pPr marL="914400" indent="0">
+              <a:buNone/>
+              <a:defRPr sz="1200"/>
             </a:lvl3pPr>
-            <a:lvl4pPr>
-              <a:defRPr sz="1400"/>
+            <a:lvl4pPr marL="1371600" indent="0">
+              <a:buNone/>
+              <a:defRPr sz="1000"/>
             </a:lvl4pPr>
-            <a:lvl5pPr>
-              <a:defRPr sz="1400"/>
+            <a:lvl5pPr marL="1828800" indent="0">
+              <a:buNone/>
+              <a:defRPr sz="1000"/>
             </a:lvl5pPr>
-            <a:lvl6pPr>
-              <a:defRPr sz="1400"/>
+            <a:lvl6pPr marL="2286000" indent="0">
+              <a:buNone/>
+              <a:defRPr sz="1000"/>
             </a:lvl6pPr>
-            <a:lvl7pPr>
-              <a:defRPr sz="1400"/>
+            <a:lvl7pPr marL="2743200" indent="0">
+              <a:buNone/>
+              <a:defRPr sz="1000"/>
             </a:lvl7pPr>
-            <a:lvl8pPr>
-              <a:defRPr sz="1400"/>
+            <a:lvl8pPr marL="3200400" indent="0">
+              <a:buNone/>
+              <a:defRPr sz="1000"/>
             </a:lvl8pPr>
-            <a:lvl9pPr>
-              <a:defRPr sz="1400"/>
+            <a:lvl9pPr marL="3657600" indent="0">
+              <a:buNone/>
+              <a:defRPr sz="1000"/>
             </a:lvl9pPr>
           </a:lstStyle>
           <a:p>
@@ -4741,105 +6660,11 @@
               <a:t>Click to edit Master text styles</a:t>
             </a:r>
           </a:p>
-          <a:p>
-            <a:pPr lvl="1"/>
-            <a:r>
-              <a:rPr lang="en-GB"/>
-              <a:t>Second level</a:t>
-            </a:r>
-          </a:p>
-          <a:p>
-            <a:pPr lvl="2"/>
-            <a:r>
-              <a:rPr lang="en-GB"/>
-              <a:t>Third level</a:t>
-            </a:r>
-          </a:p>
-          <a:p>
-            <a:pPr lvl="3"/>
-            <a:r>
-              <a:rPr lang="en-GB"/>
-              <a:t>Fourth level</a:t>
-            </a:r>
-          </a:p>
-          <a:p>
-            <a:pPr lvl="4"/>
-            <a:r>
-              <a:rPr lang="en-GB"/>
-              <a:t>Fifth level</a:t>
-            </a:r>
-            <a:endParaRPr lang="en-US" dirty="0"/>
-          </a:p>
-        </p:txBody>
-      </p:sp>
-      <p:sp>
-        <p:nvSpPr>
-          <p:cNvPr id="4" name="Text Placeholder 3"/>
-          <p:cNvSpPr>
-            <a:spLocks noGrp="1"/>
-          </p:cNvSpPr>
-          <p:nvPr>
-            <p:ph type="body" sz="half" idx="2"/>
-          </p:nvPr>
-        </p:nvSpPr>
-        <p:spPr>
-          <a:xfrm>
-            <a:off x="1154953" y="3129280"/>
-            <a:ext cx="3401063" cy="2895599"/>
-          </a:xfrm>
-        </p:spPr>
-        <p:txBody>
-          <a:bodyPr/>
-          <a:lstStyle>
-            <a:lvl1pPr marL="0" indent="0">
-              <a:buNone/>
-              <a:defRPr sz="1400"/>
-            </a:lvl1pPr>
-            <a:lvl2pPr marL="457200" indent="0">
-              <a:buNone/>
-              <a:defRPr sz="1200"/>
-            </a:lvl2pPr>
-            <a:lvl3pPr marL="914400" indent="0">
-              <a:buNone/>
-              <a:defRPr sz="1000"/>
-            </a:lvl3pPr>
-            <a:lvl4pPr marL="1371600" indent="0">
-              <a:buNone/>
-              <a:defRPr sz="900"/>
-            </a:lvl4pPr>
-            <a:lvl5pPr marL="1828800" indent="0">
-              <a:buNone/>
-              <a:defRPr sz="900"/>
-            </a:lvl5pPr>
-            <a:lvl6pPr marL="2286000" indent="0">
-              <a:buNone/>
-              <a:defRPr sz="900"/>
-            </a:lvl6pPr>
-            <a:lvl7pPr marL="2743200" indent="0">
-              <a:buNone/>
-              <a:defRPr sz="900"/>
-            </a:lvl7pPr>
-            <a:lvl8pPr marL="3200400" indent="0">
-              <a:buNone/>
-              <a:defRPr sz="900"/>
-            </a:lvl8pPr>
-            <a:lvl9pPr marL="3657600" indent="0">
-              <a:buNone/>
-              <a:defRPr sz="900"/>
-            </a:lvl9pPr>
-          </a:lstStyle>
-          <a:p>
-            <a:pPr lvl="0"/>
-            <a:r>
-              <a:rPr lang="en-GB"/>
-              <a:t>Click to edit Master text styles</a:t>
-            </a:r>
-          </a:p>
-        </p:txBody>
-      </p:sp>
-      <p:sp>
-        <p:nvSpPr>
-          <p:cNvPr id="7" name="Date Placeholder 4"/>
+        </p:txBody>
+      </p:sp>
+      <p:sp>
+        <p:nvSpPr>
+          <p:cNvPr id="5" name="Date Placeholder 4"/>
           <p:cNvSpPr>
             <a:spLocks noGrp="1"/>
           </p:cNvSpPr>
@@ -4852,7 +6677,7 @@
           <a:bodyPr/>
           <a:lstStyle/>
           <a:p>
-            <a:fld id="{1415355B-2634-4E66-91F0-41971C44CBA6}" type="datetimeFigureOut">
+            <a:fld id="{99A83B17-14C1-41F4-867A-23A379B416F7}" type="datetimeFigureOut">
               <a:rPr lang="en-GB" smtClean="0"/>
               <a:t>12/02/2025</a:t>
             </a:fld>
@@ -4862,7 +6687,7 @@
       </p:sp>
       <p:sp>
         <p:nvSpPr>
-          <p:cNvPr id="5" name="Footer Placeholder 5"/>
+          <p:cNvPr id="6" name="Footer Placeholder 5"/>
           <p:cNvSpPr>
             <a:spLocks noGrp="1"/>
           </p:cNvSpPr>
@@ -4881,7 +6706,7 @@
       </p:sp>
       <p:sp>
         <p:nvSpPr>
-          <p:cNvPr id="6" name="Slide Number Placeholder 6"/>
+          <p:cNvPr id="7" name="Slide Number Placeholder 6"/>
           <p:cNvSpPr>
             <a:spLocks noGrp="1"/>
           </p:cNvSpPr>
@@ -4894,7 +6719,7 @@
           <a:bodyPr/>
           <a:lstStyle/>
           <a:p>
-            <a:fld id="{2FA82579-086B-42C5-A211-27F08592B2BA}" type="slidenum">
+            <a:fld id="{CA95F3DD-E009-476A-A393-164C21EAFD0D}" type="slidenum">
               <a:rPr lang="en-GB" smtClean="0"/>
               <a:t>‹#›</a:t>
             </a:fld>
@@ -4905,7 +6730,7 @@
     </p:spTree>
     <p:extLst>
       <p:ext uri="{BB962C8B-B14F-4D97-AF65-F5344CB8AC3E}">
-        <p14:creationId xmlns:p14="http://schemas.microsoft.com/office/powerpoint/2010/main" val="3392684491"/>
+        <p14:creationId xmlns:p14="http://schemas.microsoft.com/office/powerpoint/2010/main" val="3869208407"/>
       </p:ext>
     </p:extLst>
   </p:cSld>
@@ -4932,6 +6757,145 @@
           <a:chExt cx="0" cy="0"/>
         </a:xfrm>
       </p:grpSpPr>
+      <p:pic>
+        <p:nvPicPr>
+          <p:cNvPr id="8" name="Picture 7" descr="HD-ShadowLong.png"/>
+          <p:cNvPicPr>
+            <a:picLocks noChangeAspect="1"/>
+          </p:cNvPicPr>
+          <p:nvPr/>
+        </p:nvPicPr>
+        <p:blipFill>
+          <a:blip r:embed="rId2">
+            <a:extLst>
+              <a:ext uri="{28A0092B-C50C-407E-A947-70E740481C1C}">
+                <a14:useLocalDpi xmlns:a14="http://schemas.microsoft.com/office/drawing/2010/main" val="0"/>
+              </a:ext>
+            </a:extLst>
+          </a:blip>
+          <a:stretch>
+            <a:fillRect/>
+          </a:stretch>
+        </p:blipFill>
+        <p:spPr>
+          <a:xfrm>
+            <a:off x="1" y="1970240"/>
+            <a:ext cx="10437812" cy="321164"/>
+          </a:xfrm>
+          <a:prstGeom prst="rect">
+            <a:avLst/>
+          </a:prstGeom>
+        </p:spPr>
+      </p:pic>
+      <p:pic>
+        <p:nvPicPr>
+          <p:cNvPr id="9" name="Picture 8" descr="HD-ShadowShort.png"/>
+          <p:cNvPicPr>
+            <a:picLocks noChangeAspect="1"/>
+          </p:cNvPicPr>
+          <p:nvPr/>
+        </p:nvPicPr>
+        <p:blipFill>
+          <a:blip r:embed="rId3">
+            <a:extLst>
+              <a:ext uri="{28A0092B-C50C-407E-A947-70E740481C1C}">
+                <a14:useLocalDpi xmlns:a14="http://schemas.microsoft.com/office/drawing/2010/main" val="0"/>
+              </a:ext>
+            </a:extLst>
+          </a:blip>
+          <a:stretch>
+            <a:fillRect/>
+          </a:stretch>
+        </p:blipFill>
+        <p:spPr>
+          <a:xfrm>
+            <a:off x="10585826" y="1971234"/>
+            <a:ext cx="1602997" cy="144270"/>
+          </a:xfrm>
+          <a:prstGeom prst="rect">
+            <a:avLst/>
+          </a:prstGeom>
+        </p:spPr>
+      </p:pic>
+      <p:sp>
+        <p:nvSpPr>
+          <p:cNvPr id="10" name="Rectangle 9"/>
+          <p:cNvSpPr/>
+          <p:nvPr/>
+        </p:nvSpPr>
+        <p:spPr bwMode="ltGray">
+          <a:xfrm>
+            <a:off x="0" y="609600"/>
+            <a:ext cx="10437812" cy="1368198"/>
+          </a:xfrm>
+          <a:prstGeom prst="rect">
+            <a:avLst/>
+          </a:prstGeom>
+          <a:solidFill>
+            <a:schemeClr val="bg1">
+              <a:lumMod val="85000"/>
+              <a:lumOff val="15000"/>
+            </a:schemeClr>
+          </a:solidFill>
+          <a:ln>
+            <a:noFill/>
+          </a:ln>
+        </p:spPr>
+        <p:style>
+          <a:lnRef idx="2">
+            <a:schemeClr val="accent1">
+              <a:shade val="50000"/>
+            </a:schemeClr>
+          </a:lnRef>
+          <a:fillRef idx="1">
+            <a:schemeClr val="accent1"/>
+          </a:fillRef>
+          <a:effectRef idx="0">
+            <a:schemeClr val="accent1"/>
+          </a:effectRef>
+          <a:fontRef idx="minor">
+            <a:schemeClr val="lt1"/>
+          </a:fontRef>
+        </p:style>
+      </p:sp>
+      <p:sp>
+        <p:nvSpPr>
+          <p:cNvPr id="11" name="Rectangle 10"/>
+          <p:cNvSpPr/>
+          <p:nvPr/>
+        </p:nvSpPr>
+        <p:spPr>
+          <a:xfrm>
+            <a:off x="10585827" y="609600"/>
+            <a:ext cx="1602997" cy="1368198"/>
+          </a:xfrm>
+          <a:prstGeom prst="rect">
+            <a:avLst/>
+          </a:prstGeom>
+          <a:solidFill>
+            <a:schemeClr val="accent1"/>
+          </a:solidFill>
+          <a:ln>
+            <a:noFill/>
+          </a:ln>
+        </p:spPr>
+        <p:style>
+          <a:lnRef idx="2">
+            <a:schemeClr val="accent1">
+              <a:shade val="50000"/>
+            </a:schemeClr>
+          </a:lnRef>
+          <a:fillRef idx="1">
+            <a:schemeClr val="accent1"/>
+          </a:fillRef>
+          <a:effectRef idx="0">
+            <a:schemeClr val="accent1"/>
+          </a:effectRef>
+          <a:fontRef idx="minor">
+            <a:schemeClr val="lt1"/>
+          </a:fontRef>
+        </p:style>
+      </p:sp>
       <p:sp>
         <p:nvSpPr>
           <p:cNvPr id="2" name="Title 1"/>
@@ -4944,17 +6908,17 @@
         </p:nvSpPr>
         <p:spPr>
           <a:xfrm>
-            <a:off x="1153907" y="1854192"/>
-            <a:ext cx="5092906" cy="1574808"/>
-          </a:xfrm>
-        </p:spPr>
-        <p:txBody>
-          <a:bodyPr anchor="b">
+            <a:off x="680323" y="753228"/>
+            <a:ext cx="9613857" cy="1080938"/>
+          </a:xfrm>
+        </p:spPr>
+        <p:txBody>
+          <a:bodyPr anchor="ctr">
             <a:normAutofit/>
           </a:bodyPr>
           <a:lstStyle>
-            <a:lvl1pPr algn="l">
-              <a:defRPr sz="3600" b="0"/>
+            <a:lvl1pPr>
+              <a:defRPr sz="3600"/>
             </a:lvl1pPr>
           </a:lstStyle>
           <a:p>
@@ -4978,132 +6942,127 @@
         </p:nvSpPr>
         <p:spPr>
           <a:xfrm>
-            <a:off x="6949546" y="1143000"/>
-            <a:ext cx="3200400" cy="4572000"/>
-          </a:xfrm>
-          <a:prstGeom prst="roundRect">
-            <a:avLst>
-              <a:gd name="adj" fmla="val 1858"/>
-            </a:avLst>
-          </a:prstGeom>
+            <a:off x="4868333" y="2336874"/>
+            <a:ext cx="5425849" cy="3599312"/>
+          </a:xfrm>
+          <a:noFill/>
+          <a:ln>
+            <a:noFill/>
+          </a:ln>
           <a:effectLst>
-            <a:outerShdw blurRad="50800" dist="50800" dir="5400000" algn="tl" rotWithShape="0">
+            <a:outerShdw blurRad="76200" dist="63500" dir="5040000" algn="tl" rotWithShape="0">
               <a:srgbClr val="000000">
-                <a:alpha val="43000"/>
+                <a:alpha val="41000"/>
               </a:srgbClr>
             </a:outerShdw>
           </a:effectLst>
         </p:spPr>
         <p:txBody>
-          <a:bodyPr anchor="t">
-            <a:normAutofit/>
-          </a:bodyPr>
+          <a:bodyPr anchor="t"/>
           <a:lstStyle>
-            <a:lvl1pPr marL="0" indent="0" algn="ctr">
+            <a:lvl1pPr marL="0" indent="0">
+              <a:buNone/>
+              <a:defRPr sz="3200"/>
+            </a:lvl1pPr>
+            <a:lvl2pPr marL="457200" indent="0">
+              <a:buNone/>
+              <a:defRPr sz="2800"/>
+            </a:lvl2pPr>
+            <a:lvl3pPr marL="914400" indent="0">
+              <a:buNone/>
+              <a:defRPr sz="2400"/>
+            </a:lvl3pPr>
+            <a:lvl4pPr marL="1371600" indent="0">
+              <a:buNone/>
+              <a:defRPr sz="2000"/>
+            </a:lvl4pPr>
+            <a:lvl5pPr marL="1828800" indent="0">
+              <a:buNone/>
+              <a:defRPr sz="2000"/>
+            </a:lvl5pPr>
+            <a:lvl6pPr marL="2286000" indent="0">
+              <a:buNone/>
+              <a:defRPr sz="2000"/>
+            </a:lvl6pPr>
+            <a:lvl7pPr marL="2743200" indent="0">
+              <a:buNone/>
+              <a:defRPr sz="2000"/>
+            </a:lvl7pPr>
+            <a:lvl8pPr marL="3200400" indent="0">
+              <a:buNone/>
+              <a:defRPr sz="2000"/>
+            </a:lvl8pPr>
+            <a:lvl9pPr marL="3657600" indent="0">
+              <a:buNone/>
+              <a:defRPr sz="2000"/>
+            </a:lvl9pPr>
+          </a:lstStyle>
+          <a:p>
+            <a:r>
+              <a:rPr lang="en-GB"/>
+              <a:t>Click icon to add picture</a:t>
+            </a:r>
+            <a:endParaRPr lang="en-US" dirty="0"/>
+          </a:p>
+        </p:txBody>
+      </p:sp>
+      <p:sp>
+        <p:nvSpPr>
+          <p:cNvPr id="4" name="Text Placeholder 3"/>
+          <p:cNvSpPr>
+            <a:spLocks noGrp="1"/>
+          </p:cNvSpPr>
+          <p:nvPr>
+            <p:ph type="body" sz="half" idx="2"/>
+          </p:nvPr>
+        </p:nvSpPr>
+        <p:spPr>
+          <a:xfrm>
+            <a:off x="680323" y="2336873"/>
+            <a:ext cx="3876256" cy="3599315"/>
+          </a:xfrm>
+        </p:spPr>
+        <p:txBody>
+          <a:bodyPr anchor="ctr"/>
+          <a:lstStyle>
+            <a:lvl1pPr marL="0" indent="0">
               <a:buNone/>
               <a:defRPr sz="1600"/>
             </a:lvl1pPr>
             <a:lvl2pPr marL="457200" indent="0">
               <a:buNone/>
-              <a:defRPr sz="1600"/>
+              <a:defRPr sz="1400"/>
             </a:lvl2pPr>
             <a:lvl3pPr marL="914400" indent="0">
               <a:buNone/>
-              <a:defRPr sz="1600"/>
+              <a:defRPr sz="1200"/>
             </a:lvl3pPr>
             <a:lvl4pPr marL="1371600" indent="0">
               <a:buNone/>
-              <a:defRPr sz="1600"/>
+              <a:defRPr sz="1000"/>
             </a:lvl4pPr>
             <a:lvl5pPr marL="1828800" indent="0">
               <a:buNone/>
-              <a:defRPr sz="1600"/>
+              <a:defRPr sz="1000"/>
             </a:lvl5pPr>
             <a:lvl6pPr marL="2286000" indent="0">
               <a:buNone/>
-              <a:defRPr sz="1600"/>
+              <a:defRPr sz="1000"/>
             </a:lvl6pPr>
             <a:lvl7pPr marL="2743200" indent="0">
               <a:buNone/>
-              <a:defRPr sz="1600"/>
+              <a:defRPr sz="1000"/>
             </a:lvl7pPr>
             <a:lvl8pPr marL="3200400" indent="0">
               <a:buNone/>
-              <a:defRPr sz="1600"/>
+              <a:defRPr sz="1000"/>
             </a:lvl8pPr>
             <a:lvl9pPr marL="3657600" indent="0">
               <a:buNone/>
-              <a:defRPr sz="1600"/>
+              <a:defRPr sz="1000"/>
             </a:lvl9pPr>
           </a:lstStyle>
           <a:p>
-            <a:r>
-              <a:rPr lang="en-GB"/>
-              <a:t>Click icon to add picture</a:t>
-            </a:r>
-            <a:endParaRPr lang="en-US" dirty="0"/>
-          </a:p>
-        </p:txBody>
-      </p:sp>
-      <p:sp>
-        <p:nvSpPr>
-          <p:cNvPr id="4" name="Text Placeholder 3"/>
-          <p:cNvSpPr>
-            <a:spLocks noGrp="1"/>
-          </p:cNvSpPr>
-          <p:nvPr>
-            <p:ph type="body" sz="half" idx="2"/>
-          </p:nvPr>
-        </p:nvSpPr>
-        <p:spPr>
-          <a:xfrm>
-            <a:off x="1154954" y="3657600"/>
-            <a:ext cx="5084979" cy="1371600"/>
-          </a:xfrm>
-        </p:spPr>
-        <p:txBody>
-          <a:bodyPr>
-            <a:normAutofit/>
-          </a:bodyPr>
-          <a:lstStyle>
-            <a:lvl1pPr marL="0" indent="0">
-              <a:buNone/>
-              <a:defRPr sz="1400"/>
-            </a:lvl1pPr>
-            <a:lvl2pPr marL="457200" indent="0">
-              <a:buNone/>
-              <a:defRPr sz="1200"/>
-            </a:lvl2pPr>
-            <a:lvl3pPr marL="914400" indent="0">
-              <a:buNone/>
-              <a:defRPr sz="1000"/>
-            </a:lvl3pPr>
-            <a:lvl4pPr marL="1371600" indent="0">
-              <a:buNone/>
-              <a:defRPr sz="900"/>
-            </a:lvl4pPr>
-            <a:lvl5pPr marL="1828800" indent="0">
-              <a:buNone/>
-              <a:defRPr sz="900"/>
-            </a:lvl5pPr>
-            <a:lvl6pPr marL="2286000" indent="0">
-              <a:buNone/>
-              <a:defRPr sz="900"/>
-            </a:lvl6pPr>
-            <a:lvl7pPr marL="2743200" indent="0">
-              <a:buNone/>
-              <a:defRPr sz="900"/>
-            </a:lvl7pPr>
-            <a:lvl8pPr marL="3200400" indent="0">
-              <a:buNone/>
-              <a:defRPr sz="900"/>
-            </a:lvl8pPr>
-            <a:lvl9pPr marL="3657600" indent="0">
-              <a:buNone/>
-              <a:defRPr sz="900"/>
-            </a:lvl9pPr>
-          </a:lstStyle>
-          <a:p>
             <a:pPr lvl="0"/>
             <a:r>
               <a:rPr lang="en-GB"/>
@@ -5127,7 +7086,7 @@
           <a:bodyPr/>
           <a:lstStyle/>
           <a:p>
-            <a:fld id="{1415355B-2634-4E66-91F0-41971C44CBA6}" type="datetimeFigureOut">
+            <a:fld id="{99A83B17-14C1-41F4-867A-23A379B416F7}" type="datetimeFigureOut">
               <a:rPr lang="en-GB" smtClean="0"/>
               <a:t>12/02/2025</a:t>
             </a:fld>
@@ -5169,7 +7128,7 @@
           <a:bodyPr/>
           <a:lstStyle/>
           <a:p>
-            <a:fld id="{2FA82579-086B-42C5-A211-27F08592B2BA}" type="slidenum">
+            <a:fld id="{CA95F3DD-E009-476A-A393-164C21EAFD0D}" type="slidenum">
               <a:rPr lang="en-GB" smtClean="0"/>
               <a:t>‹#›</a:t>
             </a:fld>
@@ -5180,7 +7139,7 @@
     </p:spTree>
     <p:extLst>
       <p:ext uri="{BB962C8B-B14F-4D97-AF65-F5344CB8AC3E}">
-        <p14:creationId xmlns:p14="http://schemas.microsoft.com/office/powerpoint/2010/main" val="1532346955"/>
+        <p14:creationId xmlns:p14="http://schemas.microsoft.com/office/powerpoint/2010/main" val="1269003424"/>
       </p:ext>
     </p:extLst>
   </p:cSld>
@@ -5214,241 +7173,57 @@
       </p:grpSpPr>
       <p:pic>
         <p:nvPicPr>
-          <p:cNvPr id="8" name="Picture 7"/>
+          <p:cNvPr id="7" name="Picture 6" descr="hashOverlay-FullResolve.png"/>
           <p:cNvPicPr>
             <a:picLocks noChangeAspect="1"/>
           </p:cNvPicPr>
           <p:nvPr/>
         </p:nvPicPr>
-        <p:blipFill rotWithShape="1">
+        <p:blipFill>
           <a:blip r:embed="rId19">
+            <a:alphaModFix amt="10000"/>
             <a:extLst>
               <a:ext uri="{28A0092B-C50C-407E-A947-70E740481C1C}">
                 <a14:useLocalDpi xmlns:a14="http://schemas.microsoft.com/office/drawing/2010/main" val="0"/>
               </a:ext>
             </a:extLst>
           </a:blip>
-          <a:srcRect l="3613"/>
-          <a:stretch/>
+          <a:stretch>
+            <a:fillRect/>
+          </a:stretch>
         </p:blipFill>
         <p:spPr>
           <a:xfrm>
-            <a:off x="0" y="2669685"/>
-            <a:ext cx="4037012" cy="4188315"/>
+            <a:off x="0" y="0"/>
+            <a:ext cx="12192000" cy="6858000"/>
           </a:xfrm>
           <a:prstGeom prst="rect">
             <a:avLst/>
           </a:prstGeom>
         </p:spPr>
       </p:pic>
-      <p:pic>
-        <p:nvPicPr>
-          <p:cNvPr id="7" name="Picture 6"/>
-          <p:cNvPicPr>
-            <a:picLocks noChangeAspect="1"/>
-          </p:cNvPicPr>
-          <p:nvPr/>
-        </p:nvPicPr>
-        <p:blipFill rotWithShape="1">
-          <a:blip r:embed="rId20">
-            <a:extLst>
-              <a:ext uri="{28A0092B-C50C-407E-A947-70E740481C1C}">
-                <a14:useLocalDpi xmlns:a14="http://schemas.microsoft.com/office/drawing/2010/main" val="0"/>
-              </a:ext>
-            </a:extLst>
-          </a:blip>
-          <a:srcRect l="35640"/>
-          <a:stretch/>
-        </p:blipFill>
-        <p:spPr>
-          <a:xfrm>
-            <a:off x="0" y="2892347"/>
-            <a:ext cx="1522412" cy="2365453"/>
+      <p:sp>
+        <p:nvSpPr>
+          <p:cNvPr id="2" name="Title Placeholder 1"/>
+          <p:cNvSpPr>
+            <a:spLocks noGrp="1"/>
+          </p:cNvSpPr>
+          <p:nvPr>
+            <p:ph type="title"/>
+          </p:nvPr>
+        </p:nvSpPr>
+        <p:spPr>
+          <a:xfrm>
+            <a:off x="680321" y="753228"/>
+            <a:ext cx="9613861" cy="1080938"/>
           </a:xfrm>
           <a:prstGeom prst="rect">
             <a:avLst/>
           </a:prstGeom>
         </p:spPr>
-      </p:pic>
-      <p:sp>
-        <p:nvSpPr>
-          <p:cNvPr id="16" name="Oval 15"/>
-          <p:cNvSpPr/>
-          <p:nvPr/>
-        </p:nvSpPr>
-        <p:spPr>
-          <a:xfrm>
-            <a:off x="8609012" y="1676400"/>
-            <a:ext cx="2819400" cy="2819400"/>
-          </a:xfrm>
-          <a:prstGeom prst="ellipse">
-            <a:avLst/>
-          </a:prstGeom>
-          <a:gradFill flip="none" rotWithShape="1">
-            <a:gsLst>
-              <a:gs pos="0">
-                <a:schemeClr val="bg2">
-                  <a:lumMod val="60000"/>
-                  <a:lumOff val="40000"/>
-                  <a:alpha val="7000"/>
-                </a:schemeClr>
-              </a:gs>
-              <a:gs pos="69000">
-                <a:schemeClr val="bg2">
-                  <a:lumMod val="60000"/>
-                  <a:lumOff val="40000"/>
-                  <a:alpha val="0"/>
-                </a:schemeClr>
-              </a:gs>
-              <a:gs pos="36000">
-                <a:schemeClr val="bg2">
-                  <a:lumMod val="60000"/>
-                  <a:lumOff val="40000"/>
-                  <a:alpha val="6000"/>
-                </a:schemeClr>
-              </a:gs>
-            </a:gsLst>
-            <a:path path="circle">
-              <a:fillToRect l="50000" t="50000" r="50000" b="50000"/>
-            </a:path>
-            <a:tileRect/>
-          </a:gradFill>
-          <a:ln>
-            <a:noFill/>
-          </a:ln>
-          <a:effectLst/>
-        </p:spPr>
-        <p:style>
-          <a:lnRef idx="1">
-            <a:schemeClr val="accent1"/>
-          </a:lnRef>
-          <a:fillRef idx="3">
-            <a:schemeClr val="accent1"/>
-          </a:fillRef>
-          <a:effectRef idx="2">
-            <a:schemeClr val="accent1"/>
-          </a:effectRef>
-          <a:fontRef idx="minor">
-            <a:schemeClr val="lt1"/>
-          </a:fontRef>
-        </p:style>
-      </p:sp>
-      <p:pic>
-        <p:nvPicPr>
-          <p:cNvPr id="9" name="Picture 8"/>
-          <p:cNvPicPr>
-            <a:picLocks noChangeAspect="1"/>
-          </p:cNvPicPr>
-          <p:nvPr/>
-        </p:nvPicPr>
-        <p:blipFill rotWithShape="1">
-          <a:blip r:embed="rId21">
-            <a:extLst>
-              <a:ext uri="{28A0092B-C50C-407E-A947-70E740481C1C}">
-                <a14:useLocalDpi xmlns:a14="http://schemas.microsoft.com/office/drawing/2010/main" val="0"/>
-              </a:ext>
-            </a:extLst>
-          </a:blip>
-          <a:srcRect t="28813"/>
-          <a:stretch/>
-        </p:blipFill>
-        <p:spPr>
-          <a:xfrm>
-            <a:off x="7999412" y="0"/>
-            <a:ext cx="1603387" cy="1141407"/>
-          </a:xfrm>
-          <a:prstGeom prst="rect">
-            <a:avLst/>
-          </a:prstGeom>
-        </p:spPr>
-      </p:pic>
-      <p:pic>
-        <p:nvPicPr>
-          <p:cNvPr id="10" name="Picture 9"/>
-          <p:cNvPicPr>
-            <a:picLocks noChangeAspect="1"/>
-          </p:cNvPicPr>
-          <p:nvPr/>
-        </p:nvPicPr>
-        <p:blipFill rotWithShape="1">
-          <a:blip r:embed="rId22">
-            <a:extLst>
-              <a:ext uri="{28A0092B-C50C-407E-A947-70E740481C1C}">
-                <a14:useLocalDpi xmlns:a14="http://schemas.microsoft.com/office/drawing/2010/main" val="0"/>
-              </a:ext>
-            </a:extLst>
-          </a:blip>
-          <a:srcRect b="23320"/>
-          <a:stretch/>
-        </p:blipFill>
-        <p:spPr>
-          <a:xfrm>
-            <a:off x="8605878" y="6096000"/>
-            <a:ext cx="993734" cy="762000"/>
-          </a:xfrm>
-          <a:prstGeom prst="rect">
-            <a:avLst/>
-          </a:prstGeom>
-        </p:spPr>
-      </p:pic>
-      <p:sp>
-        <p:nvSpPr>
-          <p:cNvPr id="14" name="Rectangle 13"/>
-          <p:cNvSpPr/>
-          <p:nvPr/>
-        </p:nvSpPr>
-        <p:spPr>
-          <a:xfrm>
-            <a:off x="10437812" y="0"/>
-            <a:ext cx="685800" cy="1143000"/>
-          </a:xfrm>
-          <a:prstGeom prst="rect">
-            <a:avLst/>
-          </a:prstGeom>
-          <a:solidFill>
-            <a:schemeClr val="accent1"/>
-          </a:solidFill>
-          <a:ln>
-            <a:noFill/>
-          </a:ln>
-        </p:spPr>
-        <p:style>
-          <a:lnRef idx="1">
-            <a:schemeClr val="accent1"/>
-          </a:lnRef>
-          <a:fillRef idx="3">
-            <a:schemeClr val="accent1"/>
-          </a:fillRef>
-          <a:effectRef idx="2">
-            <a:schemeClr val="accent1"/>
-          </a:effectRef>
-          <a:fontRef idx="minor">
-            <a:schemeClr val="lt1"/>
-          </a:fontRef>
-        </p:style>
-      </p:sp>
-      <p:sp>
-        <p:nvSpPr>
-          <p:cNvPr id="2" name="Title Placeholder 1"/>
-          <p:cNvSpPr>
-            <a:spLocks noGrp="1"/>
-          </p:cNvSpPr>
-          <p:nvPr>
-            <p:ph type="title"/>
-          </p:nvPr>
-        </p:nvSpPr>
-        <p:spPr>
-          <a:xfrm>
-            <a:off x="646111" y="452718"/>
-            <a:ext cx="9404723" cy="1400530"/>
-          </a:xfrm>
-          <a:prstGeom prst="rect">
-            <a:avLst/>
-          </a:prstGeom>
-        </p:spPr>
-        <p:txBody>
-          <a:bodyPr vert="horz" lIns="91440" tIns="45720" rIns="91440" bIns="45720" rtlCol="0" anchor="t">
-            <a:noAutofit/>
+        <p:txBody>
+          <a:bodyPr vert="horz" lIns="91440" tIns="45720" rIns="91440" bIns="45720" rtlCol="0" anchor="ctr">
+            <a:normAutofit/>
           </a:bodyPr>
           <a:lstStyle/>
           <a:p>
@@ -5472,8 +7247,8 @@
         </p:nvSpPr>
         <p:spPr>
           <a:xfrm>
-            <a:off x="1103312" y="2052918"/>
-            <a:ext cx="8946541" cy="4195481"/>
+            <a:off x="680321" y="2336873"/>
+            <a:ext cx="9613861" cy="3599316"/>
           </a:xfrm>
           <a:prstGeom prst="rect">
             <a:avLst/>
@@ -5533,99 +7308,19 @@
           </p:nvPr>
         </p:nvSpPr>
         <p:spPr>
-          <a:xfrm rot="5400000">
-            <a:off x="10155639" y="1790701"/>
-            <a:ext cx="990599" cy="304799"/>
+          <a:xfrm>
+            <a:off x="7550981" y="5936187"/>
+            <a:ext cx="2743200" cy="365125"/>
           </a:xfrm>
           <a:prstGeom prst="rect">
             <a:avLst/>
           </a:prstGeom>
         </p:spPr>
         <p:txBody>
-          <a:bodyPr vert="horz" lIns="91440" tIns="45720" rIns="91440" bIns="45720" rtlCol="0" anchor="t"/>
+          <a:bodyPr vert="horz" lIns="91440" tIns="45720" rIns="91440" bIns="45720" rtlCol="0" anchor="ctr"/>
           <a:lstStyle>
-            <a:lvl1pPr algn="l">
-              <a:defRPr sz="1100" b="0" i="0">
-                <a:solidFill>
-                  <a:schemeClr val="tx1">
-                    <a:tint val="75000"/>
-                    <a:alpha val="60000"/>
-                  </a:schemeClr>
-                </a:solidFill>
-              </a:defRPr>
-            </a:lvl1pPr>
-          </a:lstStyle>
-          <a:p>
-            <a:fld id="{1415355B-2634-4E66-91F0-41971C44CBA6}" type="datetimeFigureOut">
-              <a:rPr lang="en-GB" smtClean="0"/>
-              <a:t>12/02/2025</a:t>
-            </a:fld>
-            <a:endParaRPr lang="en-GB"/>
-          </a:p>
-        </p:txBody>
-      </p:sp>
-      <p:sp>
-        <p:nvSpPr>
-          <p:cNvPr id="5" name="Footer Placeholder 4"/>
-          <p:cNvSpPr>
-            <a:spLocks noGrp="1"/>
-          </p:cNvSpPr>
-          <p:nvPr>
-            <p:ph type="ftr" sz="quarter" idx="3"/>
-          </p:nvPr>
-        </p:nvSpPr>
-        <p:spPr>
-          <a:xfrm rot="5400000">
-            <a:off x="8951573" y="3225297"/>
-            <a:ext cx="3859795" cy="304801"/>
-          </a:xfrm>
-          <a:prstGeom prst="rect">
-            <a:avLst/>
-          </a:prstGeom>
-        </p:spPr>
-        <p:txBody>
-          <a:bodyPr vert="horz" lIns="91440" tIns="45720" rIns="91440" bIns="45720" rtlCol="0" anchor="b"/>
-          <a:lstStyle>
-            <a:lvl1pPr algn="l">
-              <a:defRPr sz="1100" b="0" i="0">
-                <a:solidFill>
-                  <a:schemeClr val="tx1">
-                    <a:tint val="75000"/>
-                    <a:alpha val="60000"/>
-                  </a:schemeClr>
-                </a:solidFill>
-              </a:defRPr>
-            </a:lvl1pPr>
-          </a:lstStyle>
-          <a:p>
-            <a:endParaRPr lang="en-GB"/>
-          </a:p>
-        </p:txBody>
-      </p:sp>
-      <p:sp>
-        <p:nvSpPr>
-          <p:cNvPr id="6" name="Slide Number Placeholder 5"/>
-          <p:cNvSpPr>
-            <a:spLocks noGrp="1"/>
-          </p:cNvSpPr>
-          <p:nvPr>
-            <p:ph type="sldNum" sz="quarter" idx="4"/>
-          </p:nvPr>
-        </p:nvSpPr>
-        <p:spPr bwMode="gray">
-          <a:xfrm>
-            <a:off x="10352540" y="295729"/>
-            <a:ext cx="838199" cy="767687"/>
-          </a:xfrm>
-          <a:prstGeom prst="rect">
-            <a:avLst/>
-          </a:prstGeom>
-        </p:spPr>
-        <p:txBody>
-          <a:bodyPr vert="horz" lIns="91440" tIns="45720" rIns="91440" bIns="45720" rtlCol="0" anchor="b"/>
-          <a:lstStyle>
-            <a:lvl1pPr algn="ctr">
-              <a:defRPr sz="2800" b="0" i="0">
+            <a:lvl1pPr algn="r">
+              <a:defRPr sz="1050">
                 <a:solidFill>
                   <a:schemeClr val="tx1">
                     <a:tint val="75000"/>
@@ -5635,7 +7330,85 @@
             </a:lvl1pPr>
           </a:lstStyle>
           <a:p>
-            <a:fld id="{2FA82579-086B-42C5-A211-27F08592B2BA}" type="slidenum">
+            <a:fld id="{99A83B17-14C1-41F4-867A-23A379B416F7}" type="datetimeFigureOut">
+              <a:rPr lang="en-GB" smtClean="0"/>
+              <a:t>12/02/2025</a:t>
+            </a:fld>
+            <a:endParaRPr lang="en-GB"/>
+          </a:p>
+        </p:txBody>
+      </p:sp>
+      <p:sp>
+        <p:nvSpPr>
+          <p:cNvPr id="5" name="Footer Placeholder 4"/>
+          <p:cNvSpPr>
+            <a:spLocks noGrp="1"/>
+          </p:cNvSpPr>
+          <p:nvPr>
+            <p:ph type="ftr" sz="quarter" idx="3"/>
+          </p:nvPr>
+        </p:nvSpPr>
+        <p:spPr>
+          <a:xfrm>
+            <a:off x="680321" y="5936188"/>
+            <a:ext cx="6870660" cy="365125"/>
+          </a:xfrm>
+          <a:prstGeom prst="rect">
+            <a:avLst/>
+          </a:prstGeom>
+        </p:spPr>
+        <p:txBody>
+          <a:bodyPr vert="horz" lIns="91440" tIns="45720" rIns="91440" bIns="45720" rtlCol="0" anchor="ctr"/>
+          <a:lstStyle>
+            <a:lvl1pPr algn="l">
+              <a:defRPr sz="1050">
+                <a:solidFill>
+                  <a:schemeClr val="tx1">
+                    <a:tint val="75000"/>
+                  </a:schemeClr>
+                </a:solidFill>
+              </a:defRPr>
+            </a:lvl1pPr>
+          </a:lstStyle>
+          <a:p>
+            <a:endParaRPr lang="en-GB"/>
+          </a:p>
+        </p:txBody>
+      </p:sp>
+      <p:sp>
+        <p:nvSpPr>
+          <p:cNvPr id="6" name="Slide Number Placeholder 5"/>
+          <p:cNvSpPr>
+            <a:spLocks noGrp="1"/>
+          </p:cNvSpPr>
+          <p:nvPr>
+            <p:ph type="sldNum" sz="quarter" idx="4"/>
+          </p:nvPr>
+        </p:nvSpPr>
+        <p:spPr>
+          <a:xfrm>
+            <a:off x="10729455" y="753227"/>
+            <a:ext cx="1154151" cy="1090789"/>
+          </a:xfrm>
+          <a:prstGeom prst="rect">
+            <a:avLst/>
+          </a:prstGeom>
+        </p:spPr>
+        <p:txBody>
+          <a:bodyPr vert="horz" lIns="91440" tIns="45720" rIns="91440" bIns="45720" rtlCol="0" anchor="ctr"/>
+          <a:lstStyle>
+            <a:lvl1pPr algn="l">
+              <a:defRPr sz="3600">
+                <a:solidFill>
+                  <a:schemeClr val="tx1">
+                    <a:tint val="75000"/>
+                  </a:schemeClr>
+                </a:solidFill>
+              </a:defRPr>
+            </a:lvl1pPr>
+          </a:lstStyle>
+          <a:p>
+            <a:fld id="{CA95F3DD-E009-476A-A393-164C21EAFD0D}" type="slidenum">
               <a:rPr lang="en-GB" smtClean="0"/>
               <a:t>‹#›</a:t>
             </a:fld>
@@ -5646,7 +7419,7 @@
     </p:spTree>
     <p:extLst>
       <p:ext uri="{BB962C8B-B14F-4D97-AF65-F5344CB8AC3E}">
-        <p14:creationId xmlns:p14="http://schemas.microsoft.com/office/powerpoint/2010/main" val="3039142062"/>
+        <p14:creationId xmlns:p14="http://schemas.microsoft.com/office/powerpoint/2010/main" val="3964252885"/>
       </p:ext>
     </p:extLst>
   </p:cSld>
@@ -5672,95 +7445,15 @@
   </p:sldLayoutIdLst>
   <p:txStyles>
     <p:titleStyle>
-      <a:lvl1pPr algn="l" defTabSz="457200" rtl="0" eaLnBrk="1" latinLnBrk="0" hangingPunct="1">
+      <a:lvl1pPr algn="l" defTabSz="914400" rtl="0" eaLnBrk="1" latinLnBrk="0" hangingPunct="1">
+        <a:lnSpc>
+          <a:spcPct val="90000"/>
+        </a:lnSpc>
         <a:spcBef>
           <a:spcPct val="0"/>
         </a:spcBef>
         <a:buNone/>
-        <a:defRPr sz="4200" b="0" i="0" kern="1200">
-          <a:solidFill>
-            <a:schemeClr val="tx2"/>
-          </a:solidFill>
-          <a:latin typeface="+mj-lt"/>
-          <a:ea typeface="+mj-ea"/>
-          <a:cs typeface="+mj-cs"/>
-        </a:defRPr>
-      </a:lvl1pPr>
-      <a:lvl2pPr eaLnBrk="1" hangingPunct="1">
-        <a:defRPr>
-          <a:solidFill>
-            <a:schemeClr val="tx2"/>
-          </a:solidFill>
-        </a:defRPr>
-      </a:lvl2pPr>
-      <a:lvl3pPr eaLnBrk="1" hangingPunct="1">
-        <a:defRPr>
-          <a:solidFill>
-            <a:schemeClr val="tx2"/>
-          </a:solidFill>
-        </a:defRPr>
-      </a:lvl3pPr>
-      <a:lvl4pPr eaLnBrk="1" hangingPunct="1">
-        <a:defRPr>
-          <a:solidFill>
-            <a:schemeClr val="tx2"/>
-          </a:solidFill>
-        </a:defRPr>
-      </a:lvl4pPr>
-      <a:lvl5pPr eaLnBrk="1" hangingPunct="1">
-        <a:defRPr>
-          <a:solidFill>
-            <a:schemeClr val="tx2"/>
-          </a:solidFill>
-        </a:defRPr>
-      </a:lvl5pPr>
-      <a:lvl6pPr eaLnBrk="1" hangingPunct="1">
-        <a:defRPr>
-          <a:solidFill>
-            <a:schemeClr val="tx2"/>
-          </a:solidFill>
-        </a:defRPr>
-      </a:lvl6pPr>
-      <a:lvl7pPr eaLnBrk="1" hangingPunct="1">
-        <a:defRPr>
-          <a:solidFill>
-            <a:schemeClr val="tx2"/>
-          </a:solidFill>
-        </a:defRPr>
-      </a:lvl7pPr>
-      <a:lvl8pPr eaLnBrk="1" hangingPunct="1">
-        <a:defRPr>
-          <a:solidFill>
-            <a:schemeClr val="tx2"/>
-          </a:solidFill>
-        </a:defRPr>
-      </a:lvl8pPr>
-      <a:lvl9pPr eaLnBrk="1" hangingPunct="1">
-        <a:defRPr>
-          <a:solidFill>
-            <a:schemeClr val="tx2"/>
-          </a:solidFill>
-        </a:defRPr>
-      </a:lvl9pPr>
-    </p:titleStyle>
-    <p:bodyStyle>
-      <a:lvl1pPr marL="342900" indent="-342900" algn="l" defTabSz="457200" rtl="0" eaLnBrk="1" latinLnBrk="0" hangingPunct="1">
-        <a:spcBef>
-          <a:spcPts val="1000"/>
-        </a:spcBef>
-        <a:spcAft>
-          <a:spcPts val="0"/>
-        </a:spcAft>
-        <a:buClr>
-          <a:schemeClr val="bg2">
-            <a:lumMod val="40000"/>
-            <a:lumOff val="60000"/>
-          </a:schemeClr>
-        </a:buClr>
-        <a:buSzPct val="80000"/>
-        <a:buFont typeface="Wingdings 3" charset="2"/>
-        <a:buChar char=""/>
-        <a:defRPr sz="2000" b="0" i="0" kern="1200">
+        <a:defRPr sz="3600" kern="1200">
           <a:solidFill>
             <a:schemeClr val="tx1"/>
           </a:solidFill>
@@ -5769,204 +7462,168 @@
           <a:cs typeface="+mj-cs"/>
         </a:defRPr>
       </a:lvl1pPr>
-      <a:lvl2pPr marL="742950" indent="-285750" algn="l" defTabSz="457200" rtl="0" eaLnBrk="1" latinLnBrk="0" hangingPunct="1">
+    </p:titleStyle>
+    <p:bodyStyle>
+      <a:lvl1pPr marL="228600" indent="-228600" algn="l" defTabSz="914400" rtl="0" eaLnBrk="1" latinLnBrk="0" hangingPunct="1">
+        <a:lnSpc>
+          <a:spcPct val="90000"/>
+        </a:lnSpc>
         <a:spcBef>
           <a:spcPts val="1000"/>
         </a:spcBef>
-        <a:spcAft>
-          <a:spcPts val="0"/>
-        </a:spcAft>
-        <a:buClr>
-          <a:schemeClr val="bg2">
-            <a:lumMod val="40000"/>
-            <a:lumOff val="60000"/>
-          </a:schemeClr>
-        </a:buClr>
-        <a:buSzPct val="80000"/>
-        <a:buFont typeface="Wingdings 3" charset="2"/>
-        <a:buChar char=""/>
-        <a:defRPr sz="1800" b="0" i="0" kern="1200">
+        <a:buFont typeface="Arial" panose="020B0604020202020204" pitchFamily="34" charset="0"/>
+        <a:buChar char="•"/>
+        <a:defRPr sz="2400" kern="1200">
           <a:solidFill>
             <a:schemeClr val="tx1"/>
           </a:solidFill>
-          <a:latin typeface="+mj-lt"/>
-          <a:ea typeface="+mj-ea"/>
-          <a:cs typeface="+mj-cs"/>
+          <a:latin typeface="+mn-lt"/>
+          <a:ea typeface="+mn-ea"/>
+          <a:cs typeface="+mn-cs"/>
         </a:defRPr>
-      </a:lvl2pPr>
-      <a:lvl3pPr marL="1143000" indent="-228600" algn="l" defTabSz="457200" rtl="0" eaLnBrk="1" latinLnBrk="0" hangingPunct="1">
+      </a:lvl1pPr>
+      <a:lvl2pPr marL="685800" indent="-228600" algn="l" defTabSz="914400" rtl="0" eaLnBrk="1" latinLnBrk="0" hangingPunct="1">
+        <a:lnSpc>
+          <a:spcPct val="90000"/>
+        </a:lnSpc>
         <a:spcBef>
-          <a:spcPts val="1000"/>
+          <a:spcPts val="500"/>
         </a:spcBef>
-        <a:spcAft>
-          <a:spcPts val="0"/>
-        </a:spcAft>
-        <a:buClr>
-          <a:schemeClr val="bg2">
-            <a:lumMod val="40000"/>
-            <a:lumOff val="60000"/>
-          </a:schemeClr>
-        </a:buClr>
-        <a:buSzPct val="80000"/>
-        <a:buFont typeface="Wingdings 3" charset="2"/>
-        <a:buChar char=""/>
-        <a:defRPr sz="1600" b="0" i="0" kern="1200">
+        <a:buFont typeface="Arial" panose="020B0604020202020204" pitchFamily="34" charset="0"/>
+        <a:buChar char="•"/>
+        <a:defRPr sz="2000" kern="1200">
           <a:solidFill>
             <a:schemeClr val="tx1"/>
           </a:solidFill>
-          <a:latin typeface="+mj-lt"/>
-          <a:ea typeface="+mj-ea"/>
-          <a:cs typeface="+mj-cs"/>
+          <a:latin typeface="+mn-lt"/>
+          <a:ea typeface="+mn-ea"/>
+          <a:cs typeface="+mn-cs"/>
         </a:defRPr>
-      </a:lvl3pPr>
-      <a:lvl4pPr marL="1600200" indent="-228600" algn="l" defTabSz="457200" rtl="0" eaLnBrk="1" latinLnBrk="0" hangingPunct="1">
+      </a:lvl2pPr>
+      <a:lvl3pPr marL="1143000" indent="-228600" algn="l" defTabSz="914400" rtl="0" eaLnBrk="1" latinLnBrk="0" hangingPunct="1">
+        <a:lnSpc>
+          <a:spcPct val="90000"/>
+        </a:lnSpc>
         <a:spcBef>
-          <a:spcPts val="1000"/>
+          <a:spcPts val="500"/>
         </a:spcBef>
-        <a:spcAft>
-          <a:spcPts val="0"/>
-        </a:spcAft>
-        <a:buClr>
-          <a:schemeClr val="bg2">
-            <a:lumMod val="40000"/>
-            <a:lumOff val="60000"/>
-          </a:schemeClr>
-        </a:buClr>
-        <a:buSzPct val="80000"/>
-        <a:buFont typeface="Wingdings 3" charset="2"/>
-        <a:buChar char=""/>
-        <a:defRPr sz="1400" b="0" i="0" kern="1200">
+        <a:buFont typeface="Arial" panose="020B0604020202020204" pitchFamily="34" charset="0"/>
+        <a:buChar char="•"/>
+        <a:defRPr sz="1800" kern="1200">
           <a:solidFill>
             <a:schemeClr val="tx1"/>
           </a:solidFill>
-          <a:latin typeface="+mj-lt"/>
-          <a:ea typeface="+mj-ea"/>
-          <a:cs typeface="+mj-cs"/>
+          <a:latin typeface="+mn-lt"/>
+          <a:ea typeface="+mn-ea"/>
+          <a:cs typeface="+mn-cs"/>
         </a:defRPr>
-      </a:lvl4pPr>
-      <a:lvl5pPr marL="2057400" indent="-228600" algn="l" defTabSz="457200" rtl="0" eaLnBrk="1" latinLnBrk="0" hangingPunct="1">
+      </a:lvl3pPr>
+      <a:lvl4pPr marL="1600200" indent="-228600" algn="l" defTabSz="914400" rtl="0" eaLnBrk="1" latinLnBrk="0" hangingPunct="1">
+        <a:lnSpc>
+          <a:spcPct val="90000"/>
+        </a:lnSpc>
         <a:spcBef>
-          <a:spcPts val="1000"/>
+          <a:spcPts val="500"/>
         </a:spcBef>
-        <a:spcAft>
-          <a:spcPts val="0"/>
-        </a:spcAft>
-        <a:buClr>
-          <a:schemeClr val="bg2">
-            <a:lumMod val="40000"/>
-            <a:lumOff val="60000"/>
-          </a:schemeClr>
-        </a:buClr>
-        <a:buSzPct val="80000"/>
-        <a:buFont typeface="Wingdings 3" charset="2"/>
-        <a:buChar char=""/>
-        <a:defRPr sz="1400" b="0" i="0" kern="1200">
+        <a:buFont typeface="Arial" panose="020B0604020202020204" pitchFamily="34" charset="0"/>
+        <a:buChar char="•"/>
+        <a:defRPr sz="1600" kern="1200">
           <a:solidFill>
             <a:schemeClr val="tx1"/>
           </a:solidFill>
-          <a:latin typeface="+mj-lt"/>
-          <a:ea typeface="+mj-ea"/>
-          <a:cs typeface="+mj-cs"/>
+          <a:latin typeface="+mn-lt"/>
+          <a:ea typeface="+mn-ea"/>
+          <a:cs typeface="+mn-cs"/>
         </a:defRPr>
-      </a:lvl5pPr>
-      <a:lvl6pPr marL="2506000" indent="-228600" algn="l" defTabSz="457200" rtl="0" eaLnBrk="1" latinLnBrk="0" hangingPunct="1">
+      </a:lvl4pPr>
+      <a:lvl5pPr marL="2057400" indent="-228600" algn="l" defTabSz="914400" rtl="0" eaLnBrk="1" latinLnBrk="0" hangingPunct="1">
+        <a:lnSpc>
+          <a:spcPct val="90000"/>
+        </a:lnSpc>
         <a:spcBef>
-          <a:spcPts val="1000"/>
+          <a:spcPts val="500"/>
         </a:spcBef>
-        <a:spcAft>
-          <a:spcPts val="0"/>
-        </a:spcAft>
-        <a:buClr>
-          <a:schemeClr val="bg2">
-            <a:lumMod val="40000"/>
-            <a:lumOff val="60000"/>
-          </a:schemeClr>
-        </a:buClr>
-        <a:buSzPct val="80000"/>
-        <a:buFont typeface="Wingdings 3" charset="2"/>
-        <a:buChar char=""/>
-        <a:defRPr sz="1400" b="0" i="0" kern="1200">
+        <a:buFont typeface="Arial" panose="020B0604020202020204" pitchFamily="34" charset="0"/>
+        <a:buChar char="•"/>
+        <a:defRPr sz="1600" kern="1200">
           <a:solidFill>
             <a:schemeClr val="tx1"/>
           </a:solidFill>
-          <a:latin typeface="+mj-lt"/>
-          <a:ea typeface="+mj-ea"/>
-          <a:cs typeface="+mj-cs"/>
+          <a:latin typeface="+mn-lt"/>
+          <a:ea typeface="+mn-ea"/>
+          <a:cs typeface="+mn-cs"/>
         </a:defRPr>
-      </a:lvl6pPr>
-      <a:lvl7pPr marL="2971800" indent="-228600" algn="l" defTabSz="457200" rtl="0" eaLnBrk="1" latinLnBrk="0" hangingPunct="1">
+      </a:lvl5pPr>
+      <a:lvl6pPr marL="2514600" indent="-228600" algn="l" defTabSz="914400" rtl="0" eaLnBrk="1" latinLnBrk="0" hangingPunct="1">
+        <a:lnSpc>
+          <a:spcPct val="90000"/>
+        </a:lnSpc>
         <a:spcBef>
-          <a:spcPts val="1000"/>
+          <a:spcPts val="500"/>
         </a:spcBef>
-        <a:spcAft>
-          <a:spcPts val="0"/>
-        </a:spcAft>
-        <a:buClr>
-          <a:schemeClr val="bg2">
-            <a:lumMod val="40000"/>
-            <a:lumOff val="60000"/>
-          </a:schemeClr>
-        </a:buClr>
-        <a:buSzPct val="80000"/>
-        <a:buFont typeface="Wingdings 3" charset="2"/>
-        <a:buChar char=""/>
-        <a:defRPr sz="1400" b="0" i="0" kern="1200">
+        <a:buFont typeface="Arial" panose="020B0604020202020204" pitchFamily="34" charset="0"/>
+        <a:buChar char="•"/>
+        <a:defRPr sz="1400" kern="1200">
           <a:solidFill>
             <a:schemeClr val="tx1"/>
           </a:solidFill>
-          <a:latin typeface="+mj-lt"/>
-          <a:ea typeface="+mj-ea"/>
-          <a:cs typeface="+mj-cs"/>
+          <a:latin typeface="+mn-lt"/>
+          <a:ea typeface="+mn-ea"/>
+          <a:cs typeface="+mn-cs"/>
         </a:defRPr>
-      </a:lvl7pPr>
-      <a:lvl8pPr marL="3429000" indent="-228600" algn="l" defTabSz="457200" rtl="0" eaLnBrk="1" latinLnBrk="0" hangingPunct="1">
+      </a:lvl6pPr>
+      <a:lvl7pPr marL="2971800" indent="-228600" algn="l" defTabSz="914400" rtl="0" eaLnBrk="1" latinLnBrk="0" hangingPunct="1">
+        <a:lnSpc>
+          <a:spcPct val="90000"/>
+        </a:lnSpc>
         <a:spcBef>
-          <a:spcPts val="1000"/>
+          <a:spcPts val="500"/>
         </a:spcBef>
-        <a:spcAft>
-          <a:spcPts val="0"/>
-        </a:spcAft>
-        <a:buClr>
-          <a:schemeClr val="bg2">
-            <a:lumMod val="40000"/>
-            <a:lumOff val="60000"/>
-          </a:schemeClr>
-        </a:buClr>
-        <a:buSzPct val="80000"/>
-        <a:buFont typeface="Wingdings 3" charset="2"/>
-        <a:buChar char=""/>
-        <a:defRPr sz="1400" b="0" i="0" kern="1200">
+        <a:buFont typeface="Arial" panose="020B0604020202020204" pitchFamily="34" charset="0"/>
+        <a:buChar char="•"/>
+        <a:defRPr sz="1400" kern="1200">
           <a:solidFill>
             <a:schemeClr val="tx1"/>
           </a:solidFill>
-          <a:latin typeface="+mj-lt"/>
-          <a:ea typeface="+mj-ea"/>
-          <a:cs typeface="+mj-cs"/>
+          <a:latin typeface="+mn-lt"/>
+          <a:ea typeface="+mn-ea"/>
+          <a:cs typeface="+mn-cs"/>
         </a:defRPr>
-      </a:lvl8pPr>
-      <a:lvl9pPr marL="3886200" indent="-228600" algn="l" defTabSz="457200" rtl="0" eaLnBrk="1" latinLnBrk="0" hangingPunct="1">
+      </a:lvl7pPr>
+      <a:lvl8pPr marL="3429000" indent="-228600" algn="l" defTabSz="914400" rtl="0" eaLnBrk="1" latinLnBrk="0" hangingPunct="1">
+        <a:lnSpc>
+          <a:spcPct val="90000"/>
+        </a:lnSpc>
         <a:spcBef>
-          <a:spcPts val="1000"/>
+          <a:spcPts val="500"/>
         </a:spcBef>
-        <a:spcAft>
-          <a:spcPts val="0"/>
-        </a:spcAft>
-        <a:buClr>
-          <a:schemeClr val="bg2">
-            <a:lumMod val="40000"/>
-            <a:lumOff val="60000"/>
-          </a:schemeClr>
-        </a:buClr>
-        <a:buSzPct val="80000"/>
-        <a:buFont typeface="Wingdings 3" charset="2"/>
-        <a:buChar char=""/>
-        <a:defRPr sz="1400" b="0" i="0" kern="1200">
+        <a:buFont typeface="Arial" panose="020B0604020202020204" pitchFamily="34" charset="0"/>
+        <a:buChar char="•"/>
+        <a:defRPr sz="1400" kern="1200">
           <a:solidFill>
             <a:schemeClr val="tx1"/>
           </a:solidFill>
-          <a:latin typeface="+mj-lt"/>
-          <a:ea typeface="+mj-ea"/>
-          <a:cs typeface="+mj-cs"/>
+          <a:latin typeface="+mn-lt"/>
+          <a:ea typeface="+mn-ea"/>
+          <a:cs typeface="+mn-cs"/>
+        </a:defRPr>
+      </a:lvl8pPr>
+      <a:lvl9pPr marL="3886200" indent="-228600" algn="l" defTabSz="914400" rtl="0" eaLnBrk="1" latinLnBrk="0" hangingPunct="1">
+        <a:lnSpc>
+          <a:spcPct val="90000"/>
+        </a:lnSpc>
+        <a:spcBef>
+          <a:spcPts val="500"/>
+        </a:spcBef>
+        <a:buFont typeface="Arial" panose="020B0604020202020204" pitchFamily="34" charset="0"/>
+        <a:buChar char="•"/>
+        <a:defRPr sz="1400" kern="1200">
+          <a:solidFill>
+            <a:schemeClr val="tx1"/>
+          </a:solidFill>
+          <a:latin typeface="+mn-lt"/>
+          <a:ea typeface="+mn-ea"/>
+          <a:cs typeface="+mn-cs"/>
         </a:defRPr>
       </a:lvl9pPr>
     </p:bodyStyle>
@@ -5974,7 +7631,7 @@
       <a:defPPr>
         <a:defRPr lang="en-US"/>
       </a:defPPr>
-      <a:lvl1pPr marL="0" algn="l" defTabSz="457200" rtl="0" eaLnBrk="1" latinLnBrk="0" hangingPunct="1">
+      <a:lvl1pPr marL="0" algn="l" defTabSz="914400" rtl="0" eaLnBrk="1" latinLnBrk="0" hangingPunct="1">
         <a:defRPr sz="1800" kern="1200">
           <a:solidFill>
             <a:schemeClr val="tx1"/>
@@ -5984,7 +7641,7 @@
           <a:cs typeface="+mn-cs"/>
         </a:defRPr>
       </a:lvl1pPr>
-      <a:lvl2pPr marL="457200" algn="l" defTabSz="457200" rtl="0" eaLnBrk="1" latinLnBrk="0" hangingPunct="1">
+      <a:lvl2pPr marL="457200" algn="l" defTabSz="914400" rtl="0" eaLnBrk="1" latinLnBrk="0" hangingPunct="1">
         <a:defRPr sz="1800" kern="1200">
           <a:solidFill>
             <a:schemeClr val="tx1"/>
@@ -5994,7 +7651,7 @@
           <a:cs typeface="+mn-cs"/>
         </a:defRPr>
       </a:lvl2pPr>
-      <a:lvl3pPr marL="914400" algn="l" defTabSz="457200" rtl="0" eaLnBrk="1" latinLnBrk="0" hangingPunct="1">
+      <a:lvl3pPr marL="914400" algn="l" defTabSz="914400" rtl="0" eaLnBrk="1" latinLnBrk="0" hangingPunct="1">
         <a:defRPr sz="1800" kern="1200">
           <a:solidFill>
             <a:schemeClr val="tx1"/>
@@ -6004,7 +7661,7 @@
           <a:cs typeface="+mn-cs"/>
         </a:defRPr>
       </a:lvl3pPr>
-      <a:lvl4pPr marL="1371600" algn="l" defTabSz="457200" rtl="0" eaLnBrk="1" latinLnBrk="0" hangingPunct="1">
+      <a:lvl4pPr marL="1371600" algn="l" defTabSz="914400" rtl="0" eaLnBrk="1" latinLnBrk="0" hangingPunct="1">
         <a:defRPr sz="1800" kern="1200">
           <a:solidFill>
             <a:schemeClr val="tx1"/>
@@ -6014,7 +7671,7 @@
           <a:cs typeface="+mn-cs"/>
         </a:defRPr>
       </a:lvl4pPr>
-      <a:lvl5pPr marL="1828800" algn="l" defTabSz="457200" rtl="0" eaLnBrk="1" latinLnBrk="0" hangingPunct="1">
+      <a:lvl5pPr marL="1828800" algn="l" defTabSz="914400" rtl="0" eaLnBrk="1" latinLnBrk="0" hangingPunct="1">
         <a:defRPr sz="1800" kern="1200">
           <a:solidFill>
             <a:schemeClr val="tx1"/>
@@ -6024,7 +7681,7 @@
           <a:cs typeface="+mn-cs"/>
         </a:defRPr>
       </a:lvl5pPr>
-      <a:lvl6pPr marL="2286000" algn="l" defTabSz="457200" rtl="0" eaLnBrk="1" latinLnBrk="0" hangingPunct="1">
+      <a:lvl6pPr marL="2286000" algn="l" defTabSz="914400" rtl="0" eaLnBrk="1" latinLnBrk="0" hangingPunct="1">
         <a:defRPr sz="1800" kern="1200">
           <a:solidFill>
             <a:schemeClr val="tx1"/>
@@ -6034,7 +7691,7 @@
           <a:cs typeface="+mn-cs"/>
         </a:defRPr>
       </a:lvl6pPr>
-      <a:lvl7pPr marL="2743200" algn="l" defTabSz="457200" rtl="0" eaLnBrk="1" latinLnBrk="0" hangingPunct="1">
+      <a:lvl7pPr marL="2743200" algn="l" defTabSz="914400" rtl="0" eaLnBrk="1" latinLnBrk="0" hangingPunct="1">
         <a:defRPr sz="1800" kern="1200">
           <a:solidFill>
             <a:schemeClr val="tx1"/>
@@ -6044,7 +7701,7 @@
           <a:cs typeface="+mn-cs"/>
         </a:defRPr>
       </a:lvl7pPr>
-      <a:lvl8pPr marL="3200400" algn="l" defTabSz="457200" rtl="0" eaLnBrk="1" latinLnBrk="0" hangingPunct="1">
+      <a:lvl8pPr marL="3200400" algn="l" defTabSz="914400" rtl="0" eaLnBrk="1" latinLnBrk="0" hangingPunct="1">
         <a:defRPr sz="1800" kern="1200">
           <a:solidFill>
             <a:schemeClr val="tx1"/>
@@ -6054,7 +7711,7 @@
           <a:cs typeface="+mn-cs"/>
         </a:defRPr>
       </a:lvl8pPr>
-      <a:lvl9pPr marL="3657600" algn="l" defTabSz="457200" rtl="0" eaLnBrk="1" latinLnBrk="0" hangingPunct="1">
+      <a:lvl9pPr marL="3657600" algn="l" defTabSz="914400" rtl="0" eaLnBrk="1" latinLnBrk="0" hangingPunct="1">
         <a:defRPr sz="1800" kern="1200">
           <a:solidFill>
             <a:schemeClr val="tx1"/>
@@ -6091,7 +7748,7 @@
           <p:cNvPr id="2" name="Title 1">
             <a:extLst>
               <a:ext uri="{FF2B5EF4-FFF2-40B4-BE49-F238E27FC236}">
-                <a16:creationId xmlns:a16="http://schemas.microsoft.com/office/drawing/2014/main" id="{47543072-5672-4121-36E8-38B13D2F535E}"/>
+                <a16:creationId xmlns:a16="http://schemas.microsoft.com/office/drawing/2014/main" id="{E71DFB0D-D98A-A25F-6FFF-DE3AF55D7EE0}"/>
               </a:ext>
             </a:extLst>
           </p:cNvPr>
@@ -6108,18 +7765,17 @@
           <a:lstStyle/>
           <a:p>
             <a:r>
-              <a:rPr lang="en-GB" dirty="0"/>
-              <a:t>Change</a:t>
+              <a:t>Test</a:t>
             </a:r>
           </a:p>
         </p:txBody>
       </p:sp>
       <p:pic>
         <p:nvPicPr>
-          <p:cNvPr id="6" name="Content Placeholder 5" descr="A black and white flower&#10;&#10;Description automatically generated">
+          <p:cNvPr id="6" name="Content Placeholder 5" descr="A group of pink and yellow flowers&#10;&#10;Description automatically generated">
             <a:extLst>
               <a:ext uri="{FF2B5EF4-FFF2-40B4-BE49-F238E27FC236}">
-                <a16:creationId xmlns:a16="http://schemas.microsoft.com/office/drawing/2014/main" id="{7D296D57-B4C1-DCFF-C2CC-B35514ACBA03}"/>
+                <a16:creationId xmlns:a16="http://schemas.microsoft.com/office/drawing/2014/main" id="{20513399-877C-455A-77DD-6E1C89D4C58B}"/>
               </a:ext>
             </a:extLst>
           </p:cNvPr>
@@ -6144,8 +7800,8 @@
         </p:blipFill>
         <p:spPr>
           <a:xfrm>
-            <a:off x="5858669" y="1447800"/>
-            <a:ext cx="3047999" cy="4572000"/>
+            <a:off x="5691187" y="2336800"/>
+            <a:ext cx="3598863" cy="3598863"/>
           </a:xfrm>
         </p:spPr>
       </p:pic>
@@ -6154,7 +7810,7 @@
           <p:cNvPr id="4" name="Text Placeholder 3">
             <a:extLst>
               <a:ext uri="{FF2B5EF4-FFF2-40B4-BE49-F238E27FC236}">
-                <a16:creationId xmlns:a16="http://schemas.microsoft.com/office/drawing/2014/main" id="{1EA7F81D-8C76-D06C-D4AF-3987FA8CB416}"/>
+                <a16:creationId xmlns:a16="http://schemas.microsoft.com/office/drawing/2014/main" id="{1E7B0877-47EC-26AA-0B1E-890ED86C2BF8}"/>
               </a:ext>
             </a:extLst>
           </p:cNvPr>
@@ -6171,8 +7827,7 @@
           <a:lstStyle/>
           <a:p>
             <a:r>
-              <a:rPr lang="en-GB" dirty="0"/>
-              <a:t>Change please</a:t>
+              <a:t>Content would be here Why bullet points</a:t>
             </a:r>
           </a:p>
         </p:txBody>
@@ -6180,7 +7835,7 @@
     </p:spTree>
     <p:extLst>
       <p:ext uri="{BB962C8B-B14F-4D97-AF65-F5344CB8AC3E}">
-        <p14:creationId xmlns:p14="http://schemas.microsoft.com/office/powerpoint/2010/main" val="2708749690"/>
+        <p14:creationId xmlns:p14="http://schemas.microsoft.com/office/powerpoint/2010/main" val="3597774552"/>
       </p:ext>
     </p:extLst>
   </p:cSld>
@@ -6191,9 +7846,9 @@
 </file>
 
 <file path=ppt/theme/theme1.xml><?xml version="1.0" encoding="utf-8"?>
-<a:theme xmlns:a="http://schemas.openxmlformats.org/drawingml/2006/main" name="Ion">
+<a:theme xmlns:a="http://schemas.openxmlformats.org/drawingml/2006/main" name="Berlin">
   <a:themeElements>
-    <a:clrScheme name="Ion">
+    <a:clrScheme name="Berlin">
       <a:dk1>
         <a:sysClr val="windowText" lastClr="000000"/>
       </a:dk1>
@@ -6201,42 +7856,42 @@
         <a:sysClr val="window" lastClr="FFFFFF"/>
       </a:lt1>
       <a:dk2>
-        <a:srgbClr val="1E5155"/>
+        <a:srgbClr val="9D360E"/>
       </a:dk2>
       <a:lt2>
-        <a:srgbClr val="EBEBEB"/>
+        <a:srgbClr val="E7E6E6"/>
       </a:lt2>
       <a:accent1>
-        <a:srgbClr val="B01513"/>
+        <a:srgbClr val="F09415"/>
       </a:accent1>
       <a:accent2>
-        <a:srgbClr val="EA6312"/>
+        <a:srgbClr val="C1B56B"/>
       </a:accent2>
       <a:accent3>
-        <a:srgbClr val="E6B729"/>
+        <a:srgbClr val="4BAF73"/>
       </a:accent3>
       <a:accent4>
-        <a:srgbClr val="6AAC90"/>
+        <a:srgbClr val="5AA6C0"/>
       </a:accent4>
       <a:accent5>
-        <a:srgbClr val="54849A"/>
+        <a:srgbClr val="D17DF9"/>
       </a:accent5>
       <a:accent6>
-        <a:srgbClr val="9E5E9B"/>
+        <a:srgbClr val="FA7E5C"/>
       </a:accent6>
       <a:hlink>
-        <a:srgbClr val="58C1BA"/>
+        <a:srgbClr val="FFAE3E"/>
       </a:hlink>
       <a:folHlink>
-        <a:srgbClr val="9DFFCB"/>
+        <a:srgbClr val="FCC77E"/>
       </a:folHlink>
     </a:clrScheme>
-    <a:fontScheme name="Ion">
+    <a:fontScheme name="Berlin">
       <a:majorFont>
-        <a:latin typeface="Century Gothic" panose="020B0502020202020204"/>
+        <a:latin typeface="Trebuchet MS" panose="020B0603020202020204"/>
         <a:ea typeface=""/>
         <a:cs typeface=""/>
-        <a:font script="Jpan" typeface="メイリオ"/>
+        <a:font script="Jpan" typeface="ＭＳ Ｐゴシック"/>
         <a:font script="Hang" typeface="맑은 고딕"/>
         <a:font script="Hans" typeface="宋体"/>
         <a:font script="Hant" typeface="新細明體"/>
@@ -6268,10 +7923,10 @@
         <a:font script="Geor" typeface="Sylfaen"/>
       </a:majorFont>
       <a:minorFont>
-        <a:latin typeface="Century Gothic" panose="020B0502020202020204"/>
+        <a:latin typeface="Trebuchet MS" panose="020B0603020202020204"/>
         <a:ea typeface=""/>
         <a:cs typeface=""/>
-        <a:font script="Jpan" typeface="メイリオ"/>
+        <a:font script="Jpan" typeface="ＭＳ Ｐゴシック"/>
         <a:font script="Hang" typeface="맑은 고딕"/>
         <a:font script="Hans" typeface="宋体"/>
         <a:font script="Hant" typeface="新細明體"/>
@@ -6303,7 +7958,7 @@
         <a:font script="Geor" typeface="Sylfaen"/>
       </a:minorFont>
     </a:fontScheme>
-    <a:fmtScheme name="Ion">
+    <a:fmtScheme name="Berlin">
       <a:fillStyleLst>
         <a:solidFill>
           <a:schemeClr val="phClr"/>
@@ -6312,15 +7967,16 @@
           <a:gsLst>
             <a:gs pos="0">
               <a:schemeClr val="phClr">
-                <a:tint val="64000"/>
-                <a:lumMod val="118000"/>
+                <a:tint val="60000"/>
+                <a:satMod val="100000"/>
+                <a:lumMod val="110000"/>
               </a:schemeClr>
             </a:gs>
             <a:gs pos="100000">
               <a:schemeClr val="phClr">
-                <a:tint val="92000"/>
-                <a:alpha val="100000"/>
-                <a:lumMod val="110000"/>
+                <a:tint val="70000"/>
+                <a:satMod val="100000"/>
+                <a:lumMod val="100000"/>
               </a:schemeClr>
             </a:gs>
           </a:gsLst>
@@ -6330,14 +7986,23 @@
           <a:gsLst>
             <a:gs pos="0">
               <a:schemeClr val="phClr">
-                <a:tint val="98000"/>
-                <a:lumMod val="114000"/>
+                <a:tint val="94000"/>
+                <a:satMod val="103000"/>
+                <a:lumMod val="102000"/>
+              </a:schemeClr>
+            </a:gs>
+            <a:gs pos="50000">
+              <a:schemeClr val="phClr">
+                <a:shade val="100000"/>
+                <a:satMod val="110000"/>
+                <a:lumMod val="100000"/>
               </a:schemeClr>
             </a:gs>
             <a:gs pos="100000">
               <a:schemeClr val="phClr">
-                <a:shade val="90000"/>
-                <a:lumMod val="84000"/>
+                <a:shade val="78000"/>
+                <a:satMod val="120000"/>
+                <a:lumMod val="99000"/>
               </a:schemeClr>
             </a:gs>
           </a:gsLst>
@@ -6345,19 +8010,19 @@
         </a:gradFill>
       </a:fillStyleLst>
       <a:lnStyleLst>
-        <a:ln w="9525" cap="rnd" cmpd="sng" algn="ctr">
+        <a:ln w="9525" cap="flat" cmpd="sng" algn="ctr">
           <a:solidFill>
             <a:schemeClr val="phClr"/>
           </a:solidFill>
           <a:prstDash val="solid"/>
         </a:ln>
-        <a:ln w="19050" cap="rnd" cmpd="sng" algn="ctr">
+        <a:ln w="12700" cap="flat" cmpd="sng" algn="ctr">
           <a:solidFill>
             <a:schemeClr val="phClr"/>
           </a:solidFill>
           <a:prstDash val="solid"/>
         </a:ln>
-        <a:ln w="28575" cap="rnd" cmpd="sng" algn="ctr">
+        <a:ln w="19050" cap="flat" cmpd="sng" algn="ctr">
           <a:solidFill>
             <a:schemeClr val="phClr"/>
           </a:solidFill>
@@ -6369,80 +8034,58 @@
           <a:effectLst/>
         </a:effectStyle>
         <a:effectStyle>
+          <a:effectLst/>
+        </a:effectStyle>
+        <a:effectStyle>
           <a:effectLst>
-            <a:outerShdw blurRad="38100" dist="25400" dir="5400000" rotWithShape="0">
+            <a:outerShdw blurRad="57150" dist="19050" dir="5400000" algn="ctr" rotWithShape="0">
               <a:srgbClr val="000000">
-                <a:alpha val="45000"/>
+                <a:alpha val="63000"/>
               </a:srgbClr>
             </a:outerShdw>
           </a:effectLst>
-        </a:effectStyle>
-        <a:effectStyle>
-          <a:effectLst>
-            <a:outerShdw blurRad="63500" dist="38100" dir="5400000" rotWithShape="0">
-              <a:srgbClr val="000000">
-                <a:alpha val="60000"/>
-              </a:srgbClr>
-            </a:outerShdw>
-          </a:effectLst>
-          <a:scene3d>
-            <a:camera prst="orthographicFront">
-              <a:rot lat="0" lon="0" rev="0"/>
-            </a:camera>
-            <a:lightRig rig="threePt" dir="tl"/>
-          </a:scene3d>
-          <a:sp3d prstMaterial="plastic">
-            <a:bevelT w="0" h="0"/>
-          </a:sp3d>
         </a:effectStyle>
       </a:effectStyleLst>
       <a:bgFillStyleLst>
         <a:solidFill>
           <a:schemeClr val="phClr"/>
         </a:solidFill>
+        <a:solidFill>
+          <a:schemeClr val="phClr">
+            <a:tint val="95000"/>
+            <a:satMod val="170000"/>
+          </a:schemeClr>
+        </a:solidFill>
         <a:gradFill rotWithShape="1">
           <a:gsLst>
             <a:gs pos="0">
               <a:schemeClr val="phClr">
-                <a:tint val="97000"/>
-                <a:hueMod val="88000"/>
-                <a:satMod val="130000"/>
-                <a:lumMod val="124000"/>
+                <a:tint val="96000"/>
+                <a:shade val="100000"/>
+                <a:hueMod val="270000"/>
+                <a:satMod val="200000"/>
+                <a:lumMod val="128000"/>
+              </a:schemeClr>
+            </a:gs>
+            <a:gs pos="50000">
+              <a:schemeClr val="phClr">
+                <a:shade val="100000"/>
+                <a:hueMod val="100000"/>
+                <a:satMod val="110000"/>
+                <a:lumMod val="130000"/>
               </a:schemeClr>
             </a:gs>
             <a:gs pos="100000">
               <a:schemeClr val="phClr">
-                <a:tint val="96000"/>
-                <a:shade val="88000"/>
-                <a:hueMod val="108000"/>
-                <a:satMod val="164000"/>
-                <a:lumMod val="76000"/>
+                <a:shade val="78000"/>
+                <a:hueMod val="44000"/>
+                <a:satMod val="200000"/>
+                <a:lumMod val="69000"/>
               </a:schemeClr>
             </a:gs>
           </a:gsLst>
-          <a:path path="circle">
-            <a:fillToRect l="45000" t="65000" r="125000" b="100000"/>
-          </a:path>
+          <a:lin ang="2520000" scaled="0"/>
         </a:gradFill>
-        <a:blipFill rotWithShape="1">
-          <a:blip xmlns:r="http://schemas.openxmlformats.org/officeDocument/2006/relationships" r:embed="rId1">
-            <a:duotone>
-              <a:schemeClr val="phClr">
-                <a:shade val="69000"/>
-                <a:hueMod val="108000"/>
-                <a:satMod val="164000"/>
-                <a:lumMod val="74000"/>
-              </a:schemeClr>
-              <a:schemeClr val="phClr">
-                <a:tint val="96000"/>
-                <a:hueMod val="88000"/>
-                <a:satMod val="140000"/>
-                <a:lumMod val="132000"/>
-              </a:schemeClr>
-            </a:duotone>
-          </a:blip>
-          <a:stretch/>
-        </a:blipFill>
       </a:bgFillStyleLst>
     </a:fmtScheme>
   </a:themeElements>
@@ -6450,7 +8093,7 @@
   <a:extraClrSchemeLst/>
   <a:extLst>
     <a:ext uri="{05A4C25C-085E-4340-85A3-A5531E510DB2}">
-      <thm15:themeFamily xmlns:thm15="http://schemas.microsoft.com/office/thememl/2012/main" name="Ion" id="{B8441ADB-2E43-4AF7-B97A-BD870242C6A8}" vid="{292E63A9-BB86-4E3D-B92A-7223C6510D2E}"/>
+      <thm15:themeFamily xmlns:thm15="http://schemas.microsoft.com/office/thememl/2012/main" name="Berlin" id="{7B5DBA9E-B069-418E-9360-A61BDD0615A4}" vid="{C0CBE056-4EF4-4D92-969E-947779DA7AAA}"/>
     </a:ext>
   </a:extLst>
 </a:theme>
